--- a/slides/11402/Introduction to Computer/CH10.pptx
+++ b/slides/11402/Introduction to Computer/CH10.pptx
@@ -5,7 +5,7 @@
     <p:sldMasterId id="2147483648" r:id="rId1"/>
   </p:sldMasterIdLst>
   <p:notesMasterIdLst>
-    <p:notesMasterId r:id="rId108"/>
+    <p:notesMasterId r:id="rId109"/>
   </p:notesMasterIdLst>
   <p:sldIdLst>
     <p:sldId id="256" r:id="rId2"/>
@@ -32,88 +32,89 @@
     <p:sldId id="270" r:id="rId23"/>
     <p:sldId id="353" r:id="rId24"/>
     <p:sldId id="354" r:id="rId25"/>
-    <p:sldId id="271" r:id="rId26"/>
-    <p:sldId id="272" r:id="rId27"/>
-    <p:sldId id="273" r:id="rId28"/>
-    <p:sldId id="327" r:id="rId29"/>
-    <p:sldId id="274" r:id="rId30"/>
-    <p:sldId id="275" r:id="rId31"/>
-    <p:sldId id="328" r:id="rId32"/>
-    <p:sldId id="355" r:id="rId33"/>
-    <p:sldId id="276" r:id="rId34"/>
-    <p:sldId id="329" r:id="rId35"/>
-    <p:sldId id="277" r:id="rId36"/>
-    <p:sldId id="330" r:id="rId37"/>
-    <p:sldId id="278" r:id="rId38"/>
-    <p:sldId id="357" r:id="rId39"/>
-    <p:sldId id="356" r:id="rId40"/>
-    <p:sldId id="358" r:id="rId41"/>
-    <p:sldId id="331" r:id="rId42"/>
-    <p:sldId id="280" r:id="rId43"/>
-    <p:sldId id="281" r:id="rId44"/>
-    <p:sldId id="359" r:id="rId45"/>
-    <p:sldId id="282" r:id="rId46"/>
-    <p:sldId id="283" r:id="rId47"/>
-    <p:sldId id="284" r:id="rId48"/>
-    <p:sldId id="285" r:id="rId49"/>
-    <p:sldId id="286" r:id="rId50"/>
-    <p:sldId id="288" r:id="rId51"/>
-    <p:sldId id="345" r:id="rId52"/>
-    <p:sldId id="332" r:id="rId53"/>
-    <p:sldId id="342" r:id="rId54"/>
-    <p:sldId id="289" r:id="rId55"/>
-    <p:sldId id="360" r:id="rId56"/>
-    <p:sldId id="291" r:id="rId57"/>
-    <p:sldId id="292" r:id="rId58"/>
-    <p:sldId id="293" r:id="rId59"/>
-    <p:sldId id="361" r:id="rId60"/>
-    <p:sldId id="333" r:id="rId61"/>
-    <p:sldId id="294" r:id="rId62"/>
-    <p:sldId id="362" r:id="rId63"/>
-    <p:sldId id="334" r:id="rId64"/>
-    <p:sldId id="346" r:id="rId65"/>
-    <p:sldId id="295" r:id="rId66"/>
-    <p:sldId id="296" r:id="rId67"/>
-    <p:sldId id="298" r:id="rId68"/>
-    <p:sldId id="335" r:id="rId69"/>
-    <p:sldId id="299" r:id="rId70"/>
-    <p:sldId id="336" r:id="rId71"/>
-    <p:sldId id="297" r:id="rId72"/>
-    <p:sldId id="300" r:id="rId73"/>
-    <p:sldId id="301" r:id="rId74"/>
-    <p:sldId id="363" r:id="rId75"/>
-    <p:sldId id="322" r:id="rId76"/>
-    <p:sldId id="302" r:id="rId77"/>
-    <p:sldId id="303" r:id="rId78"/>
-    <p:sldId id="364" r:id="rId79"/>
-    <p:sldId id="304" r:id="rId80"/>
-    <p:sldId id="365" r:id="rId81"/>
-    <p:sldId id="305" r:id="rId82"/>
-    <p:sldId id="306" r:id="rId83"/>
-    <p:sldId id="367" r:id="rId84"/>
-    <p:sldId id="307" r:id="rId85"/>
-    <p:sldId id="368" r:id="rId86"/>
-    <p:sldId id="308" r:id="rId87"/>
-    <p:sldId id="309" r:id="rId88"/>
-    <p:sldId id="310" r:id="rId89"/>
-    <p:sldId id="337" r:id="rId90"/>
-    <p:sldId id="312" r:id="rId91"/>
-    <p:sldId id="313" r:id="rId92"/>
-    <p:sldId id="338" r:id="rId93"/>
-    <p:sldId id="315" r:id="rId94"/>
-    <p:sldId id="316" r:id="rId95"/>
-    <p:sldId id="369" r:id="rId96"/>
-    <p:sldId id="339" r:id="rId97"/>
-    <p:sldId id="317" r:id="rId98"/>
-    <p:sldId id="318" r:id="rId99"/>
-    <p:sldId id="323" r:id="rId100"/>
-    <p:sldId id="370" r:id="rId101"/>
-    <p:sldId id="340" r:id="rId102"/>
-    <p:sldId id="320" r:id="rId103"/>
-    <p:sldId id="371" r:id="rId104"/>
-    <p:sldId id="341" r:id="rId105"/>
-    <p:sldId id="343" r:id="rId106"/>
-    <p:sldId id="372" r:id="rId107"/>
+    <p:sldId id="373" r:id="rId26"/>
+    <p:sldId id="271" r:id="rId27"/>
+    <p:sldId id="272" r:id="rId28"/>
+    <p:sldId id="273" r:id="rId29"/>
+    <p:sldId id="327" r:id="rId30"/>
+    <p:sldId id="274" r:id="rId31"/>
+    <p:sldId id="275" r:id="rId32"/>
+    <p:sldId id="328" r:id="rId33"/>
+    <p:sldId id="355" r:id="rId34"/>
+    <p:sldId id="276" r:id="rId35"/>
+    <p:sldId id="329" r:id="rId36"/>
+    <p:sldId id="277" r:id="rId37"/>
+    <p:sldId id="330" r:id="rId38"/>
+    <p:sldId id="278" r:id="rId39"/>
+    <p:sldId id="357" r:id="rId40"/>
+    <p:sldId id="356" r:id="rId41"/>
+    <p:sldId id="358" r:id="rId42"/>
+    <p:sldId id="331" r:id="rId43"/>
+    <p:sldId id="280" r:id="rId44"/>
+    <p:sldId id="281" r:id="rId45"/>
+    <p:sldId id="359" r:id="rId46"/>
+    <p:sldId id="282" r:id="rId47"/>
+    <p:sldId id="283" r:id="rId48"/>
+    <p:sldId id="284" r:id="rId49"/>
+    <p:sldId id="285" r:id="rId50"/>
+    <p:sldId id="286" r:id="rId51"/>
+    <p:sldId id="288" r:id="rId52"/>
+    <p:sldId id="345" r:id="rId53"/>
+    <p:sldId id="332" r:id="rId54"/>
+    <p:sldId id="342" r:id="rId55"/>
+    <p:sldId id="289" r:id="rId56"/>
+    <p:sldId id="360" r:id="rId57"/>
+    <p:sldId id="291" r:id="rId58"/>
+    <p:sldId id="292" r:id="rId59"/>
+    <p:sldId id="293" r:id="rId60"/>
+    <p:sldId id="361" r:id="rId61"/>
+    <p:sldId id="333" r:id="rId62"/>
+    <p:sldId id="294" r:id="rId63"/>
+    <p:sldId id="362" r:id="rId64"/>
+    <p:sldId id="334" r:id="rId65"/>
+    <p:sldId id="346" r:id="rId66"/>
+    <p:sldId id="295" r:id="rId67"/>
+    <p:sldId id="296" r:id="rId68"/>
+    <p:sldId id="298" r:id="rId69"/>
+    <p:sldId id="335" r:id="rId70"/>
+    <p:sldId id="299" r:id="rId71"/>
+    <p:sldId id="336" r:id="rId72"/>
+    <p:sldId id="297" r:id="rId73"/>
+    <p:sldId id="300" r:id="rId74"/>
+    <p:sldId id="301" r:id="rId75"/>
+    <p:sldId id="363" r:id="rId76"/>
+    <p:sldId id="322" r:id="rId77"/>
+    <p:sldId id="302" r:id="rId78"/>
+    <p:sldId id="303" r:id="rId79"/>
+    <p:sldId id="364" r:id="rId80"/>
+    <p:sldId id="304" r:id="rId81"/>
+    <p:sldId id="365" r:id="rId82"/>
+    <p:sldId id="305" r:id="rId83"/>
+    <p:sldId id="306" r:id="rId84"/>
+    <p:sldId id="367" r:id="rId85"/>
+    <p:sldId id="307" r:id="rId86"/>
+    <p:sldId id="368" r:id="rId87"/>
+    <p:sldId id="308" r:id="rId88"/>
+    <p:sldId id="309" r:id="rId89"/>
+    <p:sldId id="310" r:id="rId90"/>
+    <p:sldId id="337" r:id="rId91"/>
+    <p:sldId id="312" r:id="rId92"/>
+    <p:sldId id="313" r:id="rId93"/>
+    <p:sldId id="338" r:id="rId94"/>
+    <p:sldId id="315" r:id="rId95"/>
+    <p:sldId id="316" r:id="rId96"/>
+    <p:sldId id="369" r:id="rId97"/>
+    <p:sldId id="339" r:id="rId98"/>
+    <p:sldId id="317" r:id="rId99"/>
+    <p:sldId id="318" r:id="rId100"/>
+    <p:sldId id="323" r:id="rId101"/>
+    <p:sldId id="370" r:id="rId102"/>
+    <p:sldId id="340" r:id="rId103"/>
+    <p:sldId id="320" r:id="rId104"/>
+    <p:sldId id="371" r:id="rId105"/>
+    <p:sldId id="341" r:id="rId106"/>
+    <p:sldId id="343" r:id="rId107"/>
+    <p:sldId id="372" r:id="rId108"/>
   </p:sldIdLst>
   <p:sldSz cx="9144000" cy="5143500" type="screen16x9"/>
   <p:notesSz cx="6858000" cy="9144000"/>
@@ -214,7 +215,7 @@
   </p:defaultTextStyle>
   <p:extLst>
     <p:ext uri="{EFAFB233-063F-42B5-8137-9DF3F51BA10A}">
-      <p15:sldGuideLst xmlns="" xmlns:p15="http://schemas.microsoft.com/office/powerpoint/2012/main">
+      <p15:sldGuideLst xmlns:p15="http://schemas.microsoft.com/office/powerpoint/2012/main" xmlns="">
         <p15:guide id="1" orient="horz" pos="2160">
           <p15:clr>
             <a:srgbClr val="A4A3A4"/>
@@ -4287,7 +4288,7 @@
             <a:fld id="{55EB12AB-0481-4543-9448-EE76391C4D02}" type="datetimeFigureOut">
               <a:rPr lang="zh-TW" altLang="en-US" smtClean="0"/>
               <a:pPr/>
-              <a:t>2024/6/5</a:t>
+              <a:t>2025/6/16</a:t>
             </a:fld>
             <a:endParaRPr lang="zh-TW" altLang="en-US"/>
           </a:p>
@@ -15560,6 +15561,148 @@
       </p:grpSpPr>
       <p:sp>
         <p:nvSpPr>
+          <p:cNvPr id="4" name="標題 3"/>
+          <p:cNvSpPr>
+            <a:spLocks noGrp="1"/>
+          </p:cNvSpPr>
+          <p:nvPr>
+            <p:ph type="title"/>
+          </p:nvPr>
+        </p:nvSpPr>
+        <p:spPr/>
+        <p:txBody>
+          <a:bodyPr/>
+          <a:lstStyle/>
+          <a:p>
+            <a:r>
+              <a:rPr lang="en-US" altLang="zh-TW" dirty="0" smtClean="0"/>
+              <a:t>10-4 </a:t>
+            </a:r>
+            <a:r>
+              <a:rPr lang="zh-TW" altLang="en-US" dirty="0" smtClean="0"/>
+              <a:t>樹狀結構</a:t>
+            </a:r>
+            <a:r>
+              <a:rPr lang="en-US" altLang="zh-TW" dirty="0" smtClean="0"/>
+              <a:t>—</a:t>
+            </a:r>
+            <a:r>
+              <a:rPr lang="zh-TW" altLang="en-US" dirty="0" smtClean="0"/>
+              <a:t>前序法</a:t>
+            </a:r>
+            <a:endParaRPr lang="zh-TW" altLang="en-US" dirty="0"/>
+          </a:p>
+        </p:txBody>
+      </p:sp>
+      <p:sp>
+        <p:nvSpPr>
+          <p:cNvPr id="2" name="內容版面配置區 1"/>
+          <p:cNvSpPr>
+            <a:spLocks noGrp="1"/>
+          </p:cNvSpPr>
+          <p:nvPr>
+            <p:ph idx="1"/>
+          </p:nvPr>
+        </p:nvSpPr>
+        <p:spPr>
+          <a:xfrm>
+            <a:off x="457200" y="1491854"/>
+            <a:ext cx="8229600" cy="3102769"/>
+          </a:xfrm>
+        </p:spPr>
+        <p:txBody>
+          <a:bodyPr>
+            <a:normAutofit fontScale="92500" lnSpcReduction="10000"/>
+          </a:bodyPr>
+          <a:lstStyle/>
+          <a:p>
+            <a:r>
+              <a:rPr lang="zh-TW" altLang="en-US" dirty="0" smtClean="0"/>
+              <a:t>前序法在探訪節點的時候，同時將該節點表示的字元列出來：</a:t>
+            </a:r>
+            <a:endParaRPr lang="en-US" altLang="zh-TW" dirty="0" smtClean="0"/>
+          </a:p>
+          <a:p>
+            <a:pPr lvl="1"/>
+            <a:r>
+              <a:rPr lang="zh-TW" altLang="en-US" dirty="0" smtClean="0"/>
+              <a:t>前序法的程序</a:t>
+            </a:r>
+            <a:r>
+              <a:rPr lang="en-US" altLang="zh-TW" dirty="0" smtClean="0">
+                <a:solidFill>
+                  <a:srgbClr val="0070C0"/>
+                </a:solidFill>
+              </a:rPr>
+              <a:t>preorder</a:t>
+            </a:r>
+            <a:r>
+              <a:rPr lang="zh-TW" altLang="en-US" dirty="0" smtClean="0"/>
+              <a:t>，先將參數</a:t>
+            </a:r>
+            <a:r>
+              <a:rPr lang="en-US" altLang="zh-TW" dirty="0" smtClean="0">
+                <a:solidFill>
+                  <a:srgbClr val="0070C0"/>
+                </a:solidFill>
+              </a:rPr>
+              <a:t>p</a:t>
+            </a:r>
+            <a:r>
+              <a:rPr lang="zh-TW" altLang="en-US" dirty="0" smtClean="0"/>
+              <a:t>對應的節點，也就是父節點的資料先列印出來，接著再遞迴呼叫此程序處理左子節點。</a:t>
+            </a:r>
+            <a:endParaRPr lang="en-US" altLang="zh-TW" dirty="0" smtClean="0"/>
+          </a:p>
+          <a:p>
+            <a:pPr lvl="1"/>
+            <a:r>
+              <a:rPr lang="zh-TW" altLang="en-US" dirty="0" smtClean="0"/>
+              <a:t>等到進入遞迴呼叫時，此左子節點會再度被視作是根節點，然後左子樹會依照一樣的方式被處理。</a:t>
+            </a:r>
+            <a:endParaRPr lang="en-US" altLang="zh-TW" dirty="0" smtClean="0"/>
+          </a:p>
+        </p:txBody>
+      </p:sp>
+    </p:spTree>
+    <p:extLst>
+      <p:ext uri="{BB962C8B-B14F-4D97-AF65-F5344CB8AC3E}">
+        <p14:creationId xmlns:p14="http://schemas.microsoft.com/office/powerpoint/2010/main" val="486990526"/>
+      </p:ext>
+    </p:extLst>
+  </p:cSld>
+  <p:clrMapOvr>
+    <a:masterClrMapping/>
+  </p:clrMapOvr>
+  <p:timing>
+    <p:tnLst>
+      <p:par>
+        <p:cTn id="1" dur="indefinite" restart="never" nodeType="tmRoot"/>
+      </p:par>
+    </p:tnLst>
+  </p:timing>
+</p:sld>
+</file>
+
+<file path=ppt/slides/slide101.xml><?xml version="1.0" encoding="utf-8"?>
+<p:sld xmlns:a="http://schemas.openxmlformats.org/drawingml/2006/main" xmlns:r="http://schemas.openxmlformats.org/officeDocument/2006/relationships" xmlns:p="http://schemas.openxmlformats.org/presentationml/2006/main">
+  <p:cSld>
+    <p:spTree>
+      <p:nvGrpSpPr>
+        <p:cNvPr id="1" name=""/>
+        <p:cNvGrpSpPr/>
+        <p:nvPr/>
+      </p:nvGrpSpPr>
+      <p:grpSpPr>
+        <a:xfrm>
+          <a:off x="0" y="0"/>
+          <a:ext cx="0" cy="0"/>
+          <a:chOff x="0" y="0"/>
+          <a:chExt cx="0" cy="0"/>
+        </a:xfrm>
+      </p:grpSpPr>
+      <p:sp>
+        <p:nvSpPr>
           <p:cNvPr id="2" name="標題 1"/>
           <p:cNvSpPr>
             <a:spLocks noGrp="1"/>
@@ -15649,7 +15792,7 @@
 </p:sld>
 </file>
 
-<file path=ppt/slides/slide101.xml><?xml version="1.0" encoding="utf-8"?>
+<file path=ppt/slides/slide102.xml><?xml version="1.0" encoding="utf-8"?>
 <p:sld xmlns:a="http://schemas.openxmlformats.org/drawingml/2006/main" xmlns:r="http://schemas.openxmlformats.org/officeDocument/2006/relationships" xmlns:p="http://schemas.openxmlformats.org/presentationml/2006/main">
   <p:cSld>
     <p:spTree>
@@ -15871,7 +16014,7 @@
 </p:sld>
 </file>
 
-<file path=ppt/slides/slide102.xml><?xml version="1.0" encoding="utf-8"?>
+<file path=ppt/slides/slide103.xml><?xml version="1.0" encoding="utf-8"?>
 <p:sld xmlns:a="http://schemas.openxmlformats.org/drawingml/2006/main" xmlns:r="http://schemas.openxmlformats.org/officeDocument/2006/relationships" xmlns:p="http://schemas.openxmlformats.org/presentationml/2006/main">
   <p:cSld>
     <p:spTree>
@@ -15966,7 +16109,7 @@
 </p:sld>
 </file>
 
-<file path=ppt/slides/slide103.xml><?xml version="1.0" encoding="utf-8"?>
+<file path=ppt/slides/slide104.xml><?xml version="1.0" encoding="utf-8"?>
 <p:sld xmlns:a="http://schemas.openxmlformats.org/drawingml/2006/main" xmlns:r="http://schemas.openxmlformats.org/officeDocument/2006/relationships" xmlns:p="http://schemas.openxmlformats.org/presentationml/2006/main">
   <p:cSld>
     <p:spTree>
@@ -16142,7 +16285,7 @@
 </p:sld>
 </file>
 
-<file path=ppt/slides/slide104.xml><?xml version="1.0" encoding="utf-8"?>
+<file path=ppt/slides/slide105.xml><?xml version="1.0" encoding="utf-8"?>
 <p:sld xmlns:a="http://schemas.openxmlformats.org/drawingml/2006/main" xmlns:r="http://schemas.openxmlformats.org/officeDocument/2006/relationships" xmlns:p="http://schemas.openxmlformats.org/presentationml/2006/main">
   <p:cSld>
     <p:spTree>
@@ -16349,7 +16492,7 @@
 </p:sld>
 </file>
 
-<file path=ppt/slides/slide105.xml><?xml version="1.0" encoding="utf-8"?>
+<file path=ppt/slides/slide106.xml><?xml version="1.0" encoding="utf-8"?>
 <p:sld xmlns:a="http://schemas.openxmlformats.org/drawingml/2006/main" xmlns:r="http://schemas.openxmlformats.org/officeDocument/2006/relationships" xmlns:p="http://schemas.openxmlformats.org/presentationml/2006/main">
   <p:cSld>
     <p:spTree>
@@ -16433,7 +16576,7 @@
 </p:sld>
 </file>
 
-<file path=ppt/slides/slide106.xml><?xml version="1.0" encoding="utf-8"?>
+<file path=ppt/slides/slide107.xml><?xml version="1.0" encoding="utf-8"?>
 <p:sld xmlns:a="http://schemas.openxmlformats.org/drawingml/2006/main" xmlns:r="http://schemas.openxmlformats.org/officeDocument/2006/relationships" xmlns:p="http://schemas.openxmlformats.org/presentationml/2006/main">
   <p:cSld>
     <p:spTree>
@@ -16908,22 +17051,14 @@
           <a:p>
             <a:r>
               <a:rPr lang="zh-TW" altLang="en-US" dirty="0" smtClean="0"/>
-              <a:t>問題是，如此宣告出來的多維陣列，是不是會造成程式執行的時候，存取任一個註標資料的困難</a:t>
-            </a:r>
-            <a:r>
-              <a:rPr lang="zh-TW" altLang="en-US" dirty="0" smtClean="0"/>
-              <a:t>？</a:t>
+              <a:t>問題是，如此宣告出來的多維陣列，是不是會造成程式執行的時候，存取任一個註標資料的困難？</a:t>
             </a:r>
             <a:endParaRPr lang="en-US" altLang="zh-TW" dirty="0" smtClean="0"/>
           </a:p>
           <a:p>
             <a:r>
               <a:rPr lang="zh-TW" altLang="en-US" dirty="0" smtClean="0"/>
-              <a:t>答案</a:t>
-            </a:r>
-            <a:r>
-              <a:rPr lang="zh-TW" altLang="en-US" dirty="0" smtClean="0"/>
-              <a:t>是否定的。</a:t>
+              <a:t>答案是否定的。</a:t>
             </a:r>
           </a:p>
         </p:txBody>
@@ -17713,7 +17848,15 @@
             </a:r>
             <a:r>
               <a:rPr lang="zh-TW" altLang="en-US" dirty="0"/>
-              <a:t>語言裡，是先存放好第一「列」的元素，接著再存放第二「列」，依此類推，這樣的方式叫作「以列為主」</a:t>
+              <a:t>語言裡，是先存放好第一「列」的元素，接著再存放第二「列」，依此類推，這樣的方式叫作</a:t>
+            </a:r>
+            <a:r>
+              <a:rPr lang="zh-TW" altLang="en-US" dirty="0">
+                <a:solidFill>
+                  <a:srgbClr val="C00000"/>
+                </a:solidFill>
+              </a:rPr>
+              <a:t>「以列為主」</a:t>
             </a:r>
             <a:r>
               <a:rPr lang="en-US" altLang="zh-TW" dirty="0"/>
@@ -18008,7 +18151,11 @@
               <a:t>語言採用</a:t>
             </a:r>
             <a:r>
-              <a:rPr lang="zh-TW" altLang="en-US" dirty="0" smtClean="0"/>
+              <a:rPr lang="zh-TW" altLang="en-US" dirty="0" smtClean="0">
+                <a:solidFill>
+                  <a:srgbClr val="C00000"/>
+                </a:solidFill>
+              </a:rPr>
               <a:t>「以欄為主」</a:t>
             </a:r>
             <a:r>
@@ -18524,11 +18671,11 @@
           <a:lstStyle/>
           <a:p>
             <a:r>
-              <a:rPr lang="en-US" altLang="zh-TW" smtClean="0"/>
+              <a:rPr lang="en-US" altLang="zh-TW" dirty="0" smtClean="0"/>
               <a:t>10-2 </a:t>
             </a:r>
             <a:r>
-              <a:rPr lang="zh-TW" altLang="en-US" smtClean="0"/>
+              <a:rPr lang="zh-TW" altLang="en-US" dirty="0" smtClean="0"/>
               <a:t>鏈結串列</a:t>
             </a:r>
             <a:endParaRPr lang="zh-TW" altLang="en-US" dirty="0"/>
@@ -18551,10 +18698,10 @@
           <a:lstStyle/>
           <a:p>
             <a:r>
-              <a:rPr lang="zh-TW" altLang="en-US" smtClean="0"/>
+              <a:rPr lang="zh-TW" altLang="en-US" dirty="0" smtClean="0"/>
               <a:t>可以利用指標建立鏈結串列，來表示不確定大小或會動態增減的資料。</a:t>
             </a:r>
-            <a:endParaRPr lang="en-US" altLang="zh-TW" smtClean="0"/>
+            <a:endParaRPr lang="en-US" altLang="zh-TW" dirty="0" smtClean="0"/>
           </a:p>
           <a:p>
             <a:endParaRPr lang="zh-TW" altLang="en-US" dirty="0"/>
@@ -18600,6 +18747,101 @@
       </p:grpSpPr>
       <p:sp>
         <p:nvSpPr>
+          <p:cNvPr id="2" name="標題 1"/>
+          <p:cNvSpPr>
+            <a:spLocks noGrp="1"/>
+          </p:cNvSpPr>
+          <p:nvPr>
+            <p:ph type="title"/>
+          </p:nvPr>
+        </p:nvSpPr>
+        <p:spPr/>
+        <p:txBody>
+          <a:bodyPr/>
+          <a:lstStyle/>
+          <a:p>
+            <a:r>
+              <a:rPr lang="en-US" altLang="zh-TW" dirty="0"/>
+              <a:t>10-2 </a:t>
+            </a:r>
+            <a:r>
+              <a:rPr lang="zh-TW" altLang="en-US" dirty="0"/>
+              <a:t>鏈結串列</a:t>
+            </a:r>
+          </a:p>
+        </p:txBody>
+      </p:sp>
+      <p:sp>
+        <p:nvSpPr>
+          <p:cNvPr id="3" name="內容版面配置區 2"/>
+          <p:cNvSpPr>
+            <a:spLocks noGrp="1"/>
+          </p:cNvSpPr>
+          <p:nvPr>
+            <p:ph idx="1"/>
+          </p:nvPr>
+        </p:nvSpPr>
+        <p:spPr/>
+        <p:txBody>
+          <a:bodyPr>
+            <a:normAutofit fontScale="92500" lnSpcReduction="10000"/>
+          </a:bodyPr>
+          <a:lstStyle/>
+          <a:p>
+            <a:r>
+              <a:rPr lang="zh-TW" altLang="zh-TW" dirty="0"/>
+              <a:t>使用鏈結串列結構可以避免陣列需要預先知道資料大小的缺點，能靈活使用電腦記憶體空間。</a:t>
+            </a:r>
+          </a:p>
+          <a:p>
+            <a:r>
+              <a:rPr lang="zh-TW" altLang="zh-TW" dirty="0"/>
+              <a:t>鏈結串列失去陣列可事先算出資料存放位置，無法隨機讀取。</a:t>
+            </a:r>
+          </a:p>
+          <a:p>
+            <a:r>
+              <a:rPr lang="zh-TW" altLang="zh-TW" dirty="0"/>
+              <a:t>鏈結串列每個節點需要較大記憶體空間，程式執行時容易出錯。</a:t>
+            </a:r>
+          </a:p>
+          <a:p>
+            <a:endParaRPr lang="zh-TW" altLang="en-US" dirty="0"/>
+          </a:p>
+        </p:txBody>
+      </p:sp>
+    </p:spTree>
+    <p:extLst>
+      <p:ext uri="{BB962C8B-B14F-4D97-AF65-F5344CB8AC3E}">
+        <p14:creationId xmlns:p14="http://schemas.microsoft.com/office/powerpoint/2010/main" val="439033839"/>
+      </p:ext>
+    </p:extLst>
+  </p:cSld>
+  <p:clrMapOvr>
+    <a:masterClrMapping/>
+  </p:clrMapOvr>
+</p:sld>
+</file>
+
+<file path=ppt/slides/slide26.xml><?xml version="1.0" encoding="utf-8"?>
+<p:sld xmlns:a="http://schemas.openxmlformats.org/drawingml/2006/main" xmlns:r="http://schemas.openxmlformats.org/officeDocument/2006/relationships" xmlns:p="http://schemas.openxmlformats.org/presentationml/2006/main">
+  <p:cSld>
+    <p:spTree>
+      <p:nvGrpSpPr>
+        <p:cNvPr id="1" name=""/>
+        <p:cNvGrpSpPr/>
+        <p:nvPr/>
+      </p:nvGrpSpPr>
+      <p:grpSpPr>
+        <a:xfrm>
+          <a:off x="0" y="0"/>
+          <a:ext cx="0" cy="0"/>
+          <a:chOff x="0" y="0"/>
+          <a:chExt cx="0" cy="0"/>
+        </a:xfrm>
+      </p:grpSpPr>
+      <p:sp>
+        <p:nvSpPr>
           <p:cNvPr id="3" name="標題 2"/>
           <p:cNvSpPr>
             <a:spLocks noGrp="1"/>
@@ -18641,18 +18883,22 @@
           <a:lstStyle/>
           <a:p>
             <a:r>
-              <a:rPr lang="zh-TW" altLang="en-US" smtClean="0"/>
-              <a:t>鏈結串列是由一個個節點所組成的，繼續使用在第</a:t>
-            </a:r>
-            <a:r>
-              <a:rPr lang="en-US" altLang="zh-TW" smtClean="0"/>
-              <a:t>6-2</a:t>
-            </a:r>
-            <a:r>
-              <a:rPr lang="zh-TW" altLang="en-US" smtClean="0"/>
+              <a:rPr lang="zh-TW" altLang="en-US" dirty="0" smtClean="0"/>
+              <a:t>鏈結串列是由一個個節點所組成的，繼續使用在</a:t>
+            </a:r>
+            <a:r>
+              <a:rPr lang="zh-TW" altLang="en-US" dirty="0" smtClean="0"/>
+              <a:t>第</a:t>
+            </a:r>
+            <a:r>
+              <a:rPr lang="en-US" altLang="zh-TW" dirty="0" smtClean="0"/>
+              <a:t>9-2</a:t>
+            </a:r>
+            <a:r>
+              <a:rPr lang="zh-TW" altLang="en-US" dirty="0" smtClean="0"/>
               <a:t>節的範例，其節點的資料型態宣告如下：</a:t>
             </a:r>
-            <a:endParaRPr lang="en-US" altLang="zh-TW" smtClean="0"/>
+            <a:endParaRPr lang="en-US" altLang="zh-TW" dirty="0" smtClean="0"/>
           </a:p>
           <a:p>
             <a:endParaRPr lang="zh-TW" altLang="en-US" dirty="0"/>
@@ -18739,7 +18985,7 @@
 </p:sld>
 </file>
 
-<file path=ppt/slides/slide26.xml><?xml version="1.0" encoding="utf-8"?>
+<file path=ppt/slides/slide27.xml><?xml version="1.0" encoding="utf-8"?>
 <p:sld xmlns:a="http://schemas.openxmlformats.org/drawingml/2006/main" xmlns:r="http://schemas.openxmlformats.org/officeDocument/2006/relationships" xmlns:p="http://schemas.openxmlformats.org/presentationml/2006/main">
   <p:cSld>
     <p:spTree>
@@ -18991,7 +19237,7 @@
 </p:sld>
 </file>
 
-<file path=ppt/slides/slide27.xml><?xml version="1.0" encoding="utf-8"?>
+<file path=ppt/slides/slide28.xml><?xml version="1.0" encoding="utf-8"?>
 <p:sld xmlns:a="http://schemas.openxmlformats.org/drawingml/2006/main" xmlns:r="http://schemas.openxmlformats.org/officeDocument/2006/relationships" xmlns:p="http://schemas.openxmlformats.org/presentationml/2006/main">
   <p:cSld>
     <p:spTree>
@@ -19238,160 +19484,6 @@
 </p:sld>
 </file>
 
-<file path=ppt/slides/slide28.xml><?xml version="1.0" encoding="utf-8"?>
-<p:sld xmlns:a="http://schemas.openxmlformats.org/drawingml/2006/main" xmlns:r="http://schemas.openxmlformats.org/officeDocument/2006/relationships" xmlns:p="http://schemas.openxmlformats.org/presentationml/2006/main">
-  <p:cSld>
-    <p:spTree>
-      <p:nvGrpSpPr>
-        <p:cNvPr id="1" name=""/>
-        <p:cNvGrpSpPr/>
-        <p:nvPr/>
-      </p:nvGrpSpPr>
-      <p:grpSpPr>
-        <a:xfrm>
-          <a:off x="0" y="0"/>
-          <a:ext cx="0" cy="0"/>
-          <a:chOff x="0" y="0"/>
-          <a:chExt cx="0" cy="0"/>
-        </a:xfrm>
-      </p:grpSpPr>
-      <p:sp>
-        <p:nvSpPr>
-          <p:cNvPr id="2" name="標題 1"/>
-          <p:cNvSpPr>
-            <a:spLocks noGrp="1"/>
-          </p:cNvSpPr>
-          <p:nvPr>
-            <p:ph type="title"/>
-          </p:nvPr>
-        </p:nvSpPr>
-        <p:spPr/>
-        <p:txBody>
-          <a:bodyPr/>
-          <a:lstStyle/>
-          <a:p>
-            <a:r>
-              <a:rPr lang="en-US" altLang="zh-TW" dirty="0" smtClean="0"/>
-              <a:t>10-2 </a:t>
-            </a:r>
-            <a:r>
-              <a:rPr lang="zh-TW" altLang="en-US" dirty="0"/>
-              <a:t>鏈結串列</a:t>
-            </a:r>
-          </a:p>
-        </p:txBody>
-      </p:sp>
-      <p:sp>
-        <p:nvSpPr>
-          <p:cNvPr id="3" name="內容版面配置區 2"/>
-          <p:cNvSpPr>
-            <a:spLocks noGrp="1"/>
-          </p:cNvSpPr>
-          <p:nvPr>
-            <p:ph idx="1"/>
-          </p:nvPr>
-        </p:nvSpPr>
-        <p:spPr/>
-        <p:txBody>
-          <a:bodyPr/>
-          <a:lstStyle/>
-          <a:p>
-            <a:r>
-              <a:rPr lang="zh-TW" altLang="en-US" dirty="0"/>
-              <a:t>另一種寫法是利用</a:t>
-            </a:r>
-            <a:r>
-              <a:rPr lang="zh-TW" altLang="en-US" dirty="0" smtClean="0"/>
-              <a:t>箭頭</a:t>
-            </a:r>
-            <a:r>
-              <a:rPr lang="en-US" altLang="zh-TW" dirty="0" smtClean="0">
-                <a:solidFill>
-                  <a:srgbClr val="0070C0"/>
-                </a:solidFill>
-              </a:rPr>
-              <a:t>-&gt;</a:t>
-            </a:r>
-            <a:r>
-              <a:rPr lang="zh-TW" altLang="en-US" dirty="0" smtClean="0"/>
-              <a:t>，也就是</a:t>
-            </a:r>
-            <a:r>
-              <a:rPr lang="en-US" altLang="zh-TW" dirty="0" smtClean="0"/>
-              <a:t/>
-            </a:r>
-            <a:br>
-              <a:rPr lang="en-US" altLang="zh-TW" dirty="0" smtClean="0"/>
-            </a:br>
-            <a:r>
-              <a:rPr lang="en-US" altLang="zh-TW" dirty="0" smtClean="0"/>
-              <a:t>front-</a:t>
-            </a:r>
-            <a:r>
-              <a:rPr lang="en-US" altLang="zh-TW" dirty="0"/>
-              <a:t>&gt;</a:t>
-            </a:r>
-            <a:r>
-              <a:rPr lang="en-US" altLang="zh-TW" dirty="0" smtClean="0"/>
-              <a:t>data</a:t>
-            </a:r>
-            <a:r>
-              <a:rPr lang="zh-TW" altLang="en-US" dirty="0" smtClean="0"/>
-              <a:t>。 </a:t>
-            </a:r>
-            <a:endParaRPr lang="en-US" altLang="zh-TW" dirty="0" smtClean="0"/>
-          </a:p>
-          <a:p>
-            <a:r>
-              <a:rPr lang="zh-TW" altLang="en-US" dirty="0" smtClean="0"/>
-              <a:t>注意，</a:t>
-            </a:r>
-            <a:r>
-              <a:rPr lang="en-US" altLang="zh-TW" dirty="0" smtClean="0">
-                <a:solidFill>
-                  <a:srgbClr val="0070C0"/>
-                </a:solidFill>
-              </a:rPr>
-              <a:t>null</a:t>
-            </a:r>
-            <a:r>
-              <a:rPr lang="zh-TW" altLang="en-US" dirty="0" smtClean="0"/>
-              <a:t>在</a:t>
-            </a:r>
-            <a:r>
-              <a:rPr lang="en-US" altLang="zh-TW" dirty="0"/>
-              <a:t>C</a:t>
-            </a:r>
-            <a:r>
-              <a:rPr lang="zh-TW" altLang="en-US" dirty="0"/>
-              <a:t>語言具有特殊意義，代表了「空指標」，通常用來表示一個串列的結束。</a:t>
-            </a:r>
-          </a:p>
-          <a:p>
-            <a:endParaRPr lang="zh-TW" altLang="en-US" dirty="0"/>
-          </a:p>
-        </p:txBody>
-      </p:sp>
-    </p:spTree>
-    <p:extLst>
-      <p:ext uri="{BB962C8B-B14F-4D97-AF65-F5344CB8AC3E}">
-        <p14:creationId xmlns:p14="http://schemas.microsoft.com/office/powerpoint/2010/main" val="547010013"/>
-      </p:ext>
-    </p:extLst>
-  </p:cSld>
-  <p:clrMapOvr>
-    <a:masterClrMapping/>
-  </p:clrMapOvr>
-  <p:timing>
-    <p:tnLst>
-      <p:par>
-        <p:cTn id="1" dur="indefinite" restart="never" nodeType="tmRoot"/>
-      </p:par>
-    </p:tnLst>
-  </p:timing>
-</p:sld>
-</file>
-
 <file path=ppt/slides/slide29.xml><?xml version="1.0" encoding="utf-8"?>
 <p:sld xmlns:a="http://schemas.openxmlformats.org/drawingml/2006/main" xmlns:r="http://schemas.openxmlformats.org/officeDocument/2006/relationships" xmlns:p="http://schemas.openxmlformats.org/presentationml/2006/main">
   <p:cSld>
@@ -19411,7 +19503,7 @@
       </p:grpSpPr>
       <p:sp>
         <p:nvSpPr>
-          <p:cNvPr id="5" name="標題 4"/>
+          <p:cNvPr id="2" name="標題 1"/>
           <p:cNvSpPr>
             <a:spLocks noGrp="1"/>
           </p:cNvSpPr>
@@ -19437,7 +19529,7 @@
       </p:sp>
       <p:sp>
         <p:nvSpPr>
-          <p:cNvPr id="2" name="內容版面配置區 1"/>
+          <p:cNvPr id="3" name="內容版面配置區 2"/>
           <p:cNvSpPr>
             <a:spLocks noGrp="1"/>
           </p:cNvSpPr>
@@ -19451,8 +19543,12 @@
           <a:lstStyle/>
           <a:p>
             <a:r>
-              <a:rPr lang="zh-TW" altLang="en-US" dirty="0" smtClean="0"/>
-              <a:t>假設現在要把一個新的節點加入到鏈結串列的起點，可以定義一個程序叫作</a:t>
+              <a:rPr lang="zh-TW" altLang="en-US" dirty="0"/>
+              <a:t>另一種寫法是利用</a:t>
+            </a:r>
+            <a:r>
+              <a:rPr lang="zh-TW" altLang="en-US" dirty="0" smtClean="0"/>
+              <a:t>箭頭</a:t>
             </a:r>
             <a:r>
               <a:rPr lang="en-US" altLang="zh-TW" dirty="0" smtClean="0">
@@ -19460,77 +19556,74 @@
                   <a:srgbClr val="0070C0"/>
                 </a:solidFill>
               </a:rPr>
-              <a:t>insert</a:t>
-            </a:r>
-            <a:r>
-              <a:rPr lang="zh-TW" altLang="en-US" dirty="0" smtClean="0"/>
-              <a:t>如下：</a:t>
-            </a:r>
+              <a:t>-&gt;</a:t>
+            </a:r>
+            <a:r>
+              <a:rPr lang="zh-TW" altLang="en-US" dirty="0" smtClean="0"/>
+              <a:t>，也就是</a:t>
+            </a:r>
+            <a:r>
+              <a:rPr lang="en-US" altLang="zh-TW" dirty="0" smtClean="0"/>
+              <a:t/>
+            </a:r>
+            <a:br>
+              <a:rPr lang="en-US" altLang="zh-TW" dirty="0" smtClean="0"/>
+            </a:br>
+            <a:r>
+              <a:rPr lang="en-US" altLang="zh-TW" dirty="0" smtClean="0"/>
+              <a:t>front-</a:t>
+            </a:r>
+            <a:r>
+              <a:rPr lang="en-US" altLang="zh-TW" dirty="0"/>
+              <a:t>&gt;</a:t>
+            </a:r>
+            <a:r>
+              <a:rPr lang="en-US" altLang="zh-TW" dirty="0" smtClean="0"/>
+              <a:t>data</a:t>
+            </a:r>
+            <a:r>
+              <a:rPr lang="zh-TW" altLang="en-US" dirty="0" smtClean="0"/>
+              <a:t>。 </a:t>
+            </a:r>
+            <a:endParaRPr lang="en-US" altLang="zh-TW" dirty="0" smtClean="0"/>
+          </a:p>
+          <a:p>
+            <a:r>
+              <a:rPr lang="zh-TW" altLang="en-US" dirty="0" smtClean="0"/>
+              <a:t>注意，</a:t>
+            </a:r>
+            <a:r>
+              <a:rPr lang="en-US" altLang="zh-TW" dirty="0" smtClean="0">
+                <a:solidFill>
+                  <a:srgbClr val="0070C0"/>
+                </a:solidFill>
+              </a:rPr>
+              <a:t>null</a:t>
+            </a:r>
+            <a:r>
+              <a:rPr lang="zh-TW" altLang="en-US" dirty="0" smtClean="0"/>
+              <a:t>在</a:t>
+            </a:r>
+            <a:r>
+              <a:rPr lang="en-US" altLang="zh-TW" dirty="0"/>
+              <a:t>C</a:t>
+            </a:r>
+            <a:r>
+              <a:rPr lang="zh-TW" altLang="en-US" dirty="0"/>
+              <a:t>語言具有特殊意義，代表了「空指標」，通常用來表示一個串列的結束。</a:t>
+            </a:r>
+          </a:p>
+          <a:p>
             <a:endParaRPr lang="zh-TW" altLang="en-US" dirty="0"/>
           </a:p>
         </p:txBody>
       </p:sp>
-      <p:pic>
-        <p:nvPicPr>
-          <p:cNvPr id="12290" name="Picture 2"/>
-          <p:cNvPicPr>
-            <a:picLocks noChangeAspect="1" noChangeArrowheads="1"/>
-          </p:cNvPicPr>
-          <p:nvPr/>
-        </p:nvPicPr>
-        <p:blipFill>
-          <a:blip r:embed="rId2">
-            <a:extLst>
-              <a:ext uri="{28A0092B-C50C-407E-A947-70E740481C1C}">
-                <a14:useLocalDpi xmlns:a14="http://schemas.microsoft.com/office/drawing/2010/main" val="0"/>
-              </a:ext>
-            </a:extLst>
-          </a:blip>
-          <a:srcRect/>
-          <a:stretch>
-            <a:fillRect/>
-          </a:stretch>
-        </p:blipFill>
-        <p:spPr bwMode="auto">
-          <a:xfrm>
-            <a:off x="2411760" y="2815560"/>
-            <a:ext cx="4635515" cy="1859244"/>
-          </a:xfrm>
-          <a:prstGeom prst="rect">
-            <a:avLst/>
-          </a:prstGeom>
-          <a:ln>
-            <a:noFill/>
-          </a:ln>
-          <a:effectLst>
-            <a:outerShdw blurRad="292100" dist="139700" dir="2700000" algn="tl" rotWithShape="0">
-              <a:srgbClr val="333333">
-                <a:alpha val="65000"/>
-              </a:srgbClr>
-            </a:outerShdw>
-          </a:effectLst>
-          <a:extLst>
-            <a:ext uri="{909E8E84-426E-40DD-AFC4-6F175D3DCCD1}">
-              <a14:hiddenFill xmlns:a14="http://schemas.microsoft.com/office/drawing/2010/main">
-                <a:solidFill>
-                  <a:schemeClr val="accent1"/>
-                </a:solidFill>
-              </a14:hiddenFill>
-            </a:ext>
-            <a:ext uri="{91240B29-F687-4F45-9708-019B960494DF}">
-              <a14:hiddenLine xmlns:a14="http://schemas.microsoft.com/office/drawing/2010/main" w="9525">
-                <a:solidFill>
-                  <a:schemeClr val="tx1"/>
-                </a:solidFill>
-                <a:miter lim="800000"/>
-                <a:headEnd/>
-                <a:tailEnd/>
-              </a14:hiddenLine>
-            </a:ext>
-          </a:extLst>
-        </p:spPr>
-      </p:pic>
     </p:spTree>
+    <p:extLst>
+      <p:ext uri="{BB962C8B-B14F-4D97-AF65-F5344CB8AC3E}">
+        <p14:creationId xmlns:p14="http://schemas.microsoft.com/office/powerpoint/2010/main" val="547010013"/>
+      </p:ext>
+    </p:extLst>
   </p:cSld>
   <p:clrMapOvr>
     <a:masterClrMapping/>
@@ -19850,6 +19943,159 @@
       </p:grpSpPr>
       <p:sp>
         <p:nvSpPr>
+          <p:cNvPr id="5" name="標題 4"/>
+          <p:cNvSpPr>
+            <a:spLocks noGrp="1"/>
+          </p:cNvSpPr>
+          <p:nvPr>
+            <p:ph type="title"/>
+          </p:nvPr>
+        </p:nvSpPr>
+        <p:spPr/>
+        <p:txBody>
+          <a:bodyPr/>
+          <a:lstStyle/>
+          <a:p>
+            <a:r>
+              <a:rPr lang="en-US" altLang="zh-TW" dirty="0" smtClean="0"/>
+              <a:t>10-2 </a:t>
+            </a:r>
+            <a:r>
+              <a:rPr lang="zh-TW" altLang="en-US" dirty="0"/>
+              <a:t>鏈結串列</a:t>
+            </a:r>
+          </a:p>
+        </p:txBody>
+      </p:sp>
+      <p:sp>
+        <p:nvSpPr>
+          <p:cNvPr id="2" name="內容版面配置區 1"/>
+          <p:cNvSpPr>
+            <a:spLocks noGrp="1"/>
+          </p:cNvSpPr>
+          <p:nvPr>
+            <p:ph idx="1"/>
+          </p:nvPr>
+        </p:nvSpPr>
+        <p:spPr/>
+        <p:txBody>
+          <a:bodyPr/>
+          <a:lstStyle/>
+          <a:p>
+            <a:r>
+              <a:rPr lang="zh-TW" altLang="en-US" dirty="0" smtClean="0"/>
+              <a:t>假設現在要把一個新的節點加入到鏈結串列的起點，可以定義一個程序叫作</a:t>
+            </a:r>
+            <a:r>
+              <a:rPr lang="en-US" altLang="zh-TW" dirty="0" smtClean="0">
+                <a:solidFill>
+                  <a:srgbClr val="0070C0"/>
+                </a:solidFill>
+              </a:rPr>
+              <a:t>insert</a:t>
+            </a:r>
+            <a:r>
+              <a:rPr lang="zh-TW" altLang="en-US" dirty="0" smtClean="0"/>
+              <a:t>如下：</a:t>
+            </a:r>
+            <a:endParaRPr lang="zh-TW" altLang="en-US" dirty="0"/>
+          </a:p>
+        </p:txBody>
+      </p:sp>
+      <p:pic>
+        <p:nvPicPr>
+          <p:cNvPr id="12290" name="Picture 2"/>
+          <p:cNvPicPr>
+            <a:picLocks noChangeAspect="1" noChangeArrowheads="1"/>
+          </p:cNvPicPr>
+          <p:nvPr/>
+        </p:nvPicPr>
+        <p:blipFill>
+          <a:blip r:embed="rId2">
+            <a:extLst>
+              <a:ext uri="{28A0092B-C50C-407E-A947-70E740481C1C}">
+                <a14:useLocalDpi xmlns:a14="http://schemas.microsoft.com/office/drawing/2010/main" val="0"/>
+              </a:ext>
+            </a:extLst>
+          </a:blip>
+          <a:srcRect/>
+          <a:stretch>
+            <a:fillRect/>
+          </a:stretch>
+        </p:blipFill>
+        <p:spPr bwMode="auto">
+          <a:xfrm>
+            <a:off x="2411760" y="2815560"/>
+            <a:ext cx="4635515" cy="1859244"/>
+          </a:xfrm>
+          <a:prstGeom prst="rect">
+            <a:avLst/>
+          </a:prstGeom>
+          <a:ln>
+            <a:noFill/>
+          </a:ln>
+          <a:effectLst>
+            <a:outerShdw blurRad="292100" dist="139700" dir="2700000" algn="tl" rotWithShape="0">
+              <a:srgbClr val="333333">
+                <a:alpha val="65000"/>
+              </a:srgbClr>
+            </a:outerShdw>
+          </a:effectLst>
+          <a:extLst>
+            <a:ext uri="{909E8E84-426E-40DD-AFC4-6F175D3DCCD1}">
+              <a14:hiddenFill xmlns:a14="http://schemas.microsoft.com/office/drawing/2010/main">
+                <a:solidFill>
+                  <a:schemeClr val="accent1"/>
+                </a:solidFill>
+              </a14:hiddenFill>
+            </a:ext>
+            <a:ext uri="{91240B29-F687-4F45-9708-019B960494DF}">
+              <a14:hiddenLine xmlns:a14="http://schemas.microsoft.com/office/drawing/2010/main" w="9525">
+                <a:solidFill>
+                  <a:schemeClr val="tx1"/>
+                </a:solidFill>
+                <a:miter lim="800000"/>
+                <a:headEnd/>
+                <a:tailEnd/>
+              </a14:hiddenLine>
+            </a:ext>
+          </a:extLst>
+        </p:spPr>
+      </p:pic>
+    </p:spTree>
+  </p:cSld>
+  <p:clrMapOvr>
+    <a:masterClrMapping/>
+  </p:clrMapOvr>
+  <p:timing>
+    <p:tnLst>
+      <p:par>
+        <p:cTn id="1" dur="indefinite" restart="never" nodeType="tmRoot"/>
+      </p:par>
+    </p:tnLst>
+  </p:timing>
+</p:sld>
+</file>
+
+<file path=ppt/slides/slide31.xml><?xml version="1.0" encoding="utf-8"?>
+<p:sld xmlns:a="http://schemas.openxmlformats.org/drawingml/2006/main" xmlns:r="http://schemas.openxmlformats.org/officeDocument/2006/relationships" xmlns:p="http://schemas.openxmlformats.org/presentationml/2006/main">
+  <p:cSld>
+    <p:spTree>
+      <p:nvGrpSpPr>
+        <p:cNvPr id="1" name=""/>
+        <p:cNvGrpSpPr/>
+        <p:nvPr/>
+      </p:nvGrpSpPr>
+      <p:grpSpPr>
+        <a:xfrm>
+          <a:off x="0" y="0"/>
+          <a:ext cx="0" cy="0"/>
+          <a:chOff x="0" y="0"/>
+          <a:chExt cx="0" cy="0"/>
+        </a:xfrm>
+      </p:grpSpPr>
+      <p:sp>
+        <p:nvSpPr>
           <p:cNvPr id="3" name="標題 2"/>
           <p:cNvSpPr>
             <a:spLocks noGrp="1"/>
@@ -20054,170 +20300,6 @@
 </p:sld>
 </file>
 
-<file path=ppt/slides/slide31.xml><?xml version="1.0" encoding="utf-8"?>
-<p:sld xmlns:a="http://schemas.openxmlformats.org/drawingml/2006/main" xmlns:r="http://schemas.openxmlformats.org/officeDocument/2006/relationships" xmlns:p="http://schemas.openxmlformats.org/presentationml/2006/main">
-  <p:cSld>
-    <p:spTree>
-      <p:nvGrpSpPr>
-        <p:cNvPr id="1" name=""/>
-        <p:cNvGrpSpPr/>
-        <p:nvPr/>
-      </p:nvGrpSpPr>
-      <p:grpSpPr>
-        <a:xfrm>
-          <a:off x="0" y="0"/>
-          <a:ext cx="0" cy="0"/>
-          <a:chOff x="0" y="0"/>
-          <a:chExt cx="0" cy="0"/>
-        </a:xfrm>
-      </p:grpSpPr>
-      <p:sp>
-        <p:nvSpPr>
-          <p:cNvPr id="2" name="標題 1"/>
-          <p:cNvSpPr>
-            <a:spLocks noGrp="1"/>
-          </p:cNvSpPr>
-          <p:nvPr>
-            <p:ph type="title"/>
-          </p:nvPr>
-        </p:nvSpPr>
-        <p:spPr/>
-        <p:txBody>
-          <a:bodyPr/>
-          <a:lstStyle/>
-          <a:p>
-            <a:r>
-              <a:rPr lang="en-US" altLang="zh-TW" dirty="0" smtClean="0"/>
-              <a:t>10-2 </a:t>
-            </a:r>
-            <a:r>
-              <a:rPr lang="zh-TW" altLang="en-US" dirty="0" smtClean="0"/>
-              <a:t>鏈結串列</a:t>
-            </a:r>
-            <a:endParaRPr lang="zh-TW" altLang="en-US" dirty="0"/>
-          </a:p>
-        </p:txBody>
-      </p:sp>
-      <p:sp>
-        <p:nvSpPr>
-          <p:cNvPr id="3" name="內容版面配置區 2"/>
-          <p:cNvSpPr>
-            <a:spLocks noGrp="1"/>
-          </p:cNvSpPr>
-          <p:nvPr>
-            <p:ph idx="1"/>
-          </p:nvPr>
-        </p:nvSpPr>
-        <p:spPr/>
-        <p:txBody>
-          <a:bodyPr/>
-          <a:lstStyle/>
-          <a:p>
-            <a:pPr lvl="0"/>
-            <a:r>
-              <a:rPr lang="zh-TW" altLang="en-US" dirty="0" smtClean="0"/>
-              <a:t>步驟</a:t>
-            </a:r>
-            <a:r>
-              <a:rPr lang="en-US" altLang="zh-TW" dirty="0" smtClean="0"/>
-              <a:t>1</a:t>
-            </a:r>
-            <a:r>
-              <a:rPr lang="zh-TW" altLang="en-US" dirty="0" smtClean="0"/>
-              <a:t>：</a:t>
-            </a:r>
-            <a:r>
-              <a:rPr lang="zh-TW" altLang="zh-TW" dirty="0" smtClean="0"/>
-              <a:t>利用</a:t>
-            </a:r>
-            <a:r>
-              <a:rPr lang="en-US" altLang="zh-TW" dirty="0" err="1" smtClean="0"/>
-              <a:t>malloc</a:t>
-            </a:r>
-            <a:r>
-              <a:rPr lang="zh-TW" altLang="zh-TW" dirty="0" smtClean="0"/>
-              <a:t>函數建立一個新的節點，並利用局部變數</a:t>
-            </a:r>
-            <a:r>
-              <a:rPr lang="en-US" altLang="zh-TW" dirty="0" smtClean="0"/>
-              <a:t>temp</a:t>
-            </a:r>
-            <a:r>
-              <a:rPr lang="zh-TW" altLang="zh-TW" dirty="0" smtClean="0"/>
-              <a:t>指到該節點</a:t>
-            </a:r>
-            <a:r>
-              <a:rPr lang="zh-TW" altLang="en-US" dirty="0" smtClean="0"/>
-              <a:t>。</a:t>
-            </a:r>
-            <a:endParaRPr lang="zh-TW" altLang="zh-TW" dirty="0" smtClean="0"/>
-          </a:p>
-          <a:p>
-            <a:pPr lvl="0"/>
-            <a:r>
-              <a:rPr lang="zh-TW" altLang="en-US" dirty="0" smtClean="0"/>
-              <a:t>步驟</a:t>
-            </a:r>
-            <a:r>
-              <a:rPr lang="en-US" altLang="zh-TW" dirty="0" smtClean="0"/>
-              <a:t>2</a:t>
-            </a:r>
-            <a:r>
-              <a:rPr lang="zh-TW" altLang="en-US" dirty="0" smtClean="0"/>
-              <a:t>：</a:t>
-            </a:r>
-            <a:r>
-              <a:rPr lang="zh-TW" altLang="zh-TW" dirty="0" smtClean="0"/>
-              <a:t>把數值</a:t>
-            </a:r>
-            <a:r>
-              <a:rPr lang="en-US" altLang="zh-TW" dirty="0" smtClean="0"/>
-              <a:t>7</a:t>
-            </a:r>
-            <a:r>
-              <a:rPr lang="zh-TW" altLang="zh-TW" dirty="0" smtClean="0"/>
-              <a:t>指定給節點</a:t>
-            </a:r>
-            <a:r>
-              <a:rPr lang="en-US" altLang="zh-TW" dirty="0" smtClean="0"/>
-              <a:t>temp</a:t>
-            </a:r>
-            <a:r>
-              <a:rPr lang="zh-TW" altLang="zh-TW" dirty="0" smtClean="0"/>
-              <a:t>的欄位</a:t>
-            </a:r>
-            <a:r>
-              <a:rPr lang="en-US" altLang="zh-TW" dirty="0" smtClean="0"/>
-              <a:t>data</a:t>
-            </a:r>
-            <a:r>
-              <a:rPr lang="zh-TW" altLang="en-US" dirty="0" smtClean="0"/>
-              <a:t>。</a:t>
-            </a:r>
-            <a:endParaRPr lang="zh-TW" altLang="zh-TW" dirty="0"/>
-          </a:p>
-        </p:txBody>
-      </p:sp>
-    </p:spTree>
-    <p:extLst>
-      <p:ext uri="{BB962C8B-B14F-4D97-AF65-F5344CB8AC3E}">
-        <p14:creationId xmlns:p14="http://schemas.microsoft.com/office/powerpoint/2010/main" val="1718584776"/>
-      </p:ext>
-    </p:extLst>
-  </p:cSld>
-  <p:clrMapOvr>
-    <a:masterClrMapping/>
-  </p:clrMapOvr>
-  <p:timing>
-    <p:tnLst>
-      <p:par>
-        <p:cTn id="1" dur="indefinite" restart="never" nodeType="tmRoot"/>
-      </p:par>
-    </p:tnLst>
-  </p:timing>
-</p:sld>
-</file>
-
 <file path=ppt/slides/slide32.xml><?xml version="1.0" encoding="utf-8"?>
 <p:sld xmlns:a="http://schemas.openxmlformats.org/drawingml/2006/main" xmlns:r="http://schemas.openxmlformats.org/officeDocument/2006/relationships" xmlns:p="http://schemas.openxmlformats.org/presentationml/2006/main">
   <p:cSld>
@@ -20251,11 +20333,11 @@
           <a:lstStyle/>
           <a:p>
             <a:r>
-              <a:rPr lang="en-US" altLang="zh-TW" smtClean="0"/>
+              <a:rPr lang="en-US" altLang="zh-TW" dirty="0" smtClean="0"/>
               <a:t>10-2 </a:t>
             </a:r>
             <a:r>
-              <a:rPr lang="zh-TW" altLang="en-US" smtClean="0"/>
+              <a:rPr lang="zh-TW" altLang="en-US" dirty="0" smtClean="0"/>
               <a:t>鏈結串列</a:t>
             </a:r>
             <a:endParaRPr lang="zh-TW" altLang="en-US" dirty="0"/>
@@ -20274,9 +20356,7 @@
         </p:nvSpPr>
         <p:spPr/>
         <p:txBody>
-          <a:bodyPr>
-            <a:normAutofit fontScale="92500" lnSpcReduction="10000"/>
-          </a:bodyPr>
+          <a:bodyPr/>
           <a:lstStyle/>
           <a:p>
             <a:pPr lvl="0"/>
@@ -20286,7 +20366,7 @@
             </a:r>
             <a:r>
               <a:rPr lang="en-US" altLang="zh-TW" dirty="0" smtClean="0"/>
-              <a:t>3</a:t>
+              <a:t>1</a:t>
             </a:r>
             <a:r>
               <a:rPr lang="zh-TW" altLang="en-US" dirty="0" smtClean="0"/>
@@ -20294,7 +20374,15 @@
             </a:r>
             <a:r>
               <a:rPr lang="zh-TW" altLang="zh-TW" dirty="0" smtClean="0"/>
-              <a:t>把節點</a:t>
+              <a:t>利用</a:t>
+            </a:r>
+            <a:r>
+              <a:rPr lang="en-US" altLang="zh-TW" dirty="0" err="1" smtClean="0"/>
+              <a:t>malloc</a:t>
+            </a:r>
+            <a:r>
+              <a:rPr lang="zh-TW" altLang="zh-TW" dirty="0" smtClean="0"/>
+              <a:t>函數建立一個新的節點，並利用局部變數</a:t>
             </a:r>
             <a:r>
               <a:rPr lang="en-US" altLang="zh-TW" dirty="0" smtClean="0"/>
@@ -20302,23 +20390,39 @@
             </a:r>
             <a:r>
               <a:rPr lang="zh-TW" altLang="zh-TW" dirty="0" smtClean="0"/>
-              <a:t>的欄位</a:t>
+              <a:t>指到該節點</a:t>
+            </a:r>
+            <a:r>
+              <a:rPr lang="zh-TW" altLang="en-US" dirty="0" smtClean="0"/>
+              <a:t>。</a:t>
+            </a:r>
+            <a:endParaRPr lang="zh-TW" altLang="zh-TW" dirty="0" smtClean="0"/>
+          </a:p>
+          <a:p>
+            <a:pPr lvl="0"/>
+            <a:r>
+              <a:rPr lang="zh-TW" altLang="en-US" dirty="0" smtClean="0"/>
+              <a:t>步驟</a:t>
             </a:r>
             <a:r>
               <a:rPr lang="en-US" altLang="zh-TW" dirty="0" smtClean="0"/>
-              <a:t>next</a:t>
+              <a:t>2</a:t>
+            </a:r>
+            <a:r>
+              <a:rPr lang="zh-TW" altLang="en-US" dirty="0" smtClean="0"/>
+              <a:t>：</a:t>
             </a:r>
             <a:r>
               <a:rPr lang="zh-TW" altLang="zh-TW" dirty="0" smtClean="0"/>
-              <a:t>設定如正式參數</a:t>
+              <a:t>把數值</a:t>
             </a:r>
             <a:r>
               <a:rPr lang="en-US" altLang="zh-TW" dirty="0" smtClean="0"/>
-              <a:t>p</a:t>
+              <a:t>7</a:t>
             </a:r>
             <a:r>
               <a:rPr lang="zh-TW" altLang="zh-TW" dirty="0" smtClean="0"/>
-              <a:t>的值，也就是將節點</a:t>
+              <a:t>指定給節點</a:t>
             </a:r>
             <a:r>
               <a:rPr lang="en-US" altLang="zh-TW" dirty="0" smtClean="0"/>
@@ -20330,88 +20434,20 @@
             </a:r>
             <a:r>
               <a:rPr lang="en-US" altLang="zh-TW" dirty="0" smtClean="0"/>
-              <a:t>next</a:t>
-            </a:r>
-            <a:r>
-              <a:rPr lang="zh-TW" altLang="zh-TW" dirty="0" smtClean="0"/>
-              <a:t>指到</a:t>
-            </a:r>
-            <a:r>
-              <a:rPr lang="en-US" altLang="zh-TW" dirty="0" smtClean="0"/>
-              <a:t>p</a:t>
-            </a:r>
-            <a:r>
-              <a:rPr lang="zh-TW" altLang="zh-TW" dirty="0" smtClean="0"/>
-              <a:t>所指到的節點。注意，由於正式參數</a:t>
-            </a:r>
-            <a:r>
-              <a:rPr lang="en-US" altLang="zh-TW" dirty="0" smtClean="0"/>
-              <a:t>p</a:t>
-            </a:r>
-            <a:r>
-              <a:rPr lang="zh-TW" altLang="zh-TW" dirty="0" smtClean="0"/>
-              <a:t>會對應到真實參數 </a:t>
-            </a:r>
-            <a:r>
-              <a:rPr lang="en-US" altLang="zh-TW" dirty="0" smtClean="0"/>
-              <a:t>front</a:t>
-            </a:r>
-            <a:r>
-              <a:rPr lang="zh-TW" altLang="zh-TW" dirty="0" smtClean="0"/>
-              <a:t>，所以新的節點會指到串列的第一個節點</a:t>
+              <a:t>data</a:t>
             </a:r>
             <a:r>
               <a:rPr lang="zh-TW" altLang="en-US" dirty="0" smtClean="0"/>
               <a:t>。</a:t>
             </a:r>
-            <a:endParaRPr lang="zh-TW" altLang="zh-TW" dirty="0" smtClean="0"/>
-          </a:p>
-          <a:p>
-            <a:pPr lvl="0"/>
-            <a:r>
-              <a:rPr lang="zh-TW" altLang="en-US" dirty="0" smtClean="0"/>
-              <a:t>步驟</a:t>
-            </a:r>
-            <a:r>
-              <a:rPr lang="en-US" altLang="zh-TW" dirty="0" smtClean="0"/>
-              <a:t>4</a:t>
-            </a:r>
-            <a:r>
-              <a:rPr lang="zh-TW" altLang="en-US" dirty="0" smtClean="0"/>
-              <a:t>：</a:t>
-            </a:r>
-            <a:r>
-              <a:rPr lang="zh-TW" altLang="zh-TW" dirty="0" smtClean="0"/>
-              <a:t>最後將參數</a:t>
-            </a:r>
-            <a:r>
-              <a:rPr lang="en-US" altLang="zh-TW" dirty="0" smtClean="0"/>
-              <a:t>p(</a:t>
-            </a:r>
-            <a:r>
-              <a:rPr lang="zh-TW" altLang="zh-TW" dirty="0" smtClean="0"/>
-              <a:t>也就是</a:t>
-            </a:r>
-            <a:r>
-              <a:rPr lang="en-US" altLang="zh-TW" dirty="0" smtClean="0"/>
-              <a:t>front)</a:t>
-            </a:r>
-            <a:r>
-              <a:rPr lang="zh-TW" altLang="zh-TW" dirty="0" smtClean="0"/>
-              <a:t>，指到新建立的節點</a:t>
-            </a:r>
-            <a:r>
-              <a:rPr lang="zh-TW" altLang="en-US" dirty="0" smtClean="0"/>
-              <a:t>。</a:t>
-            </a:r>
-            <a:endParaRPr lang="zh-TW" altLang="en-US" dirty="0"/>
+            <a:endParaRPr lang="zh-TW" altLang="zh-TW" dirty="0"/>
           </a:p>
         </p:txBody>
       </p:sp>
     </p:spTree>
     <p:extLst>
       <p:ext uri="{BB962C8B-B14F-4D97-AF65-F5344CB8AC3E}">
-        <p14:creationId xmlns:p14="http://schemas.microsoft.com/office/powerpoint/2010/main" val="2642974096"/>
+        <p14:creationId xmlns:p14="http://schemas.microsoft.com/office/powerpoint/2010/main" val="1718584776"/>
       </p:ext>
     </p:extLst>
   </p:cSld>
@@ -20447,7 +20483,7 @@
       </p:grpSpPr>
       <p:sp>
         <p:nvSpPr>
-          <p:cNvPr id="3" name="標題 2"/>
+          <p:cNvPr id="2" name="標題 1"/>
           <p:cNvSpPr>
             <a:spLocks noGrp="1"/>
           </p:cNvSpPr>
@@ -20461,11 +20497,11 @@
           <a:lstStyle/>
           <a:p>
             <a:r>
-              <a:rPr lang="en-US" altLang="zh-TW" dirty="0" smtClean="0"/>
+              <a:rPr lang="en-US" altLang="zh-TW" smtClean="0"/>
               <a:t>10-2 </a:t>
             </a:r>
             <a:r>
-              <a:rPr lang="zh-TW" altLang="en-US" dirty="0" smtClean="0"/>
+              <a:rPr lang="zh-TW" altLang="en-US" smtClean="0"/>
               <a:t>鏈結串列</a:t>
             </a:r>
             <a:endParaRPr lang="zh-TW" altLang="en-US" dirty="0"/>
@@ -20474,7 +20510,7 @@
       </p:sp>
       <p:sp>
         <p:nvSpPr>
-          <p:cNvPr id="2" name="內容版面配置區 1"/>
+          <p:cNvPr id="3" name="內容版面配置區 2"/>
           <p:cNvSpPr>
             <a:spLocks noGrp="1"/>
           </p:cNvSpPr>
@@ -20485,54 +20521,145 @@
         <p:spPr/>
         <p:txBody>
           <a:bodyPr>
-            <a:normAutofit/>
+            <a:normAutofit fontScale="92500" lnSpcReduction="10000"/>
           </a:bodyPr>
           <a:lstStyle/>
           <a:p>
-            <a:r>
-              <a:rPr lang="zh-TW" altLang="en-US" dirty="0" smtClean="0"/>
-              <a:t>鏈結串列和陣列有一點很大的不同，就是鏈結串列的邏輯順序和實體順序並不一定相同。</a:t>
-            </a:r>
-            <a:endParaRPr lang="en-US" altLang="zh-TW" dirty="0" smtClean="0"/>
-          </a:p>
-          <a:p>
-            <a:r>
-              <a:rPr lang="zh-TW" altLang="en-US" dirty="0" smtClean="0"/>
-              <a:t>當利用函數</a:t>
-            </a:r>
-            <a:r>
-              <a:rPr lang="en-US" altLang="zh-TW" dirty="0" err="1" smtClean="0">
-                <a:solidFill>
-                  <a:srgbClr val="0070C0"/>
-                </a:solidFill>
-              </a:rPr>
-              <a:t>malloc</a:t>
-            </a:r>
-            <a:r>
-              <a:rPr lang="zh-TW" altLang="en-US" dirty="0" smtClean="0"/>
-              <a:t>向系統要一塊記憶體的空間時，系統會根據當時記憶體哪裡有空位</a:t>
-            </a:r>
-            <a:r>
-              <a:rPr lang="zh-TW" altLang="en-US" dirty="0"/>
-              <a:t>，回</a:t>
-            </a:r>
-            <a:r>
-              <a:rPr lang="zh-TW" altLang="en-US" dirty="0" smtClean="0"/>
-              <a:t>傳</a:t>
-            </a:r>
-            <a:r>
-              <a:rPr lang="zh-TW" altLang="en-US" dirty="0"/>
-              <a:t>該</a:t>
-            </a:r>
-            <a:r>
-              <a:rPr lang="zh-TW" altLang="en-US" dirty="0" smtClean="0"/>
-              <a:t>位址，也許會在目前節點的前方，或是後方。</a:t>
+            <a:pPr lvl="0"/>
+            <a:r>
+              <a:rPr lang="zh-TW" altLang="en-US" dirty="0" smtClean="0"/>
+              <a:t>步驟</a:t>
+            </a:r>
+            <a:r>
+              <a:rPr lang="en-US" altLang="zh-TW" dirty="0" smtClean="0"/>
+              <a:t>3</a:t>
+            </a:r>
+            <a:r>
+              <a:rPr lang="zh-TW" altLang="en-US" dirty="0" smtClean="0"/>
+              <a:t>：</a:t>
+            </a:r>
+            <a:r>
+              <a:rPr lang="zh-TW" altLang="zh-TW" dirty="0" smtClean="0"/>
+              <a:t>把節點</a:t>
+            </a:r>
+            <a:r>
+              <a:rPr lang="en-US" altLang="zh-TW" dirty="0" smtClean="0"/>
+              <a:t>temp</a:t>
+            </a:r>
+            <a:r>
+              <a:rPr lang="zh-TW" altLang="zh-TW" dirty="0" smtClean="0"/>
+              <a:t>的欄位</a:t>
+            </a:r>
+            <a:r>
+              <a:rPr lang="en-US" altLang="zh-TW" dirty="0" smtClean="0"/>
+              <a:t>next</a:t>
+            </a:r>
+            <a:r>
+              <a:rPr lang="zh-TW" altLang="zh-TW" dirty="0" smtClean="0"/>
+              <a:t>設定如正式參數</a:t>
+            </a:r>
+            <a:r>
+              <a:rPr lang="en-US" altLang="zh-TW" dirty="0" smtClean="0"/>
+              <a:t>p</a:t>
+            </a:r>
+            <a:r>
+              <a:rPr lang="zh-TW" altLang="zh-TW" dirty="0" smtClean="0"/>
+              <a:t>的值，也就是將節點</a:t>
+            </a:r>
+            <a:r>
+              <a:rPr lang="en-US" altLang="zh-TW" dirty="0" smtClean="0"/>
+              <a:t>temp</a:t>
+            </a:r>
+            <a:r>
+              <a:rPr lang="zh-TW" altLang="zh-TW" dirty="0" smtClean="0"/>
+              <a:t>的欄位</a:t>
+            </a:r>
+            <a:r>
+              <a:rPr lang="en-US" altLang="zh-TW" dirty="0" smtClean="0"/>
+              <a:t>next</a:t>
+            </a:r>
+            <a:r>
+              <a:rPr lang="zh-TW" altLang="zh-TW" dirty="0" smtClean="0"/>
+              <a:t>指到</a:t>
+            </a:r>
+            <a:r>
+              <a:rPr lang="en-US" altLang="zh-TW" dirty="0" smtClean="0"/>
+              <a:t>p</a:t>
+            </a:r>
+            <a:r>
+              <a:rPr lang="zh-TW" altLang="zh-TW" dirty="0" smtClean="0"/>
+              <a:t>所指到的節點。注意，由於正式參數</a:t>
+            </a:r>
+            <a:r>
+              <a:rPr lang="en-US" altLang="zh-TW" dirty="0" smtClean="0"/>
+              <a:t>p</a:t>
+            </a:r>
+            <a:r>
+              <a:rPr lang="zh-TW" altLang="zh-TW" dirty="0" smtClean="0"/>
+              <a:t>會對應到真實參數 </a:t>
+            </a:r>
+            <a:r>
+              <a:rPr lang="en-US" altLang="zh-TW" dirty="0" smtClean="0"/>
+              <a:t>front</a:t>
+            </a:r>
+            <a:r>
+              <a:rPr lang="zh-TW" altLang="zh-TW" dirty="0" smtClean="0"/>
+              <a:t>，所以新的節點會指到串列的第一個節點</a:t>
+            </a:r>
+            <a:r>
+              <a:rPr lang="zh-TW" altLang="en-US" dirty="0" smtClean="0"/>
+              <a:t>。</a:t>
+            </a:r>
+            <a:endParaRPr lang="zh-TW" altLang="zh-TW" dirty="0" smtClean="0"/>
+          </a:p>
+          <a:p>
+            <a:pPr lvl="0"/>
+            <a:r>
+              <a:rPr lang="zh-TW" altLang="en-US" dirty="0" smtClean="0"/>
+              <a:t>步驟</a:t>
+            </a:r>
+            <a:r>
+              <a:rPr lang="en-US" altLang="zh-TW" dirty="0" smtClean="0"/>
+              <a:t>4</a:t>
+            </a:r>
+            <a:r>
+              <a:rPr lang="zh-TW" altLang="en-US" dirty="0" smtClean="0"/>
+              <a:t>：</a:t>
+            </a:r>
+            <a:r>
+              <a:rPr lang="zh-TW" altLang="zh-TW" dirty="0" smtClean="0"/>
+              <a:t>最後將參數</a:t>
+            </a:r>
+            <a:r>
+              <a:rPr lang="en-US" altLang="zh-TW" dirty="0" smtClean="0"/>
+              <a:t>p(</a:t>
+            </a:r>
+            <a:r>
+              <a:rPr lang="zh-TW" altLang="zh-TW" dirty="0" smtClean="0"/>
+              <a:t>也就是</a:t>
+            </a:r>
+            <a:r>
+              <a:rPr lang="en-US" altLang="zh-TW" dirty="0" smtClean="0"/>
+              <a:t>front)</a:t>
+            </a:r>
+            <a:r>
+              <a:rPr lang="zh-TW" altLang="zh-TW" dirty="0" smtClean="0"/>
+              <a:t>，指到新建立的節點</a:t>
+            </a:r>
+            <a:r>
+              <a:rPr lang="zh-TW" altLang="en-US" dirty="0" smtClean="0"/>
+              <a:t>。</a:t>
             </a:r>
             <a:endParaRPr lang="zh-TW" altLang="en-US" dirty="0"/>
           </a:p>
         </p:txBody>
       </p:sp>
     </p:spTree>
+    <p:extLst>
+      <p:ext uri="{BB962C8B-B14F-4D97-AF65-F5344CB8AC3E}">
+        <p14:creationId xmlns:p14="http://schemas.microsoft.com/office/powerpoint/2010/main" val="2642974096"/>
+      </p:ext>
+    </p:extLst>
   </p:cSld>
   <p:clrMapOvr>
     <a:masterClrMapping/>
@@ -20566,6 +20693,125 @@
       </p:grpSpPr>
       <p:sp>
         <p:nvSpPr>
+          <p:cNvPr id="3" name="標題 2"/>
+          <p:cNvSpPr>
+            <a:spLocks noGrp="1"/>
+          </p:cNvSpPr>
+          <p:nvPr>
+            <p:ph type="title"/>
+          </p:nvPr>
+        </p:nvSpPr>
+        <p:spPr/>
+        <p:txBody>
+          <a:bodyPr/>
+          <a:lstStyle/>
+          <a:p>
+            <a:r>
+              <a:rPr lang="en-US" altLang="zh-TW" dirty="0" smtClean="0"/>
+              <a:t>10-2 </a:t>
+            </a:r>
+            <a:r>
+              <a:rPr lang="zh-TW" altLang="en-US" dirty="0" smtClean="0"/>
+              <a:t>鏈結串列</a:t>
+            </a:r>
+            <a:endParaRPr lang="zh-TW" altLang="en-US" dirty="0"/>
+          </a:p>
+        </p:txBody>
+      </p:sp>
+      <p:sp>
+        <p:nvSpPr>
+          <p:cNvPr id="2" name="內容版面配置區 1"/>
+          <p:cNvSpPr>
+            <a:spLocks noGrp="1"/>
+          </p:cNvSpPr>
+          <p:nvPr>
+            <p:ph idx="1"/>
+          </p:nvPr>
+        </p:nvSpPr>
+        <p:spPr/>
+        <p:txBody>
+          <a:bodyPr>
+            <a:normAutofit/>
+          </a:bodyPr>
+          <a:lstStyle/>
+          <a:p>
+            <a:r>
+              <a:rPr lang="zh-TW" altLang="en-US" dirty="0" smtClean="0"/>
+              <a:t>鏈結串列和陣列有一點很大的不同，就是鏈結串列的邏輯順序和實體順序並不一定相同。</a:t>
+            </a:r>
+            <a:endParaRPr lang="en-US" altLang="zh-TW" dirty="0" smtClean="0"/>
+          </a:p>
+          <a:p>
+            <a:r>
+              <a:rPr lang="zh-TW" altLang="en-US" dirty="0" smtClean="0"/>
+              <a:t>當利用函數</a:t>
+            </a:r>
+            <a:r>
+              <a:rPr lang="en-US" altLang="zh-TW" dirty="0" err="1" smtClean="0">
+                <a:solidFill>
+                  <a:srgbClr val="0070C0"/>
+                </a:solidFill>
+              </a:rPr>
+              <a:t>malloc</a:t>
+            </a:r>
+            <a:r>
+              <a:rPr lang="zh-TW" altLang="en-US" dirty="0" smtClean="0"/>
+              <a:t>向系統要一塊記憶體的空間時，系統會根據當時記憶體哪裡有空位</a:t>
+            </a:r>
+            <a:r>
+              <a:rPr lang="zh-TW" altLang="en-US" dirty="0"/>
+              <a:t>，回</a:t>
+            </a:r>
+            <a:r>
+              <a:rPr lang="zh-TW" altLang="en-US" dirty="0" smtClean="0"/>
+              <a:t>傳</a:t>
+            </a:r>
+            <a:r>
+              <a:rPr lang="zh-TW" altLang="en-US" dirty="0"/>
+              <a:t>該</a:t>
+            </a:r>
+            <a:r>
+              <a:rPr lang="zh-TW" altLang="en-US" dirty="0" smtClean="0"/>
+              <a:t>位址，也許會在目前節點的前方，或是後方。</a:t>
+            </a:r>
+            <a:endParaRPr lang="zh-TW" altLang="en-US" dirty="0"/>
+          </a:p>
+        </p:txBody>
+      </p:sp>
+    </p:spTree>
+  </p:cSld>
+  <p:clrMapOvr>
+    <a:masterClrMapping/>
+  </p:clrMapOvr>
+  <p:timing>
+    <p:tnLst>
+      <p:par>
+        <p:cTn id="1" dur="indefinite" restart="never" nodeType="tmRoot"/>
+      </p:par>
+    </p:tnLst>
+  </p:timing>
+</p:sld>
+</file>
+
+<file path=ppt/slides/slide35.xml><?xml version="1.0" encoding="utf-8"?>
+<p:sld xmlns:a="http://schemas.openxmlformats.org/drawingml/2006/main" xmlns:r="http://schemas.openxmlformats.org/officeDocument/2006/relationships" xmlns:p="http://schemas.openxmlformats.org/presentationml/2006/main">
+  <p:cSld>
+    <p:spTree>
+      <p:nvGrpSpPr>
+        <p:cNvPr id="1" name=""/>
+        <p:cNvGrpSpPr/>
+        <p:nvPr/>
+      </p:nvGrpSpPr>
+      <p:grpSpPr>
+        <a:xfrm>
+          <a:off x="0" y="0"/>
+          <a:ext cx="0" cy="0"/>
+          <a:chOff x="0" y="0"/>
+          <a:chExt cx="0" cy="0"/>
+        </a:xfrm>
+      </p:grpSpPr>
+      <p:sp>
+        <p:nvSpPr>
           <p:cNvPr id="2" name="標題 1"/>
           <p:cNvSpPr>
             <a:spLocks noGrp="1"/>
@@ -20607,6 +20853,14 @@
           </a:bodyPr>
           <a:lstStyle/>
           <a:p>
+            <a:pPr>
+              <a:spcBef>
+                <a:spcPts val="1200"/>
+              </a:spcBef>
+              <a:spcAft>
+                <a:spcPts val="1200"/>
+              </a:spcAft>
+            </a:pPr>
             <a:r>
               <a:rPr lang="zh-TW" altLang="en-US" dirty="0"/>
               <a:t>下圖顯示上圖鏈結串列的可能實體順序，其中</a:t>
@@ -20740,7 +20994,7 @@
         </p:blipFill>
         <p:spPr bwMode="auto">
           <a:xfrm>
-            <a:off x="1182687" y="2436735"/>
+            <a:off x="1176439" y="2526745"/>
             <a:ext cx="6778626" cy="875682"/>
           </a:xfrm>
           <a:prstGeom prst="rect">
@@ -20776,7 +21030,7 @@
 </p:sld>
 </file>
 
-<file path=ppt/slides/slide35.xml><?xml version="1.0" encoding="utf-8"?>
+<file path=ppt/slides/slide36.xml><?xml version="1.0" encoding="utf-8"?>
 <p:sld xmlns:a="http://schemas.openxmlformats.org/drawingml/2006/main" xmlns:r="http://schemas.openxmlformats.org/officeDocument/2006/relationships" xmlns:p="http://schemas.openxmlformats.org/presentationml/2006/main">
   <p:cSld>
     <p:spTree>
@@ -20876,7 +21130,7 @@
 </p:sld>
 </file>
 
-<file path=ppt/slides/slide36.xml><?xml version="1.0" encoding="utf-8"?>
+<file path=ppt/slides/slide37.xml><?xml version="1.0" encoding="utf-8"?>
 <p:sld xmlns:a="http://schemas.openxmlformats.org/drawingml/2006/main" xmlns:r="http://schemas.openxmlformats.org/officeDocument/2006/relationships" xmlns:p="http://schemas.openxmlformats.org/presentationml/2006/main">
   <p:cSld>
     <p:spTree>
@@ -21034,7 +21288,7 @@
 </p:sld>
 </file>
 
-<file path=ppt/slides/slide37.xml><?xml version="1.0" encoding="utf-8"?>
+<file path=ppt/slides/slide38.xml><?xml version="1.0" encoding="utf-8"?>
 <p:sld xmlns:a="http://schemas.openxmlformats.org/drawingml/2006/main" xmlns:r="http://schemas.openxmlformats.org/officeDocument/2006/relationships" xmlns:p="http://schemas.openxmlformats.org/presentationml/2006/main">
   <p:cSld>
     <p:spTree>
@@ -21208,147 +21462,6 @@
 </p:sld>
 </file>
 
-<file path=ppt/slides/slide38.xml><?xml version="1.0" encoding="utf-8"?>
-<p:sld xmlns:a="http://schemas.openxmlformats.org/drawingml/2006/main" xmlns:r="http://schemas.openxmlformats.org/officeDocument/2006/relationships" xmlns:p="http://schemas.openxmlformats.org/presentationml/2006/main">
-  <p:cSld>
-    <p:spTree>
-      <p:nvGrpSpPr>
-        <p:cNvPr id="1" name=""/>
-        <p:cNvGrpSpPr/>
-        <p:nvPr/>
-      </p:nvGrpSpPr>
-      <p:grpSpPr>
-        <a:xfrm>
-          <a:off x="0" y="0"/>
-          <a:ext cx="0" cy="0"/>
-          <a:chOff x="0" y="0"/>
-          <a:chExt cx="0" cy="0"/>
-        </a:xfrm>
-      </p:grpSpPr>
-      <p:sp>
-        <p:nvSpPr>
-          <p:cNvPr id="2" name="標題 1"/>
-          <p:cNvSpPr>
-            <a:spLocks noGrp="1"/>
-          </p:cNvSpPr>
-          <p:nvPr>
-            <p:ph type="title"/>
-          </p:nvPr>
-        </p:nvSpPr>
-        <p:spPr/>
-        <p:txBody>
-          <a:bodyPr/>
-          <a:lstStyle/>
-          <a:p>
-            <a:r>
-              <a:rPr lang="en-US" altLang="zh-TW" dirty="0"/>
-              <a:t>10-2 </a:t>
-            </a:r>
-            <a:r>
-              <a:rPr lang="zh-TW" altLang="en-US" dirty="0"/>
-              <a:t>鏈結串列</a:t>
-            </a:r>
-          </a:p>
-        </p:txBody>
-      </p:sp>
-      <p:sp>
-        <p:nvSpPr>
-          <p:cNvPr id="3" name="內容版面配置區 2"/>
-          <p:cNvSpPr>
-            <a:spLocks noGrp="1"/>
-          </p:cNvSpPr>
-          <p:nvPr>
-            <p:ph idx="1"/>
-          </p:nvPr>
-        </p:nvSpPr>
-        <p:spPr/>
-        <p:txBody>
-          <a:bodyPr>
-            <a:normAutofit/>
-          </a:bodyPr>
-          <a:lstStyle/>
-          <a:p>
-            <a:pPr lvl="0"/>
-            <a:r>
-              <a:rPr lang="zh-TW" altLang="en-US" dirty="0"/>
-              <a:t>步驟</a:t>
-            </a:r>
-            <a:r>
-              <a:rPr lang="en-US" altLang="zh-TW" dirty="0"/>
-              <a:t>1</a:t>
-            </a:r>
-            <a:r>
-              <a:rPr lang="zh-TW" altLang="en-US" dirty="0"/>
-              <a:t>：將局部變數</a:t>
-            </a:r>
-            <a:r>
-              <a:rPr lang="en-US" altLang="zh-TW" dirty="0">
-                <a:solidFill>
-                  <a:srgbClr val="0070C0"/>
-                </a:solidFill>
-              </a:rPr>
-              <a:t>temp</a:t>
-            </a:r>
-            <a:r>
-              <a:rPr lang="zh-TW" altLang="en-US" dirty="0"/>
-              <a:t>指到第一個鏈結串列的起始節點。</a:t>
-            </a:r>
-            <a:endParaRPr lang="zh-TW" altLang="zh-TW" dirty="0"/>
-          </a:p>
-          <a:p>
-            <a:pPr lvl="0"/>
-            <a:r>
-              <a:rPr lang="zh-TW" altLang="en-US" dirty="0"/>
-              <a:t>步驟</a:t>
-            </a:r>
-            <a:r>
-              <a:rPr lang="en-US" altLang="zh-TW" dirty="0"/>
-              <a:t>2</a:t>
-            </a:r>
-            <a:r>
-              <a:rPr lang="zh-TW" altLang="en-US" dirty="0"/>
-              <a:t>：將參數</a:t>
-            </a:r>
-            <a:r>
-              <a:rPr lang="en-US" altLang="zh-TW" dirty="0">
-                <a:solidFill>
-                  <a:srgbClr val="0070C0"/>
-                </a:solidFill>
-              </a:rPr>
-              <a:t>p</a:t>
-            </a:r>
-            <a:r>
-              <a:rPr lang="zh-TW" altLang="en-US" dirty="0"/>
-              <a:t>指到第一個鏈結串列的第二個節點</a:t>
-            </a:r>
-            <a:r>
-              <a:rPr lang="zh-TW" altLang="en-US" dirty="0" smtClean="0"/>
-              <a:t>。</a:t>
-            </a:r>
-            <a:endParaRPr lang="zh-TW" altLang="en-US" dirty="0"/>
-          </a:p>
-        </p:txBody>
-      </p:sp>
-    </p:spTree>
-    <p:extLst>
-      <p:ext uri="{BB962C8B-B14F-4D97-AF65-F5344CB8AC3E}">
-        <p14:creationId xmlns:p14="http://schemas.microsoft.com/office/powerpoint/2010/main" val="1161044630"/>
-      </p:ext>
-    </p:extLst>
-  </p:cSld>
-  <p:clrMapOvr>
-    <a:masterClrMapping/>
-  </p:clrMapOvr>
-  <p:timing>
-    <p:tnLst>
-      <p:par>
-        <p:cTn id="1" dur="indefinite" restart="never" nodeType="tmRoot"/>
-      </p:par>
-    </p:tnLst>
-  </p:timing>
-</p:sld>
-</file>
-
 <file path=ppt/slides/slide39.xml><?xml version="1.0" encoding="utf-8"?>
 <p:sld xmlns:a="http://schemas.openxmlformats.org/drawingml/2006/main" xmlns:r="http://schemas.openxmlformats.org/officeDocument/2006/relationships" xmlns:p="http://schemas.openxmlformats.org/presentationml/2006/main">
   <p:cSld>
@@ -21416,11 +21529,11 @@
             </a:r>
             <a:r>
               <a:rPr lang="en-US" altLang="zh-TW" dirty="0"/>
-              <a:t>3</a:t>
+              <a:t>1</a:t>
             </a:r>
             <a:r>
               <a:rPr lang="zh-TW" altLang="en-US" dirty="0"/>
-              <a:t>：將節點</a:t>
+              <a:t>：將局部變數</a:t>
             </a:r>
             <a:r>
               <a:rPr lang="en-US" altLang="zh-TW" dirty="0">
@@ -21432,7 +21545,23 @@
             </a:r>
             <a:r>
               <a:rPr lang="zh-TW" altLang="en-US" dirty="0"/>
-              <a:t>的欄位</a:t>
+              <a:t>指到第一個鏈結串列的起始節點。</a:t>
+            </a:r>
+            <a:endParaRPr lang="zh-TW" altLang="zh-TW" dirty="0"/>
+          </a:p>
+          <a:p>
+            <a:pPr lvl="0"/>
+            <a:r>
+              <a:rPr lang="zh-TW" altLang="en-US" dirty="0"/>
+              <a:t>步驟</a:t>
+            </a:r>
+            <a:r>
+              <a:rPr lang="en-US" altLang="zh-TW" dirty="0"/>
+              <a:t>2</a:t>
+            </a:r>
+            <a:r>
+              <a:rPr lang="zh-TW" altLang="en-US" dirty="0"/>
+              <a:t>：將參數</a:t>
             </a:r>
             <a:r>
               <a:rPr lang="en-US" altLang="zh-TW" dirty="0">
@@ -21440,39 +21569,16 @@
                   <a:srgbClr val="0070C0"/>
                 </a:solidFill>
               </a:rPr>
-              <a:t>next</a:t>
+              <a:t>p</a:t>
             </a:r>
             <a:r>
               <a:rPr lang="zh-TW" altLang="en-US" dirty="0"/>
-              <a:t>指到</a:t>
-            </a:r>
-            <a:r>
-              <a:rPr lang="en-US" altLang="zh-TW" dirty="0">
-                <a:solidFill>
-                  <a:srgbClr val="0070C0"/>
-                </a:solidFill>
-              </a:rPr>
-              <a:t>q</a:t>
-            </a:r>
-            <a:r>
-              <a:rPr lang="zh-TW" altLang="en-US" dirty="0"/>
-              <a:t>所指到的節點，也就是第二個鏈結串列的起始節點；由於在第一個步驟，</a:t>
-            </a:r>
-            <a:r>
-              <a:rPr lang="en-US" altLang="zh-TW" dirty="0">
-                <a:solidFill>
-                  <a:srgbClr val="0070C0"/>
-                </a:solidFill>
-              </a:rPr>
-              <a:t>temp</a:t>
-            </a:r>
-            <a:r>
-              <a:rPr lang="zh-TW" altLang="en-US" dirty="0"/>
-              <a:t>已經指到第一個鏈結串列的起始節點，所以此一步驟會把兩個串列的鏈結建立起來。</a:t>
-            </a:r>
-            <a:endParaRPr lang="zh-TW" altLang="zh-TW" dirty="0"/>
-          </a:p>
-          <a:p>
+              <a:t>指到第一個鏈結串列的第二個節點</a:t>
+            </a:r>
+            <a:r>
+              <a:rPr lang="zh-TW" altLang="en-US" dirty="0" smtClean="0"/>
+              <a:t>。</a:t>
+            </a:r>
             <a:endParaRPr lang="zh-TW" altLang="en-US" dirty="0"/>
           </a:p>
         </p:txBody>
@@ -21480,7 +21586,7 @@
     </p:spTree>
     <p:extLst>
       <p:ext uri="{BB962C8B-B14F-4D97-AF65-F5344CB8AC3E}">
-        <p14:creationId xmlns:p14="http://schemas.microsoft.com/office/powerpoint/2010/main" val="780497100"/>
+        <p14:creationId xmlns:p14="http://schemas.microsoft.com/office/powerpoint/2010/main" val="1161044630"/>
       </p:ext>
     </p:extLst>
   </p:cSld>
@@ -21682,6 +21788,154 @@
             </a:r>
             <a:r>
               <a:rPr lang="en-US" altLang="zh-TW" dirty="0"/>
+              <a:t>3</a:t>
+            </a:r>
+            <a:r>
+              <a:rPr lang="zh-TW" altLang="en-US" dirty="0"/>
+              <a:t>：將節點</a:t>
+            </a:r>
+            <a:r>
+              <a:rPr lang="en-US" altLang="zh-TW" dirty="0">
+                <a:solidFill>
+                  <a:srgbClr val="0070C0"/>
+                </a:solidFill>
+              </a:rPr>
+              <a:t>temp</a:t>
+            </a:r>
+            <a:r>
+              <a:rPr lang="zh-TW" altLang="en-US" dirty="0"/>
+              <a:t>的欄位</a:t>
+            </a:r>
+            <a:r>
+              <a:rPr lang="en-US" altLang="zh-TW" dirty="0">
+                <a:solidFill>
+                  <a:srgbClr val="0070C0"/>
+                </a:solidFill>
+              </a:rPr>
+              <a:t>next</a:t>
+            </a:r>
+            <a:r>
+              <a:rPr lang="zh-TW" altLang="en-US" dirty="0"/>
+              <a:t>指到</a:t>
+            </a:r>
+            <a:r>
+              <a:rPr lang="en-US" altLang="zh-TW" dirty="0">
+                <a:solidFill>
+                  <a:srgbClr val="0070C0"/>
+                </a:solidFill>
+              </a:rPr>
+              <a:t>q</a:t>
+            </a:r>
+            <a:r>
+              <a:rPr lang="zh-TW" altLang="en-US" dirty="0"/>
+              <a:t>所指到的節點，也就是第二個鏈結串列的起始節點；由於在第一個步驟，</a:t>
+            </a:r>
+            <a:r>
+              <a:rPr lang="en-US" altLang="zh-TW" dirty="0">
+                <a:solidFill>
+                  <a:srgbClr val="0070C0"/>
+                </a:solidFill>
+              </a:rPr>
+              <a:t>temp</a:t>
+            </a:r>
+            <a:r>
+              <a:rPr lang="zh-TW" altLang="en-US" dirty="0"/>
+              <a:t>已經指到第一個鏈結串列的起始節點，所以此一步驟會把兩個串列的鏈結建立起來。</a:t>
+            </a:r>
+            <a:endParaRPr lang="zh-TW" altLang="zh-TW" dirty="0"/>
+          </a:p>
+          <a:p>
+            <a:endParaRPr lang="zh-TW" altLang="en-US" dirty="0"/>
+          </a:p>
+        </p:txBody>
+      </p:sp>
+    </p:spTree>
+    <p:extLst>
+      <p:ext uri="{BB962C8B-B14F-4D97-AF65-F5344CB8AC3E}">
+        <p14:creationId xmlns:p14="http://schemas.microsoft.com/office/powerpoint/2010/main" val="780497100"/>
+      </p:ext>
+    </p:extLst>
+  </p:cSld>
+  <p:clrMapOvr>
+    <a:masterClrMapping/>
+  </p:clrMapOvr>
+  <p:timing>
+    <p:tnLst>
+      <p:par>
+        <p:cTn id="1" dur="indefinite" restart="never" nodeType="tmRoot"/>
+      </p:par>
+    </p:tnLst>
+  </p:timing>
+</p:sld>
+</file>
+
+<file path=ppt/slides/slide41.xml><?xml version="1.0" encoding="utf-8"?>
+<p:sld xmlns:a="http://schemas.openxmlformats.org/drawingml/2006/main" xmlns:r="http://schemas.openxmlformats.org/officeDocument/2006/relationships" xmlns:p="http://schemas.openxmlformats.org/presentationml/2006/main">
+  <p:cSld>
+    <p:spTree>
+      <p:nvGrpSpPr>
+        <p:cNvPr id="1" name=""/>
+        <p:cNvGrpSpPr/>
+        <p:nvPr/>
+      </p:nvGrpSpPr>
+      <p:grpSpPr>
+        <a:xfrm>
+          <a:off x="0" y="0"/>
+          <a:ext cx="0" cy="0"/>
+          <a:chOff x="0" y="0"/>
+          <a:chExt cx="0" cy="0"/>
+        </a:xfrm>
+      </p:grpSpPr>
+      <p:sp>
+        <p:nvSpPr>
+          <p:cNvPr id="2" name="標題 1"/>
+          <p:cNvSpPr>
+            <a:spLocks noGrp="1"/>
+          </p:cNvSpPr>
+          <p:nvPr>
+            <p:ph type="title"/>
+          </p:nvPr>
+        </p:nvSpPr>
+        <p:spPr/>
+        <p:txBody>
+          <a:bodyPr/>
+          <a:lstStyle/>
+          <a:p>
+            <a:r>
+              <a:rPr lang="en-US" altLang="zh-TW" dirty="0"/>
+              <a:t>10-2 </a:t>
+            </a:r>
+            <a:r>
+              <a:rPr lang="zh-TW" altLang="en-US" dirty="0"/>
+              <a:t>鏈結串列</a:t>
+            </a:r>
+          </a:p>
+        </p:txBody>
+      </p:sp>
+      <p:sp>
+        <p:nvSpPr>
+          <p:cNvPr id="3" name="內容版面配置區 2"/>
+          <p:cNvSpPr>
+            <a:spLocks noGrp="1"/>
+          </p:cNvSpPr>
+          <p:nvPr>
+            <p:ph idx="1"/>
+          </p:nvPr>
+        </p:nvSpPr>
+        <p:spPr/>
+        <p:txBody>
+          <a:bodyPr>
+            <a:normAutofit/>
+          </a:bodyPr>
+          <a:lstStyle/>
+          <a:p>
+            <a:pPr lvl="0"/>
+            <a:r>
+              <a:rPr lang="zh-TW" altLang="en-US" dirty="0"/>
+              <a:t>步驟</a:t>
+            </a:r>
+            <a:r>
+              <a:rPr lang="en-US" altLang="zh-TW" dirty="0"/>
               <a:t>4</a:t>
             </a:r>
             <a:r>
@@ -21739,7 +21993,7 @@
 </p:sld>
 </file>
 
-<file path=ppt/slides/slide41.xml><?xml version="1.0" encoding="utf-8"?>
+<file path=ppt/slides/slide42.xml><?xml version="1.0" encoding="utf-8"?>
 <p:sld xmlns:a="http://schemas.openxmlformats.org/drawingml/2006/main" xmlns:r="http://schemas.openxmlformats.org/officeDocument/2006/relationships" xmlns:p="http://schemas.openxmlformats.org/presentationml/2006/main">
   <p:cSld>
     <p:spTree>
@@ -21978,138 +22232,6 @@
 </p:sld>
 </file>
 
-<file path=ppt/slides/slide42.xml><?xml version="1.0" encoding="utf-8"?>
-<p:sld xmlns:a="http://schemas.openxmlformats.org/drawingml/2006/main" xmlns:r="http://schemas.openxmlformats.org/officeDocument/2006/relationships" xmlns:p="http://schemas.openxmlformats.org/presentationml/2006/main">
-  <p:cSld>
-    <p:spTree>
-      <p:nvGrpSpPr>
-        <p:cNvPr id="1" name=""/>
-        <p:cNvGrpSpPr/>
-        <p:nvPr/>
-      </p:nvGrpSpPr>
-      <p:grpSpPr>
-        <a:xfrm>
-          <a:off x="0" y="0"/>
-          <a:ext cx="0" cy="0"/>
-          <a:chOff x="0" y="0"/>
-          <a:chExt cx="0" cy="0"/>
-        </a:xfrm>
-      </p:grpSpPr>
-      <p:sp>
-        <p:nvSpPr>
-          <p:cNvPr id="3" name="標題 2"/>
-          <p:cNvSpPr>
-            <a:spLocks noGrp="1"/>
-          </p:cNvSpPr>
-          <p:nvPr>
-            <p:ph type="title"/>
-          </p:nvPr>
-        </p:nvSpPr>
-        <p:spPr>
-          <a:xfrm>
-            <a:off x="457200" y="803149"/>
-            <a:ext cx="8229600" cy="857250"/>
-          </a:xfrm>
-        </p:spPr>
-        <p:txBody>
-          <a:bodyPr/>
-          <a:lstStyle/>
-          <a:p>
-            <a:r>
-              <a:rPr lang="zh-TW" altLang="en-US" b="1" dirty="0" smtClean="0"/>
-              <a:t>堆疊</a:t>
-            </a:r>
-            <a:endParaRPr lang="zh-TW" altLang="en-US" dirty="0"/>
-          </a:p>
-        </p:txBody>
-      </p:sp>
-      <p:sp>
-        <p:nvSpPr>
-          <p:cNvPr id="4" name="內容版面配置區 3"/>
-          <p:cNvSpPr>
-            <a:spLocks noGrp="1"/>
-          </p:cNvSpPr>
-          <p:nvPr>
-            <p:ph idx="1"/>
-          </p:nvPr>
-        </p:nvSpPr>
-        <p:spPr/>
-        <p:txBody>
-          <a:bodyPr>
-            <a:normAutofit fontScale="92500" lnSpcReduction="10000"/>
-          </a:bodyPr>
-          <a:lstStyle/>
-          <a:p>
-            <a:r>
-              <a:rPr lang="zh-TW" altLang="en-US" dirty="0"/>
-              <a:t>堆疊的概念，是處理一序列資料的時候，採用「後進先出」、「先進後出」的順序</a:t>
-            </a:r>
-            <a:r>
-              <a:rPr lang="zh-TW" altLang="en-US" dirty="0" smtClean="0"/>
-              <a:t>。</a:t>
-            </a:r>
-            <a:endParaRPr lang="en-US" altLang="zh-TW" dirty="0" smtClean="0"/>
-          </a:p>
-          <a:p>
-            <a:r>
-              <a:rPr lang="zh-TW" altLang="en-US" dirty="0" smtClean="0"/>
-              <a:t>假設</a:t>
-            </a:r>
-            <a:r>
-              <a:rPr lang="zh-TW" altLang="en-US" dirty="0"/>
-              <a:t>現在要在一個狹長的網球桶裡，依序放入編號</a:t>
-            </a:r>
-            <a:r>
-              <a:rPr lang="en-US" altLang="zh-TW" dirty="0"/>
-              <a:t>1</a:t>
-            </a:r>
-            <a:r>
-              <a:rPr lang="zh-TW" altLang="en-US" dirty="0"/>
-              <a:t>號到編號</a:t>
-            </a:r>
-            <a:r>
-              <a:rPr lang="en-US" altLang="zh-TW" dirty="0"/>
-              <a:t>5</a:t>
-            </a:r>
-            <a:r>
-              <a:rPr lang="zh-TW" altLang="en-US" dirty="0"/>
-              <a:t>號的網球，很明顯的，最早放進去的</a:t>
-            </a:r>
-            <a:r>
-              <a:rPr lang="en-US" altLang="zh-TW" dirty="0"/>
-              <a:t>1</a:t>
-            </a:r>
-            <a:r>
-              <a:rPr lang="zh-TW" altLang="en-US" dirty="0"/>
-              <a:t>號球會在球桶的最下方，而最後放進去的</a:t>
-            </a:r>
-            <a:r>
-              <a:rPr lang="en-US" altLang="zh-TW" dirty="0"/>
-              <a:t>5</a:t>
-            </a:r>
-            <a:r>
-              <a:rPr lang="zh-TW" altLang="en-US" dirty="0"/>
-              <a:t>號球會在球桶的最上方。</a:t>
-            </a:r>
-            <a:endParaRPr lang="zh-TW" altLang="en-US" sz="2800" dirty="0"/>
-          </a:p>
-        </p:txBody>
-      </p:sp>
-    </p:spTree>
-  </p:cSld>
-  <p:clrMapOvr>
-    <a:masterClrMapping/>
-  </p:clrMapOvr>
-  <p:timing>
-    <p:tnLst>
-      <p:par>
-        <p:cTn id="1" dur="indefinite" restart="never" nodeType="tmRoot"/>
-      </p:par>
-    </p:tnLst>
-  </p:timing>
-</p:sld>
-</file>
-
 <file path=ppt/slides/slide43.xml><?xml version="1.0" encoding="utf-8"?>
 <p:sld xmlns:a="http://schemas.openxmlformats.org/drawingml/2006/main" xmlns:r="http://schemas.openxmlformats.org/officeDocument/2006/relationships" xmlns:p="http://schemas.openxmlformats.org/presentationml/2006/main">
   <p:cSld>
@@ -22129,7 +22251,7 @@
       </p:grpSpPr>
       <p:sp>
         <p:nvSpPr>
-          <p:cNvPr id="5" name="標題 4"/>
+          <p:cNvPr id="3" name="標題 2"/>
           <p:cNvSpPr>
             <a:spLocks noGrp="1"/>
           </p:cNvSpPr>
@@ -22137,13 +22259,18 @@
             <p:ph type="title"/>
           </p:nvPr>
         </p:nvSpPr>
-        <p:spPr/>
+        <p:spPr>
+          <a:xfrm>
+            <a:off x="457200" y="803149"/>
+            <a:ext cx="8229600" cy="857250"/>
+          </a:xfrm>
+        </p:spPr>
         <p:txBody>
           <a:bodyPr/>
           <a:lstStyle/>
           <a:p>
             <a:r>
-              <a:rPr lang="zh-TW" altLang="en-US" dirty="0" smtClean="0"/>
+              <a:rPr lang="zh-TW" altLang="en-US" b="1" dirty="0" smtClean="0"/>
               <a:t>堆疊</a:t>
             </a:r>
             <a:endParaRPr lang="zh-TW" altLang="en-US" dirty="0"/>
@@ -22162,38 +22289,63 @@
         </p:nvSpPr>
         <p:spPr/>
         <p:txBody>
-          <a:bodyPr/>
+          <a:bodyPr>
+            <a:normAutofit fontScale="92500" lnSpcReduction="10000"/>
+          </a:bodyPr>
           <a:lstStyle/>
           <a:p>
             <a:r>
-              <a:rPr lang="zh-TW" altLang="en-US" smtClean="0"/>
-              <a:t>當要用球的時候，由於該球桶的開口固定在上面，所以首先拿到的是球桶最上方的</a:t>
-            </a:r>
-            <a:r>
-              <a:rPr lang="en-US" altLang="zh-TW" smtClean="0"/>
+              <a:rPr lang="zh-TW" altLang="en-US" dirty="0"/>
+              <a:t>堆疊的概念，是處理一序列資料的時候，採用「後進先出」、「先進後出」的順序</a:t>
+            </a:r>
+            <a:r>
+              <a:rPr lang="zh-TW" altLang="en-US" dirty="0" smtClean="0"/>
+              <a:t>。</a:t>
+            </a:r>
+            <a:endParaRPr lang="en-US" altLang="zh-TW" dirty="0" smtClean="0"/>
+          </a:p>
+          <a:p>
+            <a:r>
+              <a:rPr lang="zh-TW" altLang="en-US" dirty="0" smtClean="0"/>
+              <a:t>假設</a:t>
+            </a:r>
+            <a:r>
+              <a:rPr lang="zh-TW" altLang="en-US" dirty="0"/>
+              <a:t>現在要在一個狹長的網球桶裡，依序放入編號</a:t>
+            </a:r>
+            <a:r>
+              <a:rPr lang="en-US" altLang="zh-TW" dirty="0"/>
+              <a:t>1</a:t>
+            </a:r>
+            <a:r>
+              <a:rPr lang="zh-TW" altLang="en-US" dirty="0"/>
+              <a:t>號到編號</a:t>
+            </a:r>
+            <a:r>
+              <a:rPr lang="en-US" altLang="zh-TW" dirty="0"/>
               <a:t>5</a:t>
             </a:r>
             <a:r>
-              <a:rPr lang="zh-TW" altLang="en-US" smtClean="0"/>
-              <a:t>號球，接著是</a:t>
-            </a:r>
-            <a:r>
-              <a:rPr lang="en-US" altLang="zh-TW" smtClean="0"/>
-              <a:t>4</a:t>
-            </a:r>
-            <a:r>
-              <a:rPr lang="zh-TW" altLang="en-US" smtClean="0"/>
-              <a:t>號球，最後才會拿到</a:t>
-            </a:r>
-            <a:r>
-              <a:rPr lang="en-US" altLang="zh-TW" smtClean="0"/>
+              <a:rPr lang="zh-TW" altLang="en-US" dirty="0"/>
+              <a:t>號的網球，很明顯的，最早放進去的</a:t>
+            </a:r>
+            <a:r>
+              <a:rPr lang="en-US" altLang="zh-TW" dirty="0"/>
               <a:t>1</a:t>
             </a:r>
             <a:r>
-              <a:rPr lang="zh-TW" altLang="en-US" smtClean="0"/>
-              <a:t>號球。</a:t>
-            </a:r>
-            <a:endParaRPr lang="en-US" altLang="zh-TW" dirty="0" smtClean="0"/>
+              <a:rPr lang="zh-TW" altLang="en-US" dirty="0"/>
+              <a:t>號球會在球桶的最下方，而最後放進去的</a:t>
+            </a:r>
+            <a:r>
+              <a:rPr lang="en-US" altLang="zh-TW" dirty="0"/>
+              <a:t>5</a:t>
+            </a:r>
+            <a:r>
+              <a:rPr lang="zh-TW" altLang="en-US" dirty="0"/>
+              <a:t>號球會在球桶的最上方。</a:t>
+            </a:r>
+            <a:endParaRPr lang="zh-TW" altLang="en-US" sz="2800" dirty="0"/>
           </a:p>
         </p:txBody>
       </p:sp>
@@ -22213,6 +22365,108 @@
 </file>
 
 <file path=ppt/slides/slide44.xml><?xml version="1.0" encoding="utf-8"?>
+<p:sld xmlns:a="http://schemas.openxmlformats.org/drawingml/2006/main" xmlns:r="http://schemas.openxmlformats.org/officeDocument/2006/relationships" xmlns:p="http://schemas.openxmlformats.org/presentationml/2006/main">
+  <p:cSld>
+    <p:spTree>
+      <p:nvGrpSpPr>
+        <p:cNvPr id="1" name=""/>
+        <p:cNvGrpSpPr/>
+        <p:nvPr/>
+      </p:nvGrpSpPr>
+      <p:grpSpPr>
+        <a:xfrm>
+          <a:off x="0" y="0"/>
+          <a:ext cx="0" cy="0"/>
+          <a:chOff x="0" y="0"/>
+          <a:chExt cx="0" cy="0"/>
+        </a:xfrm>
+      </p:grpSpPr>
+      <p:sp>
+        <p:nvSpPr>
+          <p:cNvPr id="5" name="標題 4"/>
+          <p:cNvSpPr>
+            <a:spLocks noGrp="1"/>
+          </p:cNvSpPr>
+          <p:nvPr>
+            <p:ph type="title"/>
+          </p:nvPr>
+        </p:nvSpPr>
+        <p:spPr/>
+        <p:txBody>
+          <a:bodyPr/>
+          <a:lstStyle/>
+          <a:p>
+            <a:r>
+              <a:rPr lang="zh-TW" altLang="en-US" dirty="0" smtClean="0"/>
+              <a:t>堆疊</a:t>
+            </a:r>
+            <a:endParaRPr lang="zh-TW" altLang="en-US" dirty="0"/>
+          </a:p>
+        </p:txBody>
+      </p:sp>
+      <p:sp>
+        <p:nvSpPr>
+          <p:cNvPr id="4" name="內容版面配置區 3"/>
+          <p:cNvSpPr>
+            <a:spLocks noGrp="1"/>
+          </p:cNvSpPr>
+          <p:nvPr>
+            <p:ph idx="1"/>
+          </p:nvPr>
+        </p:nvSpPr>
+        <p:spPr/>
+        <p:txBody>
+          <a:bodyPr/>
+          <a:lstStyle/>
+          <a:p>
+            <a:r>
+              <a:rPr lang="zh-TW" altLang="en-US" smtClean="0"/>
+              <a:t>當要用球的時候，由於該球桶的開口固定在上面，所以首先拿到的是球桶最上方的</a:t>
+            </a:r>
+            <a:r>
+              <a:rPr lang="en-US" altLang="zh-TW" smtClean="0"/>
+              <a:t>5</a:t>
+            </a:r>
+            <a:r>
+              <a:rPr lang="zh-TW" altLang="en-US" smtClean="0"/>
+              <a:t>號球，接著是</a:t>
+            </a:r>
+            <a:r>
+              <a:rPr lang="en-US" altLang="zh-TW" smtClean="0"/>
+              <a:t>4</a:t>
+            </a:r>
+            <a:r>
+              <a:rPr lang="zh-TW" altLang="en-US" smtClean="0"/>
+              <a:t>號球，最後才會拿到</a:t>
+            </a:r>
+            <a:r>
+              <a:rPr lang="en-US" altLang="zh-TW" smtClean="0"/>
+              <a:t>1</a:t>
+            </a:r>
+            <a:r>
+              <a:rPr lang="zh-TW" altLang="en-US" smtClean="0"/>
+              <a:t>號球。</a:t>
+            </a:r>
+            <a:endParaRPr lang="en-US" altLang="zh-TW" dirty="0" smtClean="0"/>
+          </a:p>
+        </p:txBody>
+      </p:sp>
+    </p:spTree>
+  </p:cSld>
+  <p:clrMapOvr>
+    <a:masterClrMapping/>
+  </p:clrMapOvr>
+  <p:timing>
+    <p:tnLst>
+      <p:par>
+        <p:cTn id="1" dur="indefinite" restart="never" nodeType="tmRoot"/>
+      </p:par>
+    </p:tnLst>
+  </p:timing>
+</p:sld>
+</file>
+
+<file path=ppt/slides/slide45.xml><?xml version="1.0" encoding="utf-8"?>
 <p:sld xmlns:a="http://schemas.openxmlformats.org/drawingml/2006/main" xmlns:r="http://schemas.openxmlformats.org/officeDocument/2006/relationships" xmlns:p="http://schemas.openxmlformats.org/presentationml/2006/main">
   <p:cSld>
     <p:spTree>
@@ -22364,7 +22618,7 @@
 </p:sld>
 </file>
 
-<file path=ppt/slides/slide45.xml><?xml version="1.0" encoding="utf-8"?>
+<file path=ppt/slides/slide46.xml><?xml version="1.0" encoding="utf-8"?>
 <p:sld xmlns:a="http://schemas.openxmlformats.org/drawingml/2006/main" xmlns:r="http://schemas.openxmlformats.org/officeDocument/2006/relationships" xmlns:p="http://schemas.openxmlformats.org/presentationml/2006/main">
   <p:cSld>
     <p:spTree>
@@ -22517,7 +22771,7 @@
 </p:sld>
 </file>
 
-<file path=ppt/slides/slide46.xml><?xml version="1.0" encoding="utf-8"?>
+<file path=ppt/slides/slide47.xml><?xml version="1.0" encoding="utf-8"?>
 <p:sld xmlns:a="http://schemas.openxmlformats.org/drawingml/2006/main" xmlns:r="http://schemas.openxmlformats.org/officeDocument/2006/relationships" xmlns:p="http://schemas.openxmlformats.org/presentationml/2006/main">
   <p:cSld>
     <p:spTree>
@@ -22608,7 +22862,7 @@
 </p:sld>
 </file>
 
-<file path=ppt/slides/slide47.xml><?xml version="1.0" encoding="utf-8"?>
+<file path=ppt/slides/slide48.xml><?xml version="1.0" encoding="utf-8"?>
 <p:sld xmlns:a="http://schemas.openxmlformats.org/drawingml/2006/main" xmlns:r="http://schemas.openxmlformats.org/officeDocument/2006/relationships" xmlns:p="http://schemas.openxmlformats.org/presentationml/2006/main">
   <p:cSld>
     <p:spTree>
@@ -22771,7 +23025,7 @@
 </p:sld>
 </file>
 
-<file path=ppt/slides/slide48.xml><?xml version="1.0" encoding="utf-8"?>
+<file path=ppt/slides/slide49.xml><?xml version="1.0" encoding="utf-8"?>
 <p:sld xmlns:a="http://schemas.openxmlformats.org/drawingml/2006/main" xmlns:r="http://schemas.openxmlformats.org/officeDocument/2006/relationships" xmlns:p="http://schemas.openxmlformats.org/presentationml/2006/main">
   <p:cSld>
     <p:spTree>
@@ -22901,186 +23155,6 @@
           <a:xfrm>
             <a:off x="2456765" y="3812175"/>
             <a:ext cx="3196605" cy="1331325"/>
-          </a:xfrm>
-          <a:prstGeom prst="rect">
-            <a:avLst/>
-          </a:prstGeom>
-          <a:ln>
-            <a:noFill/>
-          </a:ln>
-          <a:effectLst>
-            <a:outerShdw blurRad="292100" dist="139700" dir="2700000" algn="tl" rotWithShape="0">
-              <a:srgbClr val="333333">
-                <a:alpha val="65000"/>
-              </a:srgbClr>
-            </a:outerShdw>
-          </a:effectLst>
-          <a:extLst>
-            <a:ext uri="{909E8E84-426E-40DD-AFC4-6F175D3DCCD1}">
-              <a14:hiddenFill xmlns:a14="http://schemas.microsoft.com/office/drawing/2010/main">
-                <a:solidFill>
-                  <a:schemeClr val="accent1"/>
-                </a:solidFill>
-              </a14:hiddenFill>
-            </a:ext>
-            <a:ext uri="{91240B29-F687-4F45-9708-019B960494DF}">
-              <a14:hiddenLine xmlns:a14="http://schemas.microsoft.com/office/drawing/2010/main" w="9525">
-                <a:solidFill>
-                  <a:schemeClr val="tx1"/>
-                </a:solidFill>
-                <a:miter lim="800000"/>
-                <a:headEnd/>
-                <a:tailEnd/>
-              </a14:hiddenLine>
-            </a:ext>
-          </a:extLst>
-        </p:spPr>
-      </p:pic>
-    </p:spTree>
-  </p:cSld>
-  <p:clrMapOvr>
-    <a:masterClrMapping/>
-  </p:clrMapOvr>
-  <p:timing>
-    <p:tnLst>
-      <p:par>
-        <p:cTn id="1" dur="indefinite" restart="never" nodeType="tmRoot"/>
-      </p:par>
-    </p:tnLst>
-  </p:timing>
-</p:sld>
-</file>
-
-<file path=ppt/slides/slide49.xml><?xml version="1.0" encoding="utf-8"?>
-<p:sld xmlns:a="http://schemas.openxmlformats.org/drawingml/2006/main" xmlns:r="http://schemas.openxmlformats.org/officeDocument/2006/relationships" xmlns:p="http://schemas.openxmlformats.org/presentationml/2006/main">
-  <p:cSld>
-    <p:spTree>
-      <p:nvGrpSpPr>
-        <p:cNvPr id="1" name=""/>
-        <p:cNvGrpSpPr/>
-        <p:nvPr/>
-      </p:nvGrpSpPr>
-      <p:grpSpPr>
-        <a:xfrm>
-          <a:off x="0" y="0"/>
-          <a:ext cx="0" cy="0"/>
-          <a:chOff x="0" y="0"/>
-          <a:chExt cx="0" cy="0"/>
-        </a:xfrm>
-      </p:grpSpPr>
-      <p:sp>
-        <p:nvSpPr>
-          <p:cNvPr id="5" name="標題 4"/>
-          <p:cNvSpPr>
-            <a:spLocks noGrp="1"/>
-          </p:cNvSpPr>
-          <p:nvPr>
-            <p:ph type="title"/>
-          </p:nvPr>
-        </p:nvSpPr>
-        <p:spPr/>
-        <p:txBody>
-          <a:bodyPr/>
-          <a:lstStyle/>
-          <a:p>
-            <a:r>
-              <a:rPr lang="zh-TW" altLang="en-US" dirty="0"/>
-              <a:t>堆疊</a:t>
-            </a:r>
-          </a:p>
-        </p:txBody>
-      </p:sp>
-      <p:sp>
-        <p:nvSpPr>
-          <p:cNvPr id="2" name="內容版面配置區 1"/>
-          <p:cNvSpPr>
-            <a:spLocks noGrp="1"/>
-          </p:cNvSpPr>
-          <p:nvPr>
-            <p:ph idx="1"/>
-          </p:nvPr>
-        </p:nvSpPr>
-        <p:spPr/>
-        <p:txBody>
-          <a:bodyPr/>
-          <a:lstStyle/>
-          <a:p>
-            <a:r>
-              <a:rPr lang="zh-TW" altLang="en-US" dirty="0" smtClean="0"/>
-              <a:t>要將資料從堆疊取出的話，直接回傳陣列在</a:t>
-            </a:r>
-            <a:r>
-              <a:rPr lang="en-US" altLang="zh-TW" dirty="0" smtClean="0">
-                <a:solidFill>
-                  <a:srgbClr val="0070C0"/>
-                </a:solidFill>
-              </a:rPr>
-              <a:t>top</a:t>
-            </a:r>
-            <a:r>
-              <a:rPr lang="zh-TW" altLang="en-US" dirty="0" smtClean="0"/>
-              <a:t>註標存放的資料即可；同時要更改變數</a:t>
-            </a:r>
-            <a:r>
-              <a:rPr lang="en-US" altLang="zh-TW" dirty="0">
-                <a:solidFill>
-                  <a:srgbClr val="0070C0"/>
-                </a:solidFill>
-              </a:rPr>
-              <a:t>top</a:t>
-            </a:r>
-            <a:r>
-              <a:rPr lang="zh-TW" altLang="en-US" dirty="0" smtClean="0"/>
-              <a:t>的值，以表示堆疊內的元素減少。</a:t>
-            </a:r>
-            <a:endParaRPr lang="en-US" altLang="zh-TW" dirty="0" smtClean="0"/>
-          </a:p>
-          <a:p>
-            <a:r>
-              <a:rPr lang="zh-TW" altLang="en-US" dirty="0" smtClean="0"/>
-              <a:t>相關的函數</a:t>
-            </a:r>
-            <a:r>
-              <a:rPr lang="en-US" altLang="zh-TW" dirty="0" smtClean="0">
-                <a:solidFill>
-                  <a:srgbClr val="0070C0"/>
-                </a:solidFill>
-              </a:rPr>
-              <a:t>pop</a:t>
-            </a:r>
-            <a:r>
-              <a:rPr lang="zh-TW" altLang="en-US" dirty="0" smtClean="0"/>
-              <a:t>定義如下：</a:t>
-            </a:r>
-            <a:endParaRPr lang="zh-TW" altLang="en-US" dirty="0"/>
-          </a:p>
-        </p:txBody>
-      </p:sp>
-      <p:pic>
-        <p:nvPicPr>
-          <p:cNvPr id="19458" name="Picture 2"/>
-          <p:cNvPicPr>
-            <a:picLocks noChangeAspect="1" noChangeArrowheads="1"/>
-          </p:cNvPicPr>
-          <p:nvPr/>
-        </p:nvPicPr>
-        <p:blipFill>
-          <a:blip r:embed="rId2">
-            <a:extLst>
-              <a:ext uri="{28A0092B-C50C-407E-A947-70E740481C1C}">
-                <a14:useLocalDpi xmlns:a14="http://schemas.microsoft.com/office/drawing/2010/main" val="0"/>
-              </a:ext>
-            </a:extLst>
-          </a:blip>
-          <a:srcRect/>
-          <a:stretch>
-            <a:fillRect/>
-          </a:stretch>
-        </p:blipFill>
-        <p:spPr bwMode="auto">
-          <a:xfrm>
-            <a:off x="2636785" y="3831890"/>
-            <a:ext cx="2889160" cy="1204896"/>
           </a:xfrm>
           <a:prstGeom prst="rect">
             <a:avLst/>
@@ -23310,16 +23384,13 @@
         </p:nvSpPr>
         <p:spPr/>
         <p:txBody>
-          <a:bodyPr>
-            <a:normAutofit/>
-          </a:bodyPr>
+          <a:bodyPr/>
           <a:lstStyle/>
           <a:p>
             <a:r>
-              <a:rPr lang="zh-TW" altLang="en-US" dirty="0" smtClean="0"/>
-              <a:t>佇列</a:t>
-            </a:r>
-            <a:endParaRPr lang="zh-TW" altLang="en-US" dirty="0"/>
+              <a:rPr lang="zh-TW" altLang="en-US" dirty="0"/>
+              <a:t>堆疊</a:t>
+            </a:r>
           </a:p>
         </p:txBody>
       </p:sp>
@@ -23335,34 +23406,120 @@
         </p:nvSpPr>
         <p:spPr/>
         <p:txBody>
-          <a:bodyPr>
-            <a:normAutofit/>
-          </a:bodyPr>
+          <a:bodyPr/>
           <a:lstStyle/>
           <a:p>
             <a:r>
               <a:rPr lang="zh-TW" altLang="en-US" dirty="0" smtClean="0"/>
-              <a:t>佇列</a:t>
-            </a:r>
-            <a:r>
-              <a:rPr lang="en-US" altLang="zh-TW" dirty="0" smtClean="0"/>
-              <a:t>(queue)</a:t>
-            </a:r>
-            <a:r>
-              <a:rPr lang="zh-TW" altLang="en-US" dirty="0" smtClean="0"/>
-              <a:t>這種資料結構的操作方式和堆疊相反。</a:t>
+              <a:t>要將資料從堆疊取出的話，直接回傳陣列在</a:t>
+            </a:r>
+            <a:r>
+              <a:rPr lang="en-US" altLang="zh-TW" dirty="0" smtClean="0">
+                <a:solidFill>
+                  <a:srgbClr val="0070C0"/>
+                </a:solidFill>
+              </a:rPr>
+              <a:t>top</a:t>
+            </a:r>
+            <a:r>
+              <a:rPr lang="zh-TW" altLang="en-US" dirty="0" smtClean="0"/>
+              <a:t>註標存放的資料即可；同時要更改變數</a:t>
+            </a:r>
+            <a:r>
+              <a:rPr lang="en-US" altLang="zh-TW" dirty="0">
+                <a:solidFill>
+                  <a:srgbClr val="0070C0"/>
+                </a:solidFill>
+              </a:rPr>
+              <a:t>top</a:t>
+            </a:r>
+            <a:r>
+              <a:rPr lang="zh-TW" altLang="en-US" dirty="0" smtClean="0"/>
+              <a:t>的值，以表示堆疊內的元素減少。</a:t>
             </a:r>
             <a:endParaRPr lang="en-US" altLang="zh-TW" dirty="0" smtClean="0"/>
           </a:p>
           <a:p>
             <a:r>
               <a:rPr lang="zh-TW" altLang="en-US" dirty="0" smtClean="0"/>
-              <a:t>佇列的概念，是處理一序列資料的時候，採用「先進先出」、「後進後出」的順序。</a:t>
-            </a:r>
-            <a:endParaRPr lang="en-US" altLang="zh-TW" dirty="0" smtClean="0"/>
-          </a:p>
-        </p:txBody>
-      </p:sp>
+              <a:t>相關的函數</a:t>
+            </a:r>
+            <a:r>
+              <a:rPr lang="en-US" altLang="zh-TW" dirty="0" smtClean="0">
+                <a:solidFill>
+                  <a:srgbClr val="0070C0"/>
+                </a:solidFill>
+              </a:rPr>
+              <a:t>pop</a:t>
+            </a:r>
+            <a:r>
+              <a:rPr lang="zh-TW" altLang="en-US" dirty="0" smtClean="0"/>
+              <a:t>定義如下：</a:t>
+            </a:r>
+            <a:endParaRPr lang="zh-TW" altLang="en-US" dirty="0"/>
+          </a:p>
+        </p:txBody>
+      </p:sp>
+      <p:pic>
+        <p:nvPicPr>
+          <p:cNvPr id="19458" name="Picture 2"/>
+          <p:cNvPicPr>
+            <a:picLocks noChangeAspect="1" noChangeArrowheads="1"/>
+          </p:cNvPicPr>
+          <p:nvPr/>
+        </p:nvPicPr>
+        <p:blipFill>
+          <a:blip r:embed="rId2">
+            <a:extLst>
+              <a:ext uri="{28A0092B-C50C-407E-A947-70E740481C1C}">
+                <a14:useLocalDpi xmlns:a14="http://schemas.microsoft.com/office/drawing/2010/main" val="0"/>
+              </a:ext>
+            </a:extLst>
+          </a:blip>
+          <a:srcRect/>
+          <a:stretch>
+            <a:fillRect/>
+          </a:stretch>
+        </p:blipFill>
+        <p:spPr bwMode="auto">
+          <a:xfrm>
+            <a:off x="2636785" y="3831890"/>
+            <a:ext cx="2889160" cy="1204896"/>
+          </a:xfrm>
+          <a:prstGeom prst="rect">
+            <a:avLst/>
+          </a:prstGeom>
+          <a:ln>
+            <a:noFill/>
+          </a:ln>
+          <a:effectLst>
+            <a:outerShdw blurRad="292100" dist="139700" dir="2700000" algn="tl" rotWithShape="0">
+              <a:srgbClr val="333333">
+                <a:alpha val="65000"/>
+              </a:srgbClr>
+            </a:outerShdw>
+          </a:effectLst>
+          <a:extLst>
+            <a:ext uri="{909E8E84-426E-40DD-AFC4-6F175D3DCCD1}">
+              <a14:hiddenFill xmlns:a14="http://schemas.microsoft.com/office/drawing/2010/main">
+                <a:solidFill>
+                  <a:schemeClr val="accent1"/>
+                </a:solidFill>
+              </a14:hiddenFill>
+            </a:ext>
+            <a:ext uri="{91240B29-F687-4F45-9708-019B960494DF}">
+              <a14:hiddenLine xmlns:a14="http://schemas.microsoft.com/office/drawing/2010/main" w="9525">
+                <a:solidFill>
+                  <a:schemeClr val="tx1"/>
+                </a:solidFill>
+                <a:miter lim="800000"/>
+                <a:headEnd/>
+                <a:tailEnd/>
+              </a14:hiddenLine>
+            </a:ext>
+          </a:extLst>
+        </p:spPr>
+      </p:pic>
     </p:spTree>
   </p:cSld>
   <p:clrMapOvr>
@@ -23397,6 +23554,103 @@
       </p:grpSpPr>
       <p:sp>
         <p:nvSpPr>
+          <p:cNvPr id="5" name="標題 4"/>
+          <p:cNvSpPr>
+            <a:spLocks noGrp="1"/>
+          </p:cNvSpPr>
+          <p:nvPr>
+            <p:ph type="title"/>
+          </p:nvPr>
+        </p:nvSpPr>
+        <p:spPr/>
+        <p:txBody>
+          <a:bodyPr>
+            <a:normAutofit/>
+          </a:bodyPr>
+          <a:lstStyle/>
+          <a:p>
+            <a:r>
+              <a:rPr lang="zh-TW" altLang="en-US" dirty="0" smtClean="0"/>
+              <a:t>佇列</a:t>
+            </a:r>
+            <a:endParaRPr lang="zh-TW" altLang="en-US" dirty="0"/>
+          </a:p>
+        </p:txBody>
+      </p:sp>
+      <p:sp>
+        <p:nvSpPr>
+          <p:cNvPr id="2" name="內容版面配置區 1"/>
+          <p:cNvSpPr>
+            <a:spLocks noGrp="1"/>
+          </p:cNvSpPr>
+          <p:nvPr>
+            <p:ph idx="1"/>
+          </p:nvPr>
+        </p:nvSpPr>
+        <p:spPr/>
+        <p:txBody>
+          <a:bodyPr>
+            <a:normAutofit/>
+          </a:bodyPr>
+          <a:lstStyle/>
+          <a:p>
+            <a:r>
+              <a:rPr lang="zh-TW" altLang="en-US" dirty="0" smtClean="0"/>
+              <a:t>佇列</a:t>
+            </a:r>
+            <a:r>
+              <a:rPr lang="en-US" altLang="zh-TW" dirty="0" smtClean="0"/>
+              <a:t>(queue)</a:t>
+            </a:r>
+            <a:r>
+              <a:rPr lang="zh-TW" altLang="en-US" dirty="0" smtClean="0"/>
+              <a:t>這種資料結構的操作方式和堆疊相反。</a:t>
+            </a:r>
+            <a:endParaRPr lang="en-US" altLang="zh-TW" dirty="0" smtClean="0"/>
+          </a:p>
+          <a:p>
+            <a:r>
+              <a:rPr lang="zh-TW" altLang="en-US" dirty="0" smtClean="0"/>
+              <a:t>佇列的概念，是處理一序列資料的時候，採用「先進先出」、「後進後出」的順序。</a:t>
+            </a:r>
+            <a:endParaRPr lang="en-US" altLang="zh-TW" dirty="0" smtClean="0"/>
+          </a:p>
+        </p:txBody>
+      </p:sp>
+    </p:spTree>
+  </p:cSld>
+  <p:clrMapOvr>
+    <a:masterClrMapping/>
+  </p:clrMapOvr>
+  <p:timing>
+    <p:tnLst>
+      <p:par>
+        <p:cTn id="1" dur="indefinite" restart="never" nodeType="tmRoot"/>
+      </p:par>
+    </p:tnLst>
+  </p:timing>
+</p:sld>
+</file>
+
+<file path=ppt/slides/slide52.xml><?xml version="1.0" encoding="utf-8"?>
+<p:sld xmlns:a="http://schemas.openxmlformats.org/drawingml/2006/main" xmlns:r="http://schemas.openxmlformats.org/officeDocument/2006/relationships" xmlns:p="http://schemas.openxmlformats.org/presentationml/2006/main">
+  <p:cSld>
+    <p:spTree>
+      <p:nvGrpSpPr>
+        <p:cNvPr id="1" name=""/>
+        <p:cNvGrpSpPr/>
+        <p:nvPr/>
+      </p:nvGrpSpPr>
+      <p:grpSpPr>
+        <a:xfrm>
+          <a:off x="0" y="0"/>
+          <a:ext cx="0" cy="0"/>
+          <a:chOff x="0" y="0"/>
+          <a:chExt cx="0" cy="0"/>
+        </a:xfrm>
+      </p:grpSpPr>
+      <p:sp>
+        <p:nvSpPr>
           <p:cNvPr id="2" name="標題 1"/>
           <p:cNvSpPr>
             <a:spLocks noGrp="1"/>
@@ -23494,7 +23748,7 @@
 </p:sld>
 </file>
 
-<file path=ppt/slides/slide52.xml><?xml version="1.0" encoding="utf-8"?>
+<file path=ppt/slides/slide53.xml><?xml version="1.0" encoding="utf-8"?>
 <p:sld xmlns:a="http://schemas.openxmlformats.org/drawingml/2006/main" xmlns:r="http://schemas.openxmlformats.org/officeDocument/2006/relationships" xmlns:p="http://schemas.openxmlformats.org/presentationml/2006/main">
   <p:cSld>
     <p:spTree>
@@ -23667,7 +23921,7 @@
 </p:sld>
 </file>
 
-<file path=ppt/slides/slide53.xml><?xml version="1.0" encoding="utf-8"?>
+<file path=ppt/slides/slide54.xml><?xml version="1.0" encoding="utf-8"?>
 <p:sld xmlns:a="http://schemas.openxmlformats.org/drawingml/2006/main" xmlns:r="http://schemas.openxmlformats.org/officeDocument/2006/relationships" xmlns:p="http://schemas.openxmlformats.org/presentationml/2006/main">
   <p:cSld>
     <p:spTree>
@@ -23738,11 +23992,7 @@
           <a:p>
             <a:r>
               <a:rPr lang="zh-TW" altLang="en-US" dirty="0" smtClean="0"/>
-              <a:t>假設</a:t>
-            </a:r>
-            <a:r>
-              <a:rPr lang="zh-TW" altLang="en-US" dirty="0" smtClean="0"/>
-              <a:t>預先</a:t>
+              <a:t>假設預先</a:t>
             </a:r>
             <a:r>
               <a:rPr lang="zh-TW" altLang="en-US" dirty="0"/>
@@ -23864,7 +24114,7 @@
 </p:sld>
 </file>
 
-<file path=ppt/slides/slide54.xml><?xml version="1.0" encoding="utf-8"?>
+<file path=ppt/slides/slide55.xml><?xml version="1.0" encoding="utf-8"?>
 <p:sld xmlns:a="http://schemas.openxmlformats.org/drawingml/2006/main" xmlns:r="http://schemas.openxmlformats.org/officeDocument/2006/relationships" xmlns:p="http://schemas.openxmlformats.org/presentationml/2006/main">
   <p:cSld>
     <p:spTree>
@@ -23942,7 +24192,7 @@
 </p:sld>
 </file>
 
-<file path=ppt/slides/slide55.xml><?xml version="1.0" encoding="utf-8"?>
+<file path=ppt/slides/slide56.xml><?xml version="1.0" encoding="utf-8"?>
 <p:sld xmlns:a="http://schemas.openxmlformats.org/drawingml/2006/main" xmlns:r="http://schemas.openxmlformats.org/officeDocument/2006/relationships" xmlns:p="http://schemas.openxmlformats.org/presentationml/2006/main">
   <p:cSld>
     <p:spTree>
@@ -24122,7 +24372,7 @@
 </p:sld>
 </file>
 
-<file path=ppt/slides/slide56.xml><?xml version="1.0" encoding="utf-8"?>
+<file path=ppt/slides/slide57.xml><?xml version="1.0" encoding="utf-8"?>
 <p:sld xmlns:a="http://schemas.openxmlformats.org/drawingml/2006/main" xmlns:r="http://schemas.openxmlformats.org/officeDocument/2006/relationships" xmlns:p="http://schemas.openxmlformats.org/presentationml/2006/main">
   <p:cSld>
     <p:spTree>
@@ -24283,7 +24533,7 @@
 </p:sld>
 </file>
 
-<file path=ppt/slides/slide57.xml><?xml version="1.0" encoding="utf-8"?>
+<file path=ppt/slides/slide58.xml><?xml version="1.0" encoding="utf-8"?>
 <p:sld xmlns:a="http://schemas.openxmlformats.org/drawingml/2006/main" xmlns:r="http://schemas.openxmlformats.org/officeDocument/2006/relationships" xmlns:p="http://schemas.openxmlformats.org/presentationml/2006/main">
   <p:cSld>
     <p:spTree>
@@ -24444,116 +24694,6 @@
 </p:sld>
 </file>
 
-<file path=ppt/slides/slide58.xml><?xml version="1.0" encoding="utf-8"?>
-<p:sld xmlns:a="http://schemas.openxmlformats.org/drawingml/2006/main" xmlns:r="http://schemas.openxmlformats.org/officeDocument/2006/relationships" xmlns:p="http://schemas.openxmlformats.org/presentationml/2006/main">
-  <p:cSld>
-    <p:spTree>
-      <p:nvGrpSpPr>
-        <p:cNvPr id="1" name=""/>
-        <p:cNvGrpSpPr/>
-        <p:nvPr/>
-      </p:nvGrpSpPr>
-      <p:grpSpPr>
-        <a:xfrm>
-          <a:off x="0" y="0"/>
-          <a:ext cx="0" cy="0"/>
-          <a:chOff x="0" y="0"/>
-          <a:chExt cx="0" cy="0"/>
-        </a:xfrm>
-      </p:grpSpPr>
-      <p:sp>
-        <p:nvSpPr>
-          <p:cNvPr id="5" name="標題 4"/>
-          <p:cNvSpPr>
-            <a:spLocks noGrp="1"/>
-          </p:cNvSpPr>
-          <p:nvPr>
-            <p:ph type="title"/>
-          </p:nvPr>
-        </p:nvSpPr>
-        <p:spPr/>
-        <p:txBody>
-          <a:bodyPr>
-            <a:normAutofit/>
-          </a:bodyPr>
-          <a:lstStyle/>
-          <a:p>
-            <a:r>
-              <a:rPr lang="zh-TW" altLang="en-US" dirty="0"/>
-              <a:t>環狀</a:t>
-            </a:r>
-            <a:r>
-              <a:rPr lang="zh-TW" altLang="en-US" dirty="0" smtClean="0"/>
-              <a:t>佇列</a:t>
-            </a:r>
-            <a:endParaRPr lang="zh-TW" altLang="en-US" dirty="0"/>
-          </a:p>
-        </p:txBody>
-      </p:sp>
-      <p:sp>
-        <p:nvSpPr>
-          <p:cNvPr id="2" name="內容版面配置區 1"/>
-          <p:cNvSpPr>
-            <a:spLocks noGrp="1"/>
-          </p:cNvSpPr>
-          <p:nvPr>
-            <p:ph idx="1"/>
-          </p:nvPr>
-        </p:nvSpPr>
-        <p:spPr/>
-        <p:txBody>
-          <a:bodyPr>
-            <a:normAutofit/>
-          </a:bodyPr>
-          <a:lstStyle/>
-          <a:p>
-            <a:r>
-              <a:rPr lang="zh-TW" altLang="en-US" dirty="0" smtClean="0"/>
-              <a:t>觀察佇列的相關程序，可以看到</a:t>
-            </a:r>
-            <a:r>
-              <a:rPr lang="en-US" altLang="zh-TW" dirty="0" smtClean="0">
-                <a:solidFill>
-                  <a:srgbClr val="0070C0"/>
-                </a:solidFill>
-              </a:rPr>
-              <a:t>front</a:t>
-            </a:r>
-            <a:r>
-              <a:rPr lang="zh-TW" altLang="en-US" dirty="0" smtClean="0"/>
-              <a:t>和</a:t>
-            </a:r>
-            <a:r>
-              <a:rPr lang="en-US" altLang="zh-TW" dirty="0" smtClean="0">
-                <a:solidFill>
-                  <a:srgbClr val="0070C0"/>
-                </a:solidFill>
-              </a:rPr>
-              <a:t>rear</a:t>
-            </a:r>
-            <a:r>
-              <a:rPr lang="zh-TW" altLang="en-US" dirty="0" smtClean="0"/>
-              <a:t>對應的註標會一直增加。</a:t>
-            </a:r>
-            <a:endParaRPr lang="en-US" altLang="zh-TW" dirty="0" smtClean="0"/>
-          </a:p>
-        </p:txBody>
-      </p:sp>
-    </p:spTree>
-  </p:cSld>
-  <p:clrMapOvr>
-    <a:masterClrMapping/>
-  </p:clrMapOvr>
-  <p:timing>
-    <p:tnLst>
-      <p:par>
-        <p:cTn id="1" dur="indefinite" restart="never" nodeType="tmRoot"/>
-      </p:par>
-    </p:tnLst>
-  </p:timing>
-</p:sld>
-</file>
-
 <file path=ppt/slides/slide59.xml><?xml version="1.0" encoding="utf-8"?>
 <p:sld xmlns:a="http://schemas.openxmlformats.org/drawingml/2006/main" xmlns:r="http://schemas.openxmlformats.org/officeDocument/2006/relationships" xmlns:p="http://schemas.openxmlformats.org/presentationml/2006/main">
   <p:cSld>
@@ -24573,7 +24713,7 @@
       </p:grpSpPr>
       <p:sp>
         <p:nvSpPr>
-          <p:cNvPr id="2" name="標題 1"/>
+          <p:cNvPr id="5" name="標題 4"/>
           <p:cNvSpPr>
             <a:spLocks noGrp="1"/>
           </p:cNvSpPr>
@@ -24583,19 +24723,26 @@
         </p:nvSpPr>
         <p:spPr/>
         <p:txBody>
-          <a:bodyPr/>
+          <a:bodyPr>
+            <a:normAutofit/>
+          </a:bodyPr>
           <a:lstStyle/>
           <a:p>
             <a:r>
               <a:rPr lang="zh-TW" altLang="en-US" dirty="0"/>
-              <a:t>環狀佇列</a:t>
-            </a:r>
-          </a:p>
-        </p:txBody>
-      </p:sp>
-      <p:sp>
-        <p:nvSpPr>
-          <p:cNvPr id="3" name="內容版面配置區 2"/>
+              <a:t>環狀</a:t>
+            </a:r>
+            <a:r>
+              <a:rPr lang="zh-TW" altLang="en-US" dirty="0" smtClean="0"/>
+              <a:t>佇列</a:t>
+            </a:r>
+            <a:endParaRPr lang="zh-TW" altLang="en-US" dirty="0"/>
+          </a:p>
+        </p:txBody>
+      </p:sp>
+      <p:sp>
+        <p:nvSpPr>
+          <p:cNvPr id="2" name="內容版面配置區 1"/>
           <p:cNvSpPr>
             <a:spLocks noGrp="1"/>
           </p:cNvSpPr>
@@ -24606,70 +24753,43 @@
         <p:spPr/>
         <p:txBody>
           <a:bodyPr>
-            <a:normAutofit lnSpcReduction="10000"/>
+            <a:normAutofit/>
           </a:bodyPr>
           <a:lstStyle/>
           <a:p>
             <a:r>
-              <a:rPr lang="zh-TW" altLang="en-US" dirty="0"/>
-              <a:t>在前例中宣告的陣列大小為</a:t>
-            </a:r>
-            <a:r>
-              <a:rPr lang="en-US" altLang="zh-TW" dirty="0"/>
-              <a:t>10</a:t>
-            </a:r>
-            <a:r>
-              <a:rPr lang="zh-TW" altLang="en-US" dirty="0"/>
-              <a:t>，所以在加入</a:t>
-            </a:r>
-            <a:r>
-              <a:rPr lang="en-US" altLang="zh-TW" dirty="0"/>
-              <a:t>10</a:t>
-            </a:r>
-            <a:r>
-              <a:rPr lang="zh-TW" altLang="en-US" dirty="0"/>
-              <a:t>個數字後，儘管已經又拿出</a:t>
-            </a:r>
-            <a:r>
-              <a:rPr lang="en-US" altLang="zh-TW" dirty="0"/>
-              <a:t>5</a:t>
-            </a:r>
-            <a:r>
-              <a:rPr lang="zh-TW" altLang="en-US" dirty="0"/>
-              <a:t>個數字，也就是陣列裡還有</a:t>
-            </a:r>
-            <a:r>
-              <a:rPr lang="en-US" altLang="zh-TW" dirty="0"/>
-              <a:t>5</a:t>
-            </a:r>
-            <a:r>
-              <a:rPr lang="zh-TW" altLang="en-US" dirty="0"/>
-              <a:t>個空間，還是無法再加入任何數字，因為已經超過了陣列合理註標的上限。所以，為了有效的利用空間，</a:t>
-            </a:r>
-            <a:r>
-              <a:rPr lang="zh-TW" altLang="en-US" dirty="0">
+              <a:rPr lang="zh-TW" altLang="en-US" dirty="0" smtClean="0"/>
+              <a:t>觀察佇列的相關程序，可以看到</a:t>
+            </a:r>
+            <a:r>
+              <a:rPr lang="en-US" altLang="zh-TW" dirty="0" smtClean="0">
                 <a:solidFill>
-                  <a:srgbClr val="C00000"/>
+                  <a:srgbClr val="0070C0"/>
                 </a:solidFill>
               </a:rPr>
-              <a:t>環狀佇列</a:t>
-            </a:r>
-            <a:r>
-              <a:rPr lang="zh-TW" altLang="en-US" dirty="0"/>
-              <a:t>的資料結構被提了出來。</a:t>
-            </a:r>
-          </a:p>
-          <a:p>
-            <a:endParaRPr lang="zh-TW" altLang="en-US" dirty="0"/>
+              <a:t>front</a:t>
+            </a:r>
+            <a:r>
+              <a:rPr lang="zh-TW" altLang="en-US" dirty="0" smtClean="0"/>
+              <a:t>和</a:t>
+            </a:r>
+            <a:r>
+              <a:rPr lang="en-US" altLang="zh-TW" dirty="0" smtClean="0">
+                <a:solidFill>
+                  <a:srgbClr val="0070C0"/>
+                </a:solidFill>
+              </a:rPr>
+              <a:t>rear</a:t>
+            </a:r>
+            <a:r>
+              <a:rPr lang="zh-TW" altLang="en-US" dirty="0" smtClean="0"/>
+              <a:t>對應的註標會一直增加。</a:t>
+            </a:r>
+            <a:endParaRPr lang="en-US" altLang="zh-TW" dirty="0" smtClean="0"/>
           </a:p>
         </p:txBody>
       </p:sp>
     </p:spTree>
-    <p:extLst>
-      <p:ext uri="{BB962C8B-B14F-4D97-AF65-F5344CB8AC3E}">
-        <p14:creationId xmlns:p14="http://schemas.microsoft.com/office/powerpoint/2010/main" val="2122311520"/>
-      </p:ext>
-    </p:extLst>
   </p:cSld>
   <p:clrMapOvr>
     <a:masterClrMapping/>
@@ -24771,6 +24891,136 @@
 </file>
 
 <file path=ppt/slides/slide60.xml><?xml version="1.0" encoding="utf-8"?>
+<p:sld xmlns:a="http://schemas.openxmlformats.org/drawingml/2006/main" xmlns:r="http://schemas.openxmlformats.org/officeDocument/2006/relationships" xmlns:p="http://schemas.openxmlformats.org/presentationml/2006/main">
+  <p:cSld>
+    <p:spTree>
+      <p:nvGrpSpPr>
+        <p:cNvPr id="1" name=""/>
+        <p:cNvGrpSpPr/>
+        <p:nvPr/>
+      </p:nvGrpSpPr>
+      <p:grpSpPr>
+        <a:xfrm>
+          <a:off x="0" y="0"/>
+          <a:ext cx="0" cy="0"/>
+          <a:chOff x="0" y="0"/>
+          <a:chExt cx="0" cy="0"/>
+        </a:xfrm>
+      </p:grpSpPr>
+      <p:sp>
+        <p:nvSpPr>
+          <p:cNvPr id="2" name="標題 1"/>
+          <p:cNvSpPr>
+            <a:spLocks noGrp="1"/>
+          </p:cNvSpPr>
+          <p:nvPr>
+            <p:ph type="title"/>
+          </p:nvPr>
+        </p:nvSpPr>
+        <p:spPr/>
+        <p:txBody>
+          <a:bodyPr/>
+          <a:lstStyle/>
+          <a:p>
+            <a:r>
+              <a:rPr lang="zh-TW" altLang="en-US" dirty="0"/>
+              <a:t>環狀佇列</a:t>
+            </a:r>
+          </a:p>
+        </p:txBody>
+      </p:sp>
+      <p:sp>
+        <p:nvSpPr>
+          <p:cNvPr id="3" name="內容版面配置區 2"/>
+          <p:cNvSpPr>
+            <a:spLocks noGrp="1"/>
+          </p:cNvSpPr>
+          <p:nvPr>
+            <p:ph idx="1"/>
+          </p:nvPr>
+        </p:nvSpPr>
+        <p:spPr/>
+        <p:txBody>
+          <a:bodyPr>
+            <a:normAutofit lnSpcReduction="10000"/>
+          </a:bodyPr>
+          <a:lstStyle/>
+          <a:p>
+            <a:r>
+              <a:rPr lang="zh-TW" altLang="en-US" dirty="0"/>
+              <a:t>在前例中宣告的陣列大小為</a:t>
+            </a:r>
+            <a:r>
+              <a:rPr lang="en-US" altLang="zh-TW" dirty="0"/>
+              <a:t>10</a:t>
+            </a:r>
+            <a:r>
+              <a:rPr lang="zh-TW" altLang="en-US" dirty="0"/>
+              <a:t>，所以在加入</a:t>
+            </a:r>
+            <a:r>
+              <a:rPr lang="en-US" altLang="zh-TW" dirty="0"/>
+              <a:t>10</a:t>
+            </a:r>
+            <a:r>
+              <a:rPr lang="zh-TW" altLang="en-US" dirty="0"/>
+              <a:t>個數字後，儘管已經又拿出</a:t>
+            </a:r>
+            <a:r>
+              <a:rPr lang="en-US" altLang="zh-TW" dirty="0"/>
+              <a:t>5</a:t>
+            </a:r>
+            <a:r>
+              <a:rPr lang="zh-TW" altLang="en-US" dirty="0"/>
+              <a:t>個數字，也就是陣列裡還有</a:t>
+            </a:r>
+            <a:r>
+              <a:rPr lang="en-US" altLang="zh-TW" dirty="0"/>
+              <a:t>5</a:t>
+            </a:r>
+            <a:r>
+              <a:rPr lang="zh-TW" altLang="en-US" dirty="0"/>
+              <a:t>個空間，還是無法再加入任何數字，因為已經超過了陣列合理註標的上限。所以，為了有效的利用空間，</a:t>
+            </a:r>
+            <a:r>
+              <a:rPr lang="zh-TW" altLang="en-US" dirty="0">
+                <a:solidFill>
+                  <a:srgbClr val="C00000"/>
+                </a:solidFill>
+              </a:rPr>
+              <a:t>環狀佇列</a:t>
+            </a:r>
+            <a:r>
+              <a:rPr lang="zh-TW" altLang="en-US" dirty="0"/>
+              <a:t>的資料結構被提了出來。</a:t>
+            </a:r>
+          </a:p>
+          <a:p>
+            <a:endParaRPr lang="zh-TW" altLang="en-US" dirty="0"/>
+          </a:p>
+        </p:txBody>
+      </p:sp>
+    </p:spTree>
+    <p:extLst>
+      <p:ext uri="{BB962C8B-B14F-4D97-AF65-F5344CB8AC3E}">
+        <p14:creationId xmlns:p14="http://schemas.microsoft.com/office/powerpoint/2010/main" val="2122311520"/>
+      </p:ext>
+    </p:extLst>
+  </p:cSld>
+  <p:clrMapOvr>
+    <a:masterClrMapping/>
+  </p:clrMapOvr>
+  <p:timing>
+    <p:tnLst>
+      <p:par>
+        <p:cTn id="1" dur="indefinite" restart="never" nodeType="tmRoot"/>
+      </p:par>
+    </p:tnLst>
+  </p:timing>
+</p:sld>
+</file>
+
+<file path=ppt/slides/slide61.xml><?xml version="1.0" encoding="utf-8"?>
 <p:sld xmlns:a="http://schemas.openxmlformats.org/drawingml/2006/main" xmlns:r="http://schemas.openxmlformats.org/officeDocument/2006/relationships" xmlns:p="http://schemas.openxmlformats.org/presentationml/2006/main">
   <p:cSld>
     <p:spTree>
@@ -24964,7 +25214,7 @@
 </p:sld>
 </file>
 
-<file path=ppt/slides/slide61.xml><?xml version="1.0" encoding="utf-8"?>
+<file path=ppt/slides/slide62.xml><?xml version="1.0" encoding="utf-8"?>
 <p:sld xmlns:a="http://schemas.openxmlformats.org/drawingml/2006/main" xmlns:r="http://schemas.openxmlformats.org/officeDocument/2006/relationships" xmlns:p="http://schemas.openxmlformats.org/presentationml/2006/main">
   <p:cSld>
     <p:spTree>
@@ -25054,7 +25304,7 @@
 </p:sld>
 </file>
 
-<file path=ppt/slides/slide62.xml><?xml version="1.0" encoding="utf-8"?>
+<file path=ppt/slides/slide63.xml><?xml version="1.0" encoding="utf-8"?>
 <p:sld xmlns:a="http://schemas.openxmlformats.org/drawingml/2006/main" xmlns:r="http://schemas.openxmlformats.org/officeDocument/2006/relationships" xmlns:p="http://schemas.openxmlformats.org/presentationml/2006/main">
   <p:cSld>
     <p:spTree>
@@ -25210,7 +25460,7 @@
 </p:sld>
 </file>
 
-<file path=ppt/slides/slide63.xml><?xml version="1.0" encoding="utf-8"?>
+<file path=ppt/slides/slide64.xml><?xml version="1.0" encoding="utf-8"?>
 <p:sld xmlns:a="http://schemas.openxmlformats.org/drawingml/2006/main" xmlns:r="http://schemas.openxmlformats.org/officeDocument/2006/relationships" xmlns:p="http://schemas.openxmlformats.org/presentationml/2006/main">
   <p:cSld>
     <p:spTree>
@@ -25443,7 +25693,7 @@
 </p:sld>
 </file>
 
-<file path=ppt/slides/slide64.xml><?xml version="1.0" encoding="utf-8"?>
+<file path=ppt/slides/slide65.xml><?xml version="1.0" encoding="utf-8"?>
 <p:sld xmlns:a="http://schemas.openxmlformats.org/drawingml/2006/main" xmlns:r="http://schemas.openxmlformats.org/officeDocument/2006/relationships" xmlns:p="http://schemas.openxmlformats.org/presentationml/2006/main">
   <p:cSld>
     <p:spTree>
@@ -25568,7 +25818,7 @@
 </p:sld>
 </file>
 
-<file path=ppt/slides/slide65.xml><?xml version="1.0" encoding="utf-8"?>
+<file path=ppt/slides/slide66.xml><?xml version="1.0" encoding="utf-8"?>
 <p:sld xmlns:a="http://schemas.openxmlformats.org/drawingml/2006/main" xmlns:r="http://schemas.openxmlformats.org/officeDocument/2006/relationships" xmlns:p="http://schemas.openxmlformats.org/presentationml/2006/main">
   <p:cSld>
     <p:spTree>
@@ -25765,7 +26015,7 @@
 </p:sld>
 </file>
 
-<file path=ppt/slides/slide66.xml><?xml version="1.0" encoding="utf-8"?>
+<file path=ppt/slides/slide67.xml><?xml version="1.0" encoding="utf-8"?>
 <p:sld xmlns:a="http://schemas.openxmlformats.org/drawingml/2006/main" xmlns:r="http://schemas.openxmlformats.org/officeDocument/2006/relationships" xmlns:p="http://schemas.openxmlformats.org/presentationml/2006/main">
   <p:cSld>
     <p:spTree>
@@ -25993,7 +26243,7 @@
 </p:sld>
 </file>
 
-<file path=ppt/slides/slide67.xml><?xml version="1.0" encoding="utf-8"?>
+<file path=ppt/slides/slide68.xml><?xml version="1.0" encoding="utf-8"?>
 <p:sld xmlns:a="http://schemas.openxmlformats.org/drawingml/2006/main" xmlns:r="http://schemas.openxmlformats.org/officeDocument/2006/relationships" xmlns:p="http://schemas.openxmlformats.org/presentationml/2006/main">
   <p:cSld>
     <p:spTree>
@@ -26179,7 +26429,7 @@
 </p:sld>
 </file>
 
-<file path=ppt/slides/slide68.xml><?xml version="1.0" encoding="utf-8"?>
+<file path=ppt/slides/slide69.xml><?xml version="1.0" encoding="utf-8"?>
 <p:sld xmlns:a="http://schemas.openxmlformats.org/drawingml/2006/main" xmlns:r="http://schemas.openxmlformats.org/officeDocument/2006/relationships" xmlns:p="http://schemas.openxmlformats.org/presentationml/2006/main">
   <p:cSld>
     <p:spTree>
@@ -26454,160 +26704,6 @@
         <p14:creationId xmlns:p14="http://schemas.microsoft.com/office/powerpoint/2010/main" val="542233083"/>
       </p:ext>
     </p:extLst>
-  </p:cSld>
-  <p:clrMapOvr>
-    <a:masterClrMapping/>
-  </p:clrMapOvr>
-  <p:timing>
-    <p:tnLst>
-      <p:par>
-        <p:cTn id="1" dur="indefinite" restart="never" nodeType="tmRoot"/>
-      </p:par>
-    </p:tnLst>
-  </p:timing>
-</p:sld>
-</file>
-
-<file path=ppt/slides/slide69.xml><?xml version="1.0" encoding="utf-8"?>
-<p:sld xmlns:a="http://schemas.openxmlformats.org/drawingml/2006/main" xmlns:r="http://schemas.openxmlformats.org/officeDocument/2006/relationships" xmlns:p="http://schemas.openxmlformats.org/presentationml/2006/main">
-  <p:cSld>
-    <p:spTree>
-      <p:nvGrpSpPr>
-        <p:cNvPr id="1" name=""/>
-        <p:cNvGrpSpPr/>
-        <p:nvPr/>
-      </p:nvGrpSpPr>
-      <p:grpSpPr>
-        <a:xfrm>
-          <a:off x="0" y="0"/>
-          <a:ext cx="0" cy="0"/>
-          <a:chOff x="0" y="0"/>
-          <a:chExt cx="0" cy="0"/>
-        </a:xfrm>
-      </p:grpSpPr>
-      <p:sp>
-        <p:nvSpPr>
-          <p:cNvPr id="5" name="標題 4"/>
-          <p:cNvSpPr>
-            <a:spLocks noGrp="1"/>
-          </p:cNvSpPr>
-          <p:nvPr>
-            <p:ph type="title"/>
-          </p:nvPr>
-        </p:nvSpPr>
-        <p:spPr/>
-        <p:txBody>
-          <a:bodyPr/>
-          <a:lstStyle/>
-          <a:p>
-            <a:r>
-              <a:rPr lang="zh-TW" altLang="en-US" dirty="0"/>
-              <a:t>環狀佇列</a:t>
-            </a:r>
-          </a:p>
-        </p:txBody>
-      </p:sp>
-      <p:sp>
-        <p:nvSpPr>
-          <p:cNvPr id="2" name="內容版面配置區 1"/>
-          <p:cNvSpPr>
-            <a:spLocks noGrp="1"/>
-          </p:cNvSpPr>
-          <p:nvPr>
-            <p:ph idx="1"/>
-          </p:nvPr>
-        </p:nvSpPr>
-        <p:spPr/>
-        <p:txBody>
-          <a:bodyPr>
-            <a:normAutofit fontScale="92500" lnSpcReduction="10000"/>
-          </a:bodyPr>
-          <a:lstStyle/>
-          <a:p>
-            <a:r>
-              <a:rPr lang="zh-TW" altLang="en-US" dirty="0" smtClean="0"/>
-              <a:t>若是真的將</a:t>
-            </a:r>
-            <a:r>
-              <a:rPr lang="en-US" altLang="zh-TW" dirty="0" smtClean="0"/>
-              <a:t>N6</a:t>
-            </a:r>
-            <a:r>
-              <a:rPr lang="zh-TW" altLang="en-US" dirty="0" smtClean="0"/>
-              <a:t>加入</a:t>
-            </a:r>
-            <a:r>
-              <a:rPr lang="en-US" altLang="zh-TW" dirty="0" smtClean="0"/>
-              <a:t>Q[0]</a:t>
-            </a:r>
-            <a:r>
-              <a:rPr lang="zh-TW" altLang="en-US" dirty="0" smtClean="0"/>
-              <a:t>的話，等到之後要去此環狀佇列取資料時，由於</a:t>
-            </a:r>
-            <a:r>
-              <a:rPr lang="en-US" altLang="zh-TW" dirty="0" smtClean="0">
-                <a:solidFill>
-                  <a:srgbClr val="0070C0"/>
-                </a:solidFill>
-              </a:rPr>
-              <a:t>front</a:t>
-            </a:r>
-            <a:r>
-              <a:rPr lang="zh-TW" altLang="en-US" dirty="0" smtClean="0"/>
-              <a:t>和</a:t>
-            </a:r>
-            <a:r>
-              <a:rPr lang="en-US" altLang="zh-TW" dirty="0" smtClean="0">
-                <a:solidFill>
-                  <a:srgbClr val="0070C0"/>
-                </a:solidFill>
-              </a:rPr>
-              <a:t>rear</a:t>
-            </a:r>
-            <a:r>
-              <a:rPr lang="zh-TW" altLang="en-US" dirty="0" smtClean="0"/>
-              <a:t>的值此時皆為</a:t>
-            </a:r>
-            <a:r>
-              <a:rPr lang="en-US" altLang="zh-TW" dirty="0" smtClean="0">
-                <a:solidFill>
-                  <a:srgbClr val="0070C0"/>
-                </a:solidFill>
-              </a:rPr>
-              <a:t>0</a:t>
-            </a:r>
-            <a:r>
-              <a:rPr lang="zh-TW" altLang="en-US" dirty="0" smtClean="0"/>
-              <a:t>，根據之前的判斷式，會判斷此佇列為空佇列，也就是儘管佇列是滿的，卻會被誤判成空的。</a:t>
-            </a:r>
-            <a:endParaRPr lang="en-US" altLang="zh-TW" dirty="0" smtClean="0"/>
-          </a:p>
-          <a:p>
-            <a:r>
-              <a:rPr lang="zh-TW" altLang="en-US" dirty="0" smtClean="0"/>
-              <a:t>所以，環狀佇列一個很重要的性質是，當宣告環狀佇列裡有</a:t>
-            </a:r>
-            <a:r>
-              <a:rPr lang="en-US" altLang="zh-TW" dirty="0" smtClean="0"/>
-              <a:t>6</a:t>
-            </a:r>
-            <a:r>
-              <a:rPr lang="zh-TW" altLang="en-US" dirty="0" smtClean="0"/>
-              <a:t>個空間時，最多只能表示</a:t>
-            </a:r>
-            <a:r>
-              <a:rPr lang="en-US" altLang="zh-TW" dirty="0" smtClean="0"/>
-              <a:t>5</a:t>
-            </a:r>
-            <a:r>
-              <a:rPr lang="zh-TW" altLang="en-US" dirty="0" smtClean="0"/>
-              <a:t>個元素。</a:t>
-            </a:r>
-            <a:endParaRPr lang="zh-TW" altLang="en-US" dirty="0"/>
-          </a:p>
-        </p:txBody>
-      </p:sp>
-    </p:spTree>
   </p:cSld>
   <p:clrMapOvr>
     <a:masterClrMapping/>
@@ -26841,6 +26937,160 @@
       </p:grpSpPr>
       <p:sp>
         <p:nvSpPr>
+          <p:cNvPr id="5" name="標題 4"/>
+          <p:cNvSpPr>
+            <a:spLocks noGrp="1"/>
+          </p:cNvSpPr>
+          <p:nvPr>
+            <p:ph type="title"/>
+          </p:nvPr>
+        </p:nvSpPr>
+        <p:spPr/>
+        <p:txBody>
+          <a:bodyPr/>
+          <a:lstStyle/>
+          <a:p>
+            <a:r>
+              <a:rPr lang="zh-TW" altLang="en-US" dirty="0"/>
+              <a:t>環狀佇列</a:t>
+            </a:r>
+          </a:p>
+        </p:txBody>
+      </p:sp>
+      <p:sp>
+        <p:nvSpPr>
+          <p:cNvPr id="2" name="內容版面配置區 1"/>
+          <p:cNvSpPr>
+            <a:spLocks noGrp="1"/>
+          </p:cNvSpPr>
+          <p:nvPr>
+            <p:ph idx="1"/>
+          </p:nvPr>
+        </p:nvSpPr>
+        <p:spPr/>
+        <p:txBody>
+          <a:bodyPr>
+            <a:normAutofit fontScale="92500" lnSpcReduction="10000"/>
+          </a:bodyPr>
+          <a:lstStyle/>
+          <a:p>
+            <a:r>
+              <a:rPr lang="zh-TW" altLang="en-US" dirty="0" smtClean="0"/>
+              <a:t>若是真的將</a:t>
+            </a:r>
+            <a:r>
+              <a:rPr lang="en-US" altLang="zh-TW" dirty="0" smtClean="0"/>
+              <a:t>N6</a:t>
+            </a:r>
+            <a:r>
+              <a:rPr lang="zh-TW" altLang="en-US" dirty="0" smtClean="0"/>
+              <a:t>加入</a:t>
+            </a:r>
+            <a:r>
+              <a:rPr lang="en-US" altLang="zh-TW" dirty="0" smtClean="0"/>
+              <a:t>Q[0]</a:t>
+            </a:r>
+            <a:r>
+              <a:rPr lang="zh-TW" altLang="en-US" dirty="0" smtClean="0"/>
+              <a:t>的話，等到之後要去此環狀佇列取資料時，由於</a:t>
+            </a:r>
+            <a:r>
+              <a:rPr lang="en-US" altLang="zh-TW" dirty="0" smtClean="0">
+                <a:solidFill>
+                  <a:srgbClr val="0070C0"/>
+                </a:solidFill>
+              </a:rPr>
+              <a:t>front</a:t>
+            </a:r>
+            <a:r>
+              <a:rPr lang="zh-TW" altLang="en-US" dirty="0" smtClean="0"/>
+              <a:t>和</a:t>
+            </a:r>
+            <a:r>
+              <a:rPr lang="en-US" altLang="zh-TW" dirty="0" smtClean="0">
+                <a:solidFill>
+                  <a:srgbClr val="0070C0"/>
+                </a:solidFill>
+              </a:rPr>
+              <a:t>rear</a:t>
+            </a:r>
+            <a:r>
+              <a:rPr lang="zh-TW" altLang="en-US" dirty="0" smtClean="0"/>
+              <a:t>的值此時皆為</a:t>
+            </a:r>
+            <a:r>
+              <a:rPr lang="en-US" altLang="zh-TW" dirty="0" smtClean="0">
+                <a:solidFill>
+                  <a:srgbClr val="0070C0"/>
+                </a:solidFill>
+              </a:rPr>
+              <a:t>0</a:t>
+            </a:r>
+            <a:r>
+              <a:rPr lang="zh-TW" altLang="en-US" dirty="0" smtClean="0"/>
+              <a:t>，根據之前的判斷式，會判斷此佇列為空佇列，也就是儘管佇列是滿的，卻會被誤判成空的。</a:t>
+            </a:r>
+            <a:endParaRPr lang="en-US" altLang="zh-TW" dirty="0" smtClean="0"/>
+          </a:p>
+          <a:p>
+            <a:r>
+              <a:rPr lang="zh-TW" altLang="en-US" dirty="0" smtClean="0"/>
+              <a:t>所以，環狀佇列一個很重要的性質是，當宣告環狀佇列裡有</a:t>
+            </a:r>
+            <a:r>
+              <a:rPr lang="en-US" altLang="zh-TW" dirty="0" smtClean="0"/>
+              <a:t>6</a:t>
+            </a:r>
+            <a:r>
+              <a:rPr lang="zh-TW" altLang="en-US" dirty="0" smtClean="0"/>
+              <a:t>個空間時，最多只能表示</a:t>
+            </a:r>
+            <a:r>
+              <a:rPr lang="en-US" altLang="zh-TW" dirty="0" smtClean="0"/>
+              <a:t>5</a:t>
+            </a:r>
+            <a:r>
+              <a:rPr lang="zh-TW" altLang="en-US" dirty="0" smtClean="0"/>
+              <a:t>個元素。</a:t>
+            </a:r>
+            <a:endParaRPr lang="zh-TW" altLang="en-US" dirty="0"/>
+          </a:p>
+        </p:txBody>
+      </p:sp>
+    </p:spTree>
+  </p:cSld>
+  <p:clrMapOvr>
+    <a:masterClrMapping/>
+  </p:clrMapOvr>
+  <p:timing>
+    <p:tnLst>
+      <p:par>
+        <p:cTn id="1" dur="indefinite" restart="never" nodeType="tmRoot"/>
+      </p:par>
+    </p:tnLst>
+  </p:timing>
+</p:sld>
+</file>
+
+<file path=ppt/slides/slide71.xml><?xml version="1.0" encoding="utf-8"?>
+<p:sld xmlns:a="http://schemas.openxmlformats.org/drawingml/2006/main" xmlns:r="http://schemas.openxmlformats.org/officeDocument/2006/relationships" xmlns:p="http://schemas.openxmlformats.org/presentationml/2006/main">
+  <p:cSld>
+    <p:spTree>
+      <p:nvGrpSpPr>
+        <p:cNvPr id="1" name=""/>
+        <p:cNvGrpSpPr/>
+        <p:nvPr/>
+      </p:nvGrpSpPr>
+      <p:grpSpPr>
+        <a:xfrm>
+          <a:off x="0" y="0"/>
+          <a:ext cx="0" cy="0"/>
+          <a:chOff x="0" y="0"/>
+          <a:chExt cx="0" cy="0"/>
+        </a:xfrm>
+      </p:grpSpPr>
+      <p:sp>
+        <p:nvSpPr>
           <p:cNvPr id="2" name="標題 1"/>
           <p:cNvSpPr>
             <a:spLocks noGrp="1"/>
@@ -27127,7 +27377,7 @@
 </p:sld>
 </file>
 
-<file path=ppt/slides/slide71.xml><?xml version="1.0" encoding="utf-8"?>
+<file path=ppt/slides/slide72.xml><?xml version="1.0" encoding="utf-8"?>
 <p:sld xmlns:a="http://schemas.openxmlformats.org/drawingml/2006/main" xmlns:r="http://schemas.openxmlformats.org/officeDocument/2006/relationships" xmlns:p="http://schemas.openxmlformats.org/presentationml/2006/main">
   <p:cSld>
     <p:spTree>
@@ -27278,7 +27528,7 @@
 </p:sld>
 </file>
 
-<file path=ppt/slides/slide72.xml><?xml version="1.0" encoding="utf-8"?>
+<file path=ppt/slides/slide73.xml><?xml version="1.0" encoding="utf-8"?>
 <p:sld xmlns:a="http://schemas.openxmlformats.org/drawingml/2006/main" xmlns:r="http://schemas.openxmlformats.org/officeDocument/2006/relationships" xmlns:p="http://schemas.openxmlformats.org/presentationml/2006/main">
   <p:cSld>
     <p:spTree>
@@ -27427,7 +27677,7 @@
 </p:sld>
 </file>
 
-<file path=ppt/slides/slide73.xml><?xml version="1.0" encoding="utf-8"?>
+<file path=ppt/slides/slide74.xml><?xml version="1.0" encoding="utf-8"?>
 <p:sld xmlns:a="http://schemas.openxmlformats.org/drawingml/2006/main" xmlns:r="http://schemas.openxmlformats.org/officeDocument/2006/relationships" xmlns:p="http://schemas.openxmlformats.org/presentationml/2006/main">
   <p:cSld>
     <p:spTree>
@@ -27524,7 +27774,7 @@
 </p:sld>
 </file>
 
-<file path=ppt/slides/slide74.xml><?xml version="1.0" encoding="utf-8"?>
+<file path=ppt/slides/slide75.xml><?xml version="1.0" encoding="utf-8"?>
 <p:sld xmlns:a="http://schemas.openxmlformats.org/drawingml/2006/main" xmlns:r="http://schemas.openxmlformats.org/officeDocument/2006/relationships" xmlns:p="http://schemas.openxmlformats.org/presentationml/2006/main">
   <p:cSld>
     <p:spTree>
@@ -27628,7 +27878,7 @@
 </p:sld>
 </file>
 
-<file path=ppt/slides/slide75.xml><?xml version="1.0" encoding="utf-8"?>
+<file path=ppt/slides/slide76.xml><?xml version="1.0" encoding="utf-8"?>
 <p:sld xmlns:a="http://schemas.openxmlformats.org/drawingml/2006/main" xmlns:r="http://schemas.openxmlformats.org/officeDocument/2006/relationships" xmlns:p="http://schemas.openxmlformats.org/presentationml/2006/main">
   <p:cSld>
     <p:spTree>
@@ -27942,7 +28192,7 @@
 </p:sld>
 </file>
 
-<file path=ppt/slides/slide76.xml><?xml version="1.0" encoding="utf-8"?>
+<file path=ppt/slides/slide77.xml><?xml version="1.0" encoding="utf-8"?>
 <p:sld xmlns:a="http://schemas.openxmlformats.org/drawingml/2006/main" xmlns:r="http://schemas.openxmlformats.org/officeDocument/2006/relationships" xmlns:p="http://schemas.openxmlformats.org/presentationml/2006/main">
   <p:cSld>
     <p:spTree>
@@ -28109,123 +28359,6 @@
 </p:sld>
 </file>
 
-<file path=ppt/slides/slide77.xml><?xml version="1.0" encoding="utf-8"?>
-<p:sld xmlns:a="http://schemas.openxmlformats.org/drawingml/2006/main" xmlns:r="http://schemas.openxmlformats.org/officeDocument/2006/relationships" xmlns:p="http://schemas.openxmlformats.org/presentationml/2006/main">
-  <p:cSld>
-    <p:spTree>
-      <p:nvGrpSpPr>
-        <p:cNvPr id="1" name=""/>
-        <p:cNvGrpSpPr/>
-        <p:nvPr/>
-      </p:nvGrpSpPr>
-      <p:grpSpPr>
-        <a:xfrm>
-          <a:off x="0" y="0"/>
-          <a:ext cx="0" cy="0"/>
-          <a:chOff x="0" y="0"/>
-          <a:chExt cx="0" cy="0"/>
-        </a:xfrm>
-      </p:grpSpPr>
-      <p:sp>
-        <p:nvSpPr>
-          <p:cNvPr id="3" name="標題 2"/>
-          <p:cNvSpPr>
-            <a:spLocks noGrp="1"/>
-          </p:cNvSpPr>
-          <p:nvPr>
-            <p:ph type="title"/>
-          </p:nvPr>
-        </p:nvSpPr>
-        <p:spPr/>
-        <p:txBody>
-          <a:bodyPr/>
-          <a:lstStyle/>
-          <a:p>
-            <a:r>
-              <a:rPr lang="en-US" altLang="zh-TW" dirty="0" smtClean="0"/>
-              <a:t>10-4 </a:t>
-            </a:r>
-            <a:r>
-              <a:rPr lang="zh-TW" altLang="en-US" dirty="0"/>
-              <a:t>樹狀結構</a:t>
-            </a:r>
-          </a:p>
-        </p:txBody>
-      </p:sp>
-      <p:sp>
-        <p:nvSpPr>
-          <p:cNvPr id="2" name="內容版面配置區 1"/>
-          <p:cNvSpPr>
-            <a:spLocks noGrp="1"/>
-          </p:cNvSpPr>
-          <p:nvPr>
-            <p:ph idx="1"/>
-          </p:nvPr>
-        </p:nvSpPr>
-        <p:spPr/>
-        <p:txBody>
-          <a:bodyPr>
-            <a:normAutofit/>
-          </a:bodyPr>
-          <a:lstStyle/>
-          <a:p>
-            <a:pPr>
-              <a:lnSpc>
-                <a:spcPct val="110000"/>
-              </a:lnSpc>
-            </a:pPr>
-            <a:r>
-              <a:rPr lang="zh-TW" altLang="en-US" sz="2800" dirty="0" smtClean="0"/>
-              <a:t>樹具有下列特殊性質：</a:t>
-            </a:r>
-          </a:p>
-          <a:p>
-            <a:pPr marL="728663" lvl="1" indent="-271463">
-              <a:lnSpc>
-                <a:spcPct val="110000"/>
-              </a:lnSpc>
-            </a:pPr>
-            <a:r>
-              <a:rPr lang="zh-TW" altLang="en-US" sz="2600" dirty="0" smtClean="0"/>
-              <a:t>只有唯一一個根節點。</a:t>
-            </a:r>
-          </a:p>
-          <a:p>
-            <a:pPr marL="728663" lvl="1" indent="-271463">
-              <a:lnSpc>
-                <a:spcPct val="110000"/>
-              </a:lnSpc>
-            </a:pPr>
-            <a:r>
-              <a:rPr lang="zh-TW" altLang="en-US" sz="2600" dirty="0" smtClean="0"/>
-              <a:t>樹中沒有迴圈</a:t>
-            </a:r>
-            <a:r>
-              <a:rPr lang="en-US" altLang="zh-TW" sz="2600" dirty="0" smtClean="0"/>
-              <a:t>(loop)</a:t>
-            </a:r>
-            <a:r>
-              <a:rPr lang="zh-TW" altLang="en-US" sz="2600" dirty="0" smtClean="0"/>
-              <a:t>，也就是任一節點循著邊往下走的話，不可能走回自己。</a:t>
-            </a:r>
-          </a:p>
-        </p:txBody>
-      </p:sp>
-    </p:spTree>
-  </p:cSld>
-  <p:clrMapOvr>
-    <a:masterClrMapping/>
-  </p:clrMapOvr>
-  <p:timing>
-    <p:tnLst>
-      <p:par>
-        <p:cTn id="1" dur="indefinite" restart="never" nodeType="tmRoot"/>
-      </p:par>
-    </p:tnLst>
-  </p:timing>
-</p:sld>
-</file>
-
 <file path=ppt/slides/slide78.xml><?xml version="1.0" encoding="utf-8"?>
 <p:sld xmlns:a="http://schemas.openxmlformats.org/drawingml/2006/main" xmlns:r="http://schemas.openxmlformats.org/officeDocument/2006/relationships" xmlns:p="http://schemas.openxmlformats.org/presentationml/2006/main">
   <p:cSld>
@@ -28245,7 +28378,7 @@
       </p:grpSpPr>
       <p:sp>
         <p:nvSpPr>
-          <p:cNvPr id="5" name="標題 4"/>
+          <p:cNvPr id="3" name="標題 2"/>
           <p:cNvSpPr>
             <a:spLocks noGrp="1"/>
           </p:cNvSpPr>
@@ -28259,7 +28392,7 @@
           <a:lstStyle/>
           <a:p>
             <a:r>
-              <a:rPr lang="en-US" altLang="zh-TW" dirty="0"/>
+              <a:rPr lang="en-US" altLang="zh-TW" dirty="0" smtClean="0"/>
               <a:t>10-4 </a:t>
             </a:r>
             <a:r>
@@ -28271,7 +28404,7 @@
       </p:sp>
       <p:sp>
         <p:nvSpPr>
-          <p:cNvPr id="3" name="內容版面配置區 2"/>
+          <p:cNvPr id="2" name="內容版面配置區 1"/>
           <p:cNvSpPr>
             <a:spLocks noGrp="1"/>
           </p:cNvSpPr>
@@ -28281,92 +28414,54 @@
         </p:nvSpPr>
         <p:spPr/>
         <p:txBody>
-          <a:bodyPr/>
+          <a:bodyPr>
+            <a:normAutofit/>
+          </a:bodyPr>
           <a:lstStyle/>
           <a:p>
-            <a:r>
-              <a:rPr lang="zh-TW" altLang="en-US" dirty="0" smtClean="0"/>
+            <a:pPr>
+              <a:lnSpc>
+                <a:spcPct val="110000"/>
+              </a:lnSpc>
+            </a:pPr>
+            <a:r>
+              <a:rPr lang="zh-TW" altLang="en-US" sz="2800" dirty="0" smtClean="0"/>
               <a:t>樹具有下列特殊性質：</a:t>
             </a:r>
-            <a:endParaRPr lang="en-US" altLang="zh-TW" dirty="0" smtClean="0"/>
-          </a:p>
-          <a:p>
-            <a:pPr lvl="1"/>
-            <a:r>
-              <a:rPr lang="zh-TW" altLang="en-US" dirty="0" smtClean="0"/>
-              <a:t>任兩點只有唯一路徑。譬如說，節點</a:t>
-            </a:r>
-            <a:r>
-              <a:rPr lang="en-US" altLang="zh-TW" dirty="0" smtClean="0"/>
-              <a:t>E</a:t>
-            </a:r>
-            <a:r>
-              <a:rPr lang="zh-TW" altLang="en-US" dirty="0" smtClean="0"/>
-              <a:t>要走到節點</a:t>
-            </a:r>
-            <a:r>
-              <a:rPr lang="en-US" altLang="zh-TW" dirty="0" smtClean="0"/>
-              <a:t>I</a:t>
-            </a:r>
-            <a:r>
-              <a:rPr lang="zh-TW" altLang="en-US" dirty="0" smtClean="0"/>
-              <a:t>的話，一定會經過節點</a:t>
-            </a:r>
-            <a:r>
-              <a:rPr lang="en-US" altLang="zh-TW" dirty="0" smtClean="0"/>
-              <a:t>G</a:t>
-            </a:r>
-            <a:r>
-              <a:rPr lang="zh-TW" altLang="en-US" dirty="0" smtClean="0"/>
-              <a:t>，而沒有其他方法；另一個例子，從節點</a:t>
-            </a:r>
-            <a:r>
-              <a:rPr lang="en-US" altLang="zh-TW" dirty="0" smtClean="0"/>
-              <a:t>J</a:t>
-            </a:r>
-            <a:r>
-              <a:rPr lang="zh-TW" altLang="en-US" dirty="0" smtClean="0"/>
-              <a:t>要走到節點</a:t>
-            </a:r>
-            <a:r>
-              <a:rPr lang="en-US" altLang="zh-TW" dirty="0" smtClean="0"/>
-              <a:t>C</a:t>
-            </a:r>
-            <a:r>
-              <a:rPr lang="zh-TW" altLang="en-US" dirty="0" smtClean="0"/>
-              <a:t>的話，也一定會經過節點</a:t>
-            </a:r>
-            <a:r>
-              <a:rPr lang="en-US" altLang="zh-TW" dirty="0" smtClean="0"/>
-              <a:t>K</a:t>
-            </a:r>
-            <a:r>
-              <a:rPr lang="zh-TW" altLang="en-US" dirty="0" smtClean="0"/>
-              <a:t>和節點</a:t>
-            </a:r>
-            <a:r>
-              <a:rPr lang="en-US" altLang="zh-TW" dirty="0" smtClean="0"/>
-              <a:t>L</a:t>
-            </a:r>
-            <a:r>
-              <a:rPr lang="zh-TW" altLang="en-US" dirty="0" smtClean="0"/>
-              <a:t>。</a:t>
-            </a:r>
-          </a:p>
-          <a:p>
-            <a:endParaRPr lang="zh-TW" altLang="en-US" dirty="0" smtClean="0"/>
-          </a:p>
-          <a:p>
-            <a:endParaRPr lang="zh-TW" altLang="en-US" dirty="0"/>
+          </a:p>
+          <a:p>
+            <a:pPr marL="728663" lvl="1" indent="-271463">
+              <a:lnSpc>
+                <a:spcPct val="110000"/>
+              </a:lnSpc>
+            </a:pPr>
+            <a:r>
+              <a:rPr lang="zh-TW" altLang="en-US" sz="2600" dirty="0" smtClean="0"/>
+              <a:t>只有唯一一個根節點。</a:t>
+            </a:r>
+          </a:p>
+          <a:p>
+            <a:pPr marL="728663" lvl="1" indent="-271463">
+              <a:lnSpc>
+                <a:spcPct val="110000"/>
+              </a:lnSpc>
+            </a:pPr>
+            <a:r>
+              <a:rPr lang="zh-TW" altLang="en-US" sz="2600" dirty="0" smtClean="0"/>
+              <a:t>樹中沒有迴圈</a:t>
+            </a:r>
+            <a:r>
+              <a:rPr lang="en-US" altLang="zh-TW" sz="2600" dirty="0" smtClean="0"/>
+              <a:t>(loop)</a:t>
+            </a:r>
+            <a:r>
+              <a:rPr lang="zh-TW" altLang="en-US" sz="2600" dirty="0" smtClean="0"/>
+              <a:t>，也就是任一節點循著邊往下走的話，不可能走回自己。</a:t>
+            </a:r>
           </a:p>
         </p:txBody>
       </p:sp>
     </p:spTree>
-    <p:extLst>
-      <p:ext uri="{BB962C8B-B14F-4D97-AF65-F5344CB8AC3E}">
-        <p14:creationId xmlns:p14="http://schemas.microsoft.com/office/powerpoint/2010/main" val="969449851"/>
-      </p:ext>
-    </p:extLst>
   </p:cSld>
   <p:clrMapOvr>
     <a:masterClrMapping/>
@@ -28400,7 +28495,7 @@
       </p:grpSpPr>
       <p:sp>
         <p:nvSpPr>
-          <p:cNvPr id="3" name="標題 2"/>
+          <p:cNvPr id="5" name="標題 4"/>
           <p:cNvSpPr>
             <a:spLocks noGrp="1"/>
           </p:cNvSpPr>
@@ -28414,20 +28509,19 @@
           <a:lstStyle/>
           <a:p>
             <a:r>
-              <a:rPr lang="en-US" altLang="zh-TW" dirty="0" smtClean="0"/>
+              <a:rPr lang="en-US" altLang="zh-TW" dirty="0"/>
               <a:t>10-4 </a:t>
             </a:r>
             <a:r>
-              <a:rPr lang="zh-TW" altLang="en-US" dirty="0" smtClean="0"/>
+              <a:rPr lang="zh-TW" altLang="en-US" dirty="0"/>
               <a:t>樹狀結構</a:t>
             </a:r>
-            <a:endParaRPr lang="zh-TW" altLang="en-US" dirty="0"/>
-          </a:p>
-        </p:txBody>
-      </p:sp>
-      <p:sp>
-        <p:nvSpPr>
-          <p:cNvPr id="2" name="內容版面配置區 1"/>
+          </a:p>
+        </p:txBody>
+      </p:sp>
+      <p:sp>
+        <p:nvSpPr>
+          <p:cNvPr id="3" name="內容版面配置區 2"/>
           <p:cNvSpPr>
             <a:spLocks noGrp="1"/>
           </p:cNvSpPr>
@@ -28437,39 +28531,92 @@
         </p:nvSpPr>
         <p:spPr/>
         <p:txBody>
-          <a:bodyPr>
-            <a:normAutofit/>
-          </a:bodyPr>
+          <a:bodyPr/>
           <a:lstStyle/>
           <a:p>
             <a:r>
-              <a:rPr lang="zh-TW" altLang="en-US" dirty="0" smtClean="0">
-                <a:solidFill>
-                  <a:srgbClr val="C00000"/>
-                </a:solidFill>
-              </a:rPr>
-              <a:t>樹的高度</a:t>
-            </a:r>
+              <a:rPr lang="zh-TW" altLang="en-US" dirty="0" smtClean="0"/>
+              <a:t>樹具有下列特殊性質：</a:t>
+            </a:r>
+            <a:endParaRPr lang="en-US" altLang="zh-TW" dirty="0" smtClean="0"/>
           </a:p>
           <a:p>
             <a:pPr lvl="1"/>
             <a:r>
               <a:rPr lang="zh-TW" altLang="en-US" dirty="0" smtClean="0"/>
-              <a:t>樹的高度（</a:t>
+              <a:t>任兩點只有唯一路徑。譬如說，節點</a:t>
             </a:r>
             <a:r>
               <a:rPr lang="en-US" altLang="zh-TW" dirty="0" smtClean="0"/>
-              <a:t>height</a:t>
-            </a:r>
-            <a:r>
-              <a:rPr lang="zh-TW" altLang="en-US" dirty="0" smtClean="0"/>
-              <a:t>）為從根節點到樹中所有葉節點的最長可能路徑。</a:t>
-            </a:r>
-            <a:endParaRPr lang="en-US" altLang="zh-TW" dirty="0" smtClean="0"/>
+              <a:t>E</a:t>
+            </a:r>
+            <a:r>
+              <a:rPr lang="zh-TW" altLang="en-US" dirty="0" smtClean="0"/>
+              <a:t>要走到節點</a:t>
+            </a:r>
+            <a:r>
+              <a:rPr lang="en-US" altLang="zh-TW" dirty="0" smtClean="0"/>
+              <a:t>I</a:t>
+            </a:r>
+            <a:r>
+              <a:rPr lang="zh-TW" altLang="en-US" dirty="0" smtClean="0"/>
+              <a:t>的話，一定會經過節點</a:t>
+            </a:r>
+            <a:r>
+              <a:rPr lang="en-US" altLang="zh-TW" dirty="0" smtClean="0"/>
+              <a:t>G</a:t>
+            </a:r>
+            <a:r>
+              <a:rPr lang="zh-TW" altLang="en-US" dirty="0" smtClean="0"/>
+              <a:t>，而沒有其他方法；另一個例子，從節點</a:t>
+            </a:r>
+            <a:r>
+              <a:rPr lang="en-US" altLang="zh-TW" dirty="0" smtClean="0"/>
+              <a:t>J</a:t>
+            </a:r>
+            <a:r>
+              <a:rPr lang="zh-TW" altLang="en-US" dirty="0" smtClean="0"/>
+              <a:t>要走到節點</a:t>
+            </a:r>
+            <a:r>
+              <a:rPr lang="en-US" altLang="zh-TW" dirty="0" smtClean="0"/>
+              <a:t>C</a:t>
+            </a:r>
+            <a:r>
+              <a:rPr lang="zh-TW" altLang="en-US" dirty="0" smtClean="0"/>
+              <a:t>的話，也一定會經過節點</a:t>
+            </a:r>
+            <a:r>
+              <a:rPr lang="en-US" altLang="zh-TW" dirty="0" smtClean="0"/>
+              <a:t>K</a:t>
+            </a:r>
+            <a:r>
+              <a:rPr lang="zh-TW" altLang="en-US" dirty="0" smtClean="0"/>
+              <a:t>和節點</a:t>
+            </a:r>
+            <a:r>
+              <a:rPr lang="en-US" altLang="zh-TW" dirty="0" smtClean="0"/>
+              <a:t>L</a:t>
+            </a:r>
+            <a:r>
+              <a:rPr lang="zh-TW" altLang="en-US" dirty="0" smtClean="0"/>
+              <a:t>。</a:t>
+            </a:r>
+          </a:p>
+          <a:p>
+            <a:endParaRPr lang="zh-TW" altLang="en-US" dirty="0" smtClean="0"/>
+          </a:p>
+          <a:p>
+            <a:endParaRPr lang="zh-TW" altLang="en-US" dirty="0"/>
           </a:p>
         </p:txBody>
       </p:sp>
     </p:spTree>
+    <p:extLst>
+      <p:ext uri="{BB962C8B-B14F-4D97-AF65-F5344CB8AC3E}">
+        <p14:creationId xmlns:p14="http://schemas.microsoft.com/office/powerpoint/2010/main" val="969449851"/>
+      </p:ext>
+    </p:extLst>
   </p:cSld>
   <p:clrMapOvr>
     <a:masterClrMapping/>
@@ -28619,7 +28766,7 @@
       </p:grpSpPr>
       <p:sp>
         <p:nvSpPr>
-          <p:cNvPr id="2" name="標題 1"/>
+          <p:cNvPr id="3" name="標題 2"/>
           <p:cNvSpPr>
             <a:spLocks noGrp="1"/>
           </p:cNvSpPr>
@@ -28633,11 +28780,11 @@
           <a:lstStyle/>
           <a:p>
             <a:r>
-              <a:rPr lang="en-US" altLang="zh-TW" smtClean="0"/>
+              <a:rPr lang="en-US" altLang="zh-TW" dirty="0" smtClean="0"/>
               <a:t>10-4 </a:t>
             </a:r>
             <a:r>
-              <a:rPr lang="zh-TW" altLang="en-US" smtClean="0"/>
+              <a:rPr lang="zh-TW" altLang="en-US" dirty="0" smtClean="0"/>
               <a:t>樹狀結構</a:t>
             </a:r>
             <a:endParaRPr lang="zh-TW" altLang="en-US" dirty="0"/>
@@ -28646,7 +28793,7 @@
       </p:sp>
       <p:sp>
         <p:nvSpPr>
-          <p:cNvPr id="3" name="內容版面配置區 2"/>
+          <p:cNvPr id="2" name="內容版面配置區 1"/>
           <p:cNvSpPr>
             <a:spLocks noGrp="1"/>
           </p:cNvSpPr>
@@ -28656,7 +28803,9 @@
         </p:nvSpPr>
         <p:spPr/>
         <p:txBody>
-          <a:bodyPr/>
+          <a:bodyPr>
+            <a:normAutofit/>
+          </a:bodyPr>
           <a:lstStyle/>
           <a:p>
             <a:r>
@@ -28667,97 +28816,26 @@
               </a:rPr>
               <a:t>樹的高度</a:t>
             </a:r>
-            <a:endParaRPr lang="en-US" altLang="zh-TW" dirty="0" smtClean="0">
-              <a:solidFill>
-                <a:srgbClr val="C00000"/>
-              </a:solidFill>
-            </a:endParaRPr>
           </a:p>
           <a:p>
             <a:pPr lvl="1"/>
             <a:r>
               <a:rPr lang="zh-TW" altLang="en-US" dirty="0" smtClean="0"/>
-              <a:t>以圖</a:t>
+              <a:t>樹的高度（</a:t>
             </a:r>
             <a:r>
               <a:rPr lang="en-US" altLang="zh-TW" dirty="0" smtClean="0"/>
-              <a:t>10-6</a:t>
-            </a:r>
-            <a:r>
-              <a:rPr lang="zh-TW" altLang="en-US" dirty="0" smtClean="0"/>
-              <a:t>為例，圖中共有</a:t>
-            </a:r>
-            <a:r>
-              <a:rPr lang="en-US" altLang="zh-TW" dirty="0" smtClean="0"/>
-              <a:t>7</a:t>
-            </a:r>
-            <a:r>
-              <a:rPr lang="zh-TW" altLang="en-US" dirty="0" smtClean="0"/>
-              <a:t>個葉節點，可以看到從根節點</a:t>
-            </a:r>
-            <a:r>
-              <a:rPr lang="en-US" altLang="zh-TW" dirty="0" smtClean="0"/>
-              <a:t>L</a:t>
-            </a:r>
-            <a:r>
-              <a:rPr lang="zh-TW" altLang="en-US" dirty="0" smtClean="0"/>
-              <a:t>到葉節點</a:t>
-            </a:r>
-            <a:r>
-              <a:rPr lang="en-US" altLang="zh-TW" dirty="0" smtClean="0"/>
-              <a:t>E</a:t>
-            </a:r>
-            <a:r>
-              <a:rPr lang="zh-TW" altLang="en-US" dirty="0" smtClean="0"/>
-              <a:t>或</a:t>
-            </a:r>
-            <a:r>
-              <a:rPr lang="en-US" altLang="zh-TW" dirty="0" smtClean="0"/>
-              <a:t>F</a:t>
-            </a:r>
-            <a:r>
-              <a:rPr lang="zh-TW" altLang="en-US" dirty="0" smtClean="0"/>
-              <a:t>的路徑長度為</a:t>
-            </a:r>
-            <a:r>
-              <a:rPr lang="en-US" altLang="zh-TW" dirty="0" smtClean="0"/>
-              <a:t>3</a:t>
-            </a:r>
-            <a:r>
-              <a:rPr lang="zh-TW" altLang="en-US" dirty="0" smtClean="0"/>
-              <a:t>（也就是途中經過</a:t>
-            </a:r>
-            <a:r>
-              <a:rPr lang="en-US" altLang="zh-TW" dirty="0" smtClean="0"/>
-              <a:t>3</a:t>
-            </a:r>
-            <a:r>
-              <a:rPr lang="zh-TW" altLang="en-US" dirty="0" smtClean="0"/>
-              <a:t>條樹邊），比起根節點到其他葉節點的長度都還長，所以這棵樹的高度為</a:t>
-            </a:r>
-            <a:r>
-              <a:rPr lang="en-US" altLang="zh-TW" dirty="0" smtClean="0"/>
-              <a:t>3</a:t>
-            </a:r>
-            <a:r>
-              <a:rPr lang="zh-TW" altLang="en-US" dirty="0" smtClean="0"/>
-              <a:t>。</a:t>
-            </a:r>
-          </a:p>
-          <a:p>
-            <a:endParaRPr lang="zh-TW" altLang="en-US" dirty="0" smtClean="0"/>
-          </a:p>
-          <a:p>
-            <a:endParaRPr lang="zh-TW" altLang="en-US" dirty="0"/>
+              <a:t>height</a:t>
+            </a:r>
+            <a:r>
+              <a:rPr lang="zh-TW" altLang="en-US" dirty="0" smtClean="0"/>
+              <a:t>）為從根節點到樹中所有葉節點的最長可能路徑。</a:t>
+            </a:r>
+            <a:endParaRPr lang="en-US" altLang="zh-TW" dirty="0" smtClean="0"/>
           </a:p>
         </p:txBody>
       </p:sp>
     </p:spTree>
-    <p:extLst>
-      <p:ext uri="{BB962C8B-B14F-4D97-AF65-F5344CB8AC3E}">
-        <p14:creationId xmlns:p14="http://schemas.microsoft.com/office/powerpoint/2010/main" val="821124069"/>
-      </p:ext>
-    </p:extLst>
   </p:cSld>
   <p:clrMapOvr>
     <a:masterClrMapping/>
@@ -28791,7 +28869,7 @@
       </p:grpSpPr>
       <p:sp>
         <p:nvSpPr>
-          <p:cNvPr id="5" name="標題 4"/>
+          <p:cNvPr id="2" name="標題 1"/>
           <p:cNvSpPr>
             <a:spLocks noGrp="1"/>
           </p:cNvSpPr>
@@ -28805,19 +28883,20 @@
           <a:lstStyle/>
           <a:p>
             <a:r>
-              <a:rPr lang="en-US" altLang="zh-TW" dirty="0" smtClean="0"/>
+              <a:rPr lang="en-US" altLang="zh-TW" smtClean="0"/>
               <a:t>10-4 </a:t>
             </a:r>
             <a:r>
-              <a:rPr lang="zh-TW" altLang="en-US" dirty="0"/>
+              <a:rPr lang="zh-TW" altLang="en-US" smtClean="0"/>
               <a:t>樹狀結構</a:t>
             </a:r>
-          </a:p>
-        </p:txBody>
-      </p:sp>
-      <p:sp>
-        <p:nvSpPr>
-          <p:cNvPr id="2" name="內容版面配置區 1"/>
+            <a:endParaRPr lang="zh-TW" altLang="en-US" dirty="0"/>
+          </a:p>
+        </p:txBody>
+      </p:sp>
+      <p:sp>
+        <p:nvSpPr>
+          <p:cNvPr id="3" name="內容版面配置區 2"/>
           <p:cNvSpPr>
             <a:spLocks noGrp="1"/>
           </p:cNvSpPr>
@@ -28836,22 +28915,19 @@
                   <a:srgbClr val="C00000"/>
                 </a:solidFill>
               </a:rPr>
-              <a:t>樹的階層</a:t>
-            </a:r>
+              <a:t>樹的高度</a:t>
+            </a:r>
+            <a:endParaRPr lang="en-US" altLang="zh-TW" dirty="0" smtClean="0">
+              <a:solidFill>
+                <a:srgbClr val="C00000"/>
+              </a:solidFill>
+            </a:endParaRPr>
           </a:p>
           <a:p>
             <a:pPr lvl="1"/>
             <a:r>
               <a:rPr lang="zh-TW" altLang="en-US" dirty="0" smtClean="0"/>
-              <a:t>樹的階層</a:t>
-            </a:r>
-            <a:r>
-              <a:rPr lang="en-US" altLang="zh-TW" dirty="0" smtClean="0"/>
-              <a:t>(level)</a:t>
-            </a:r>
-            <a:r>
-              <a:rPr lang="zh-TW" altLang="en-US" dirty="0" smtClean="0"/>
-              <a:t>代表任何一個節點距離根節點的距離。圖</a:t>
+              <a:t>以圖</a:t>
             </a:r>
             <a:r>
               <a:rPr lang="en-US" altLang="zh-TW" dirty="0" smtClean="0"/>
@@ -28859,7 +28935,15 @@
             </a:r>
             <a:r>
               <a:rPr lang="zh-TW" altLang="en-US" dirty="0" smtClean="0"/>
-              <a:t>中，根節點</a:t>
+              <a:t>為例，圖中共有</a:t>
+            </a:r>
+            <a:r>
+              <a:rPr lang="en-US" altLang="zh-TW" dirty="0" smtClean="0"/>
+              <a:t>7</a:t>
+            </a:r>
+            <a:r>
+              <a:rPr lang="zh-TW" altLang="en-US" dirty="0" smtClean="0"/>
+              <a:t>個葉節點，可以看到從根節點</a:t>
             </a:r>
             <a:r>
               <a:rPr lang="en-US" altLang="zh-TW" dirty="0" smtClean="0"/>
@@ -28867,93 +28951,117 @@
             </a:r>
             <a:r>
               <a:rPr lang="zh-TW" altLang="en-US" dirty="0" smtClean="0"/>
-              <a:t>的階層為</a:t>
+              <a:t>到葉節點</a:t>
             </a:r>
             <a:r>
               <a:rPr lang="en-US" altLang="zh-TW" dirty="0" smtClean="0"/>
-              <a:t>0</a:t>
-            </a:r>
-            <a:r>
-              <a:rPr lang="zh-TW" altLang="en-US" dirty="0" smtClean="0"/>
-              <a:t>，內部節點</a:t>
+              <a:t>E</a:t>
+            </a:r>
+            <a:r>
+              <a:rPr lang="zh-TW" altLang="en-US" dirty="0" smtClean="0"/>
+              <a:t>或</a:t>
             </a:r>
             <a:r>
               <a:rPr lang="en-US" altLang="zh-TW" dirty="0" smtClean="0"/>
-              <a:t>I</a:t>
-            </a:r>
-            <a:r>
-              <a:rPr lang="zh-TW" altLang="en-US" dirty="0" smtClean="0"/>
-              <a:t>的階層為</a:t>
+              <a:t>F</a:t>
+            </a:r>
+            <a:r>
+              <a:rPr lang="zh-TW" altLang="en-US" dirty="0" smtClean="0"/>
+              <a:t>的路徑長度為</a:t>
             </a:r>
             <a:r>
               <a:rPr lang="en-US" altLang="zh-TW" dirty="0" smtClean="0"/>
-              <a:t>1</a:t>
-            </a:r>
-            <a:r>
-              <a:rPr lang="zh-TW" altLang="en-US" dirty="0" smtClean="0"/>
-              <a:t>，至於在第</a:t>
+              <a:t>3</a:t>
+            </a:r>
+            <a:r>
+              <a:rPr lang="zh-TW" altLang="en-US" dirty="0" smtClean="0"/>
+              <a:t>（也就是途中經過</a:t>
             </a:r>
             <a:r>
               <a:rPr lang="en-US" altLang="zh-TW" dirty="0" smtClean="0"/>
-              <a:t>2</a:t>
-            </a:r>
-            <a:r>
-              <a:rPr lang="zh-TW" altLang="en-US" dirty="0" smtClean="0"/>
-              <a:t>階層的節點，包含</a:t>
+              <a:t>3</a:t>
+            </a:r>
+            <a:r>
+              <a:rPr lang="zh-TW" altLang="en-US" dirty="0" smtClean="0"/>
+              <a:t>條樹邊），比起根節點到其他葉節點的長度都還長，所以這棵樹的高度為</a:t>
             </a:r>
             <a:r>
               <a:rPr lang="en-US" altLang="zh-TW" dirty="0" smtClean="0"/>
-              <a:t>A</a:t>
-            </a:r>
-            <a:r>
-              <a:rPr lang="zh-TW" altLang="en-US" dirty="0" smtClean="0"/>
-              <a:t>、</a:t>
-            </a:r>
-            <a:r>
-              <a:rPr lang="en-US" altLang="zh-TW" dirty="0" smtClean="0"/>
-              <a:t>B</a:t>
-            </a:r>
-            <a:r>
-              <a:rPr lang="zh-TW" altLang="en-US" dirty="0" smtClean="0"/>
-              <a:t>、</a:t>
-            </a:r>
-            <a:r>
-              <a:rPr lang="en-US" altLang="zh-TW" dirty="0" smtClean="0"/>
-              <a:t>D</a:t>
-            </a:r>
-            <a:r>
-              <a:rPr lang="zh-TW" altLang="en-US" dirty="0" smtClean="0"/>
-              <a:t>、</a:t>
-            </a:r>
-            <a:r>
-              <a:rPr lang="en-US" altLang="zh-TW" dirty="0" smtClean="0"/>
-              <a:t>G</a:t>
-            </a:r>
-            <a:r>
-              <a:rPr lang="zh-TW" altLang="en-US" dirty="0" smtClean="0"/>
-              <a:t>、</a:t>
-            </a:r>
-            <a:r>
-              <a:rPr lang="en-US" altLang="zh-TW" dirty="0" smtClean="0"/>
-              <a:t>H</a:t>
-            </a:r>
-            <a:r>
-              <a:rPr lang="zh-TW" altLang="en-US" dirty="0" smtClean="0"/>
-              <a:t>、</a:t>
-            </a:r>
-            <a:r>
-              <a:rPr lang="en-US" altLang="zh-TW" dirty="0" smtClean="0"/>
-              <a:t>J</a:t>
-            </a:r>
-            <a:r>
-              <a:rPr lang="zh-TW" altLang="en-US" dirty="0" smtClean="0"/>
-              <a:t>等節點。</a:t>
-            </a:r>
+              <a:t>3</a:t>
+            </a:r>
+            <a:r>
+              <a:rPr lang="zh-TW" altLang="en-US" dirty="0" smtClean="0"/>
+              <a:t>。</a:t>
+            </a:r>
+          </a:p>
+          <a:p>
+            <a:endParaRPr lang="zh-TW" altLang="en-US" dirty="0" smtClean="0"/>
+          </a:p>
+          <a:p>
             <a:endParaRPr lang="zh-TW" altLang="en-US" dirty="0"/>
           </a:p>
         </p:txBody>
       </p:sp>
+      <p:pic>
+        <p:nvPicPr>
+          <p:cNvPr id="4" name="Picture 2"/>
+          <p:cNvPicPr>
+            <a:picLocks noChangeAspect="1" noChangeArrowheads="1"/>
+          </p:cNvPicPr>
+          <p:nvPr/>
+        </p:nvPicPr>
+        <p:blipFill>
+          <a:blip r:embed="rId2">
+            <a:extLst>
+              <a:ext uri="{28A0092B-C50C-407E-A947-70E740481C1C}">
+                <a14:useLocalDpi xmlns:a14="http://schemas.microsoft.com/office/drawing/2010/main" val="0"/>
+              </a:ext>
+            </a:extLst>
+          </a:blip>
+          <a:srcRect/>
+          <a:stretch>
+            <a:fillRect/>
+          </a:stretch>
+        </p:blipFill>
+        <p:spPr bwMode="auto">
+          <a:xfrm>
+            <a:off x="6192180" y="619306"/>
+            <a:ext cx="2250250" cy="1698865"/>
+          </a:xfrm>
+          <a:prstGeom prst="rect">
+            <a:avLst/>
+          </a:prstGeom>
+          <a:noFill/>
+          <a:ln>
+            <a:noFill/>
+          </a:ln>
+          <a:extLst>
+            <a:ext uri="{909E8E84-426E-40DD-AFC4-6F175D3DCCD1}">
+              <a14:hiddenFill xmlns:a14="http://schemas.microsoft.com/office/drawing/2010/main">
+                <a:solidFill>
+                  <a:schemeClr val="accent1"/>
+                </a:solidFill>
+              </a14:hiddenFill>
+            </a:ext>
+            <a:ext uri="{91240B29-F687-4F45-9708-019B960494DF}">
+              <a14:hiddenLine xmlns:a14="http://schemas.microsoft.com/office/drawing/2010/main" w="9525">
+                <a:solidFill>
+                  <a:schemeClr val="tx1"/>
+                </a:solidFill>
+                <a:miter lim="800000"/>
+                <a:headEnd/>
+                <a:tailEnd/>
+              </a14:hiddenLine>
+            </a:ext>
+          </a:extLst>
+        </p:spPr>
+      </p:pic>
     </p:spTree>
+    <p:extLst>
+      <p:ext uri="{BB962C8B-B14F-4D97-AF65-F5344CB8AC3E}">
+        <p14:creationId xmlns:p14="http://schemas.microsoft.com/office/powerpoint/2010/main" val="821124069"/>
+      </p:ext>
+    </p:extLst>
   </p:cSld>
   <p:clrMapOvr>
     <a:masterClrMapping/>
@@ -28987,7 +29095,7 @@
       </p:grpSpPr>
       <p:sp>
         <p:nvSpPr>
-          <p:cNvPr id="3" name="標題 2"/>
+          <p:cNvPr id="5" name="標題 4"/>
           <p:cNvSpPr>
             <a:spLocks noGrp="1"/>
           </p:cNvSpPr>
@@ -29023,62 +29131,186 @@
         </p:nvSpPr>
         <p:spPr/>
         <p:txBody>
-          <a:bodyPr>
-            <a:normAutofit/>
-          </a:bodyPr>
+          <a:bodyPr/>
           <a:lstStyle/>
           <a:p>
             <a:r>
-              <a:rPr lang="zh-TW" altLang="en-US" sz="2800" b="1" dirty="0" smtClean="0">
+              <a:rPr lang="zh-TW" altLang="en-US" dirty="0" smtClean="0">
                 <a:solidFill>
                   <a:srgbClr val="C00000"/>
                 </a:solidFill>
               </a:rPr>
-              <a:t>祖先節點和父節點</a:t>
+              <a:t>樹的階層</a:t>
             </a:r>
           </a:p>
           <a:p>
             <a:pPr lvl="1"/>
             <a:r>
-              <a:rPr lang="zh-TW" altLang="en-US" sz="2600" dirty="0" smtClean="0"/>
-              <a:t>若是考慮某</a:t>
-            </a:r>
-            <a:r>
-              <a:rPr lang="en-US" altLang="zh-TW" sz="2600" dirty="0" smtClean="0"/>
+              <a:rPr lang="zh-TW" altLang="en-US" dirty="0" smtClean="0"/>
+              <a:t>樹的階層</a:t>
+            </a:r>
+            <a:r>
+              <a:rPr lang="en-US" altLang="zh-TW" dirty="0" smtClean="0"/>
+              <a:t>(level)</a:t>
+            </a:r>
+            <a:r>
+              <a:rPr lang="zh-TW" altLang="en-US" dirty="0" smtClean="0"/>
+              <a:t>代表任何一個節點距離根節點的距離。圖</a:t>
+            </a:r>
+            <a:r>
+              <a:rPr lang="en-US" altLang="zh-TW" dirty="0" smtClean="0"/>
+              <a:t>10-6</a:t>
+            </a:r>
+            <a:r>
+              <a:rPr lang="zh-TW" altLang="en-US" dirty="0" smtClean="0"/>
+              <a:t>中，根節點</a:t>
+            </a:r>
+            <a:r>
+              <a:rPr lang="en-US" altLang="zh-TW" dirty="0" smtClean="0"/>
+              <a:t>L</a:t>
+            </a:r>
+            <a:r>
+              <a:rPr lang="zh-TW" altLang="en-US" dirty="0" smtClean="0"/>
+              <a:t>的階層為</a:t>
+            </a:r>
+            <a:r>
+              <a:rPr lang="en-US" altLang="zh-TW" dirty="0" smtClean="0"/>
+              <a:t>0</a:t>
+            </a:r>
+            <a:r>
+              <a:rPr lang="zh-TW" altLang="en-US" dirty="0" smtClean="0"/>
+              <a:t>，內部節點</a:t>
+            </a:r>
+            <a:r>
+              <a:rPr lang="en-US" altLang="zh-TW" dirty="0" smtClean="0"/>
+              <a:t>I</a:t>
+            </a:r>
+            <a:r>
+              <a:rPr lang="zh-TW" altLang="en-US" dirty="0" smtClean="0"/>
+              <a:t>的階層為</a:t>
+            </a:r>
+            <a:r>
+              <a:rPr lang="en-US" altLang="zh-TW" dirty="0" smtClean="0"/>
               <a:t>1</a:t>
             </a:r>
             <a:r>
-              <a:rPr lang="zh-TW" altLang="en-US" sz="2600" dirty="0" smtClean="0"/>
-              <a:t>個節點，和該節點往上走到根節點的那一條唯一路徑，則在該路徑上的所有節點</a:t>
-            </a:r>
-            <a:r>
-              <a:rPr lang="en-US" altLang="zh-TW" sz="2600" dirty="0" smtClean="0"/>
-              <a:t>(</a:t>
-            </a:r>
-            <a:r>
-              <a:rPr lang="zh-TW" altLang="en-US" sz="2600" dirty="0" smtClean="0"/>
-              <a:t>不包含自己</a:t>
-            </a:r>
-            <a:r>
-              <a:rPr lang="en-US" altLang="zh-TW" sz="2600" dirty="0" smtClean="0"/>
-              <a:t>)</a:t>
-            </a:r>
-            <a:r>
-              <a:rPr lang="zh-TW" altLang="en-US" sz="2600" dirty="0" smtClean="0"/>
-              <a:t>，都是該節點的祖先節點</a:t>
-            </a:r>
-            <a:r>
-              <a:rPr lang="en-US" altLang="zh-TW" sz="2600" dirty="0" smtClean="0"/>
-              <a:t>(ancestor node)</a:t>
-            </a:r>
-            <a:r>
-              <a:rPr lang="zh-TW" altLang="en-US" sz="2600" dirty="0" smtClean="0"/>
-              <a:t>。</a:t>
-            </a:r>
-            <a:endParaRPr lang="en-US" altLang="zh-TW" sz="2600" dirty="0" smtClean="0"/>
-          </a:p>
-        </p:txBody>
-      </p:sp>
+              <a:rPr lang="zh-TW" altLang="en-US" dirty="0" smtClean="0"/>
+              <a:t>，至於在第</a:t>
+            </a:r>
+            <a:r>
+              <a:rPr lang="en-US" altLang="zh-TW" dirty="0" smtClean="0"/>
+              <a:t>2</a:t>
+            </a:r>
+            <a:r>
+              <a:rPr lang="zh-TW" altLang="en-US" dirty="0" smtClean="0"/>
+              <a:t>階層的節點，包含</a:t>
+            </a:r>
+            <a:r>
+              <a:rPr lang="en-US" altLang="zh-TW" dirty="0" smtClean="0"/>
+              <a:t>A</a:t>
+            </a:r>
+            <a:r>
+              <a:rPr lang="zh-TW" altLang="en-US" dirty="0" smtClean="0"/>
+              <a:t>、</a:t>
+            </a:r>
+            <a:r>
+              <a:rPr lang="en-US" altLang="zh-TW" dirty="0" smtClean="0"/>
+              <a:t>B</a:t>
+            </a:r>
+            <a:r>
+              <a:rPr lang="zh-TW" altLang="en-US" dirty="0" smtClean="0"/>
+              <a:t>、</a:t>
+            </a:r>
+            <a:r>
+              <a:rPr lang="en-US" altLang="zh-TW" dirty="0" smtClean="0"/>
+              <a:t>D</a:t>
+            </a:r>
+            <a:r>
+              <a:rPr lang="zh-TW" altLang="en-US" dirty="0" smtClean="0"/>
+              <a:t>、</a:t>
+            </a:r>
+            <a:r>
+              <a:rPr lang="en-US" altLang="zh-TW" dirty="0" smtClean="0"/>
+              <a:t>G</a:t>
+            </a:r>
+            <a:r>
+              <a:rPr lang="zh-TW" altLang="en-US" dirty="0" smtClean="0"/>
+              <a:t>、</a:t>
+            </a:r>
+            <a:r>
+              <a:rPr lang="en-US" altLang="zh-TW" dirty="0" smtClean="0"/>
+              <a:t>H</a:t>
+            </a:r>
+            <a:r>
+              <a:rPr lang="zh-TW" altLang="en-US" dirty="0" smtClean="0"/>
+              <a:t>、</a:t>
+            </a:r>
+            <a:r>
+              <a:rPr lang="en-US" altLang="zh-TW" dirty="0" smtClean="0"/>
+              <a:t>J</a:t>
+            </a:r>
+            <a:r>
+              <a:rPr lang="zh-TW" altLang="en-US" dirty="0" smtClean="0"/>
+              <a:t>等節點。</a:t>
+            </a:r>
+            <a:endParaRPr lang="zh-TW" altLang="en-US" dirty="0"/>
+          </a:p>
+        </p:txBody>
+      </p:sp>
+      <p:pic>
+        <p:nvPicPr>
+          <p:cNvPr id="4" name="Picture 2"/>
+          <p:cNvPicPr>
+            <a:picLocks noChangeAspect="1" noChangeArrowheads="1"/>
+          </p:cNvPicPr>
+          <p:nvPr/>
+        </p:nvPicPr>
+        <p:blipFill>
+          <a:blip r:embed="rId2">
+            <a:extLst>
+              <a:ext uri="{28A0092B-C50C-407E-A947-70E740481C1C}">
+                <a14:useLocalDpi xmlns:a14="http://schemas.microsoft.com/office/drawing/2010/main" val="0"/>
+              </a:ext>
+            </a:extLst>
+          </a:blip>
+          <a:srcRect/>
+          <a:stretch>
+            <a:fillRect/>
+          </a:stretch>
+        </p:blipFill>
+        <p:spPr bwMode="auto">
+          <a:xfrm>
+            <a:off x="6192180" y="619306"/>
+            <a:ext cx="2250250" cy="1698865"/>
+          </a:xfrm>
+          <a:prstGeom prst="rect">
+            <a:avLst/>
+          </a:prstGeom>
+          <a:noFill/>
+          <a:ln>
+            <a:noFill/>
+          </a:ln>
+          <a:extLst>
+            <a:ext uri="{909E8E84-426E-40DD-AFC4-6F175D3DCCD1}">
+              <a14:hiddenFill xmlns:a14="http://schemas.microsoft.com/office/drawing/2010/main">
+                <a:solidFill>
+                  <a:schemeClr val="accent1"/>
+                </a:solidFill>
+              </a14:hiddenFill>
+            </a:ext>
+            <a:ext uri="{91240B29-F687-4F45-9708-019B960494DF}">
+              <a14:hiddenLine xmlns:a14="http://schemas.microsoft.com/office/drawing/2010/main" w="9525">
+                <a:solidFill>
+                  <a:schemeClr val="tx1"/>
+                </a:solidFill>
+                <a:miter lim="800000"/>
+                <a:headEnd/>
+                <a:tailEnd/>
+              </a14:hiddenLine>
+            </a:ext>
+          </a:extLst>
+        </p:spPr>
+      </p:pic>
     </p:spTree>
   </p:cSld>
   <p:clrMapOvr>
@@ -29167,66 +29399,45 @@
             <a:pPr lvl="1"/>
             <a:r>
               <a:rPr lang="zh-TW" altLang="en-US" sz="2600" dirty="0" smtClean="0"/>
-              <a:t>以圖</a:t>
+              <a:t>若是考慮某</a:t>
             </a:r>
             <a:r>
               <a:rPr lang="en-US" altLang="zh-TW" sz="2600" dirty="0" smtClean="0"/>
-              <a:t>10-6</a:t>
+              <a:t>1</a:t>
             </a:r>
             <a:r>
               <a:rPr lang="zh-TW" altLang="en-US" sz="2600" dirty="0" smtClean="0"/>
-              <a:t>的節點</a:t>
+              <a:t>個節點，和該節點往上走到根節點的那一條唯一路徑，則在該路徑上的所有節點</a:t>
             </a:r>
             <a:r>
               <a:rPr lang="en-US" altLang="zh-TW" sz="2600" dirty="0" smtClean="0"/>
-              <a:t>F</a:t>
+              <a:t>(</a:t>
             </a:r>
             <a:r>
               <a:rPr lang="zh-TW" altLang="en-US" sz="2600" dirty="0" smtClean="0"/>
-              <a:t>為例，它的祖先節點有</a:t>
+              <a:t>不包含自己</a:t>
             </a:r>
             <a:r>
               <a:rPr lang="en-US" altLang="zh-TW" sz="2600" dirty="0" smtClean="0"/>
-              <a:t>G</a:t>
+              <a:t>)</a:t>
             </a:r>
             <a:r>
               <a:rPr lang="zh-TW" altLang="en-US" sz="2600" dirty="0" smtClean="0"/>
-              <a:t>、</a:t>
+              <a:t>，都是該節點的祖先節點</a:t>
             </a:r>
             <a:r>
               <a:rPr lang="en-US" altLang="zh-TW" sz="2600" dirty="0" smtClean="0"/>
-              <a:t>I</a:t>
+              <a:t>(ancestor node)</a:t>
             </a:r>
             <a:r>
               <a:rPr lang="zh-TW" altLang="en-US" sz="2600" dirty="0" smtClean="0"/>
-              <a:t>、</a:t>
-            </a:r>
-            <a:r>
-              <a:rPr lang="en-US" altLang="zh-TW" sz="2600" dirty="0" smtClean="0"/>
-              <a:t>L</a:t>
-            </a:r>
-            <a:r>
-              <a:rPr lang="zh-TW" altLang="en-US" sz="2600" dirty="0" smtClean="0"/>
-              <a:t>三個節點。可以觀察到，祖先節點包含它的父節點</a:t>
-            </a:r>
-            <a:r>
-              <a:rPr lang="en-US" altLang="zh-TW" sz="2600" dirty="0" smtClean="0"/>
-              <a:t>(parent node) G</a:t>
-            </a:r>
-            <a:r>
-              <a:rPr lang="zh-TW" altLang="en-US" sz="2600" dirty="0" smtClean="0"/>
-              <a:t>，也就是最靠近該節點的祖先節點。</a:t>
-            </a:r>
-            <a:endParaRPr lang="zh-TW" altLang="en-US" sz="2600" dirty="0"/>
+              <a:t>。</a:t>
+            </a:r>
+            <a:endParaRPr lang="en-US" altLang="zh-TW" sz="2600" dirty="0" smtClean="0"/>
           </a:p>
         </p:txBody>
       </p:sp>
     </p:spTree>
-    <p:extLst>
-      <p:ext uri="{BB962C8B-B14F-4D97-AF65-F5344CB8AC3E}">
-        <p14:creationId xmlns:p14="http://schemas.microsoft.com/office/powerpoint/2010/main" val="1640277701"/>
-      </p:ext>
-    </p:extLst>
   </p:cSld>
   <p:clrMapOvr>
     <a:masterClrMapping/>
@@ -29307,52 +29518,127 @@
                   <a:srgbClr val="C00000"/>
                 </a:solidFill>
               </a:rPr>
-              <a:t>子孫節點和子節點</a:t>
+              <a:t>祖先節點和父節點</a:t>
             </a:r>
           </a:p>
           <a:p>
             <a:pPr lvl="1"/>
             <a:r>
               <a:rPr lang="zh-TW" altLang="en-US" sz="2600" dirty="0" smtClean="0"/>
-              <a:t>考慮某</a:t>
+              <a:t>以圖</a:t>
             </a:r>
             <a:r>
               <a:rPr lang="en-US" altLang="zh-TW" sz="2600" dirty="0" smtClean="0"/>
-              <a:t>1</a:t>
+              <a:t>10-6</a:t>
             </a:r>
             <a:r>
               <a:rPr lang="zh-TW" altLang="en-US" sz="2600" dirty="0" smtClean="0"/>
-              <a:t>個節點，和該節點往下走到葉節點的所有可能路徑。那麼，在這些路徑上的所有節點</a:t>
+              <a:t>的節點</a:t>
             </a:r>
             <a:r>
               <a:rPr lang="en-US" altLang="zh-TW" sz="2600" dirty="0" smtClean="0"/>
-              <a:t>(</a:t>
+              <a:t>F</a:t>
             </a:r>
             <a:r>
               <a:rPr lang="zh-TW" altLang="en-US" sz="2600" dirty="0" smtClean="0"/>
-              <a:t>不包含自己</a:t>
+              <a:t>為例，它的祖先節點有</a:t>
             </a:r>
             <a:r>
               <a:rPr lang="en-US" altLang="zh-TW" sz="2600" dirty="0" smtClean="0"/>
-              <a:t>)</a:t>
+              <a:t>G</a:t>
             </a:r>
             <a:r>
               <a:rPr lang="zh-TW" altLang="en-US" sz="2600" dirty="0" smtClean="0"/>
-              <a:t>，都是該節點的子孫節點</a:t>
+              <a:t>、</a:t>
             </a:r>
             <a:r>
               <a:rPr lang="en-US" altLang="zh-TW" sz="2600" dirty="0" smtClean="0"/>
-              <a:t>(descendent node)</a:t>
+              <a:t>I</a:t>
             </a:r>
             <a:r>
               <a:rPr lang="zh-TW" altLang="en-US" sz="2600" dirty="0" smtClean="0"/>
-              <a:t>。</a:t>
-            </a:r>
-            <a:endParaRPr lang="en-US" altLang="zh-TW" sz="2600" dirty="0" smtClean="0"/>
-          </a:p>
-        </p:txBody>
-      </p:sp>
+              <a:t>、</a:t>
+            </a:r>
+            <a:r>
+              <a:rPr lang="en-US" altLang="zh-TW" sz="2600" dirty="0" smtClean="0"/>
+              <a:t>L</a:t>
+            </a:r>
+            <a:r>
+              <a:rPr lang="zh-TW" altLang="en-US" sz="2600" dirty="0" smtClean="0"/>
+              <a:t>三個節點。可以觀察到，祖先節點包含它的父節點</a:t>
+            </a:r>
+            <a:r>
+              <a:rPr lang="en-US" altLang="zh-TW" sz="2600" dirty="0" smtClean="0"/>
+              <a:t>(parent node) G</a:t>
+            </a:r>
+            <a:r>
+              <a:rPr lang="zh-TW" altLang="en-US" sz="2600" dirty="0" smtClean="0"/>
+              <a:t>，也就是最靠近該節點的祖先節點。</a:t>
+            </a:r>
+            <a:endParaRPr lang="zh-TW" altLang="en-US" sz="2600" dirty="0"/>
+          </a:p>
+        </p:txBody>
+      </p:sp>
+      <p:pic>
+        <p:nvPicPr>
+          <p:cNvPr id="4" name="Picture 2"/>
+          <p:cNvPicPr>
+            <a:picLocks noChangeAspect="1" noChangeArrowheads="1"/>
+          </p:cNvPicPr>
+          <p:nvPr/>
+        </p:nvPicPr>
+        <p:blipFill>
+          <a:blip r:embed="rId2">
+            <a:extLst>
+              <a:ext uri="{28A0092B-C50C-407E-A947-70E740481C1C}">
+                <a14:useLocalDpi xmlns:a14="http://schemas.microsoft.com/office/drawing/2010/main" val="0"/>
+              </a:ext>
+            </a:extLst>
+          </a:blip>
+          <a:srcRect/>
+          <a:stretch>
+            <a:fillRect/>
+          </a:stretch>
+        </p:blipFill>
+        <p:spPr bwMode="auto">
+          <a:xfrm>
+            <a:off x="6192180" y="619306"/>
+            <a:ext cx="2250250" cy="1698865"/>
+          </a:xfrm>
+          <a:prstGeom prst="rect">
+            <a:avLst/>
+          </a:prstGeom>
+          <a:noFill/>
+          <a:ln>
+            <a:noFill/>
+          </a:ln>
+          <a:extLst>
+            <a:ext uri="{909E8E84-426E-40DD-AFC4-6F175D3DCCD1}">
+              <a14:hiddenFill xmlns:a14="http://schemas.microsoft.com/office/drawing/2010/main">
+                <a:solidFill>
+                  <a:schemeClr val="accent1"/>
+                </a:solidFill>
+              </a14:hiddenFill>
+            </a:ext>
+            <a:ext uri="{91240B29-F687-4F45-9708-019B960494DF}">
+              <a14:hiddenLine xmlns:a14="http://schemas.microsoft.com/office/drawing/2010/main" w="9525">
+                <a:solidFill>
+                  <a:schemeClr val="tx1"/>
+                </a:solidFill>
+                <a:miter lim="800000"/>
+                <a:headEnd/>
+                <a:tailEnd/>
+              </a14:hiddenLine>
+            </a:ext>
+          </a:extLst>
+        </p:spPr>
+      </p:pic>
     </p:spTree>
+    <p:extLst>
+      <p:ext uri="{BB962C8B-B14F-4D97-AF65-F5344CB8AC3E}">
+        <p14:creationId xmlns:p14="http://schemas.microsoft.com/office/powerpoint/2010/main" val="1640277701"/>
+      </p:ext>
+    </p:extLst>
   </p:cSld>
   <p:clrMapOvr>
     <a:masterClrMapping/>
@@ -29440,6 +29726,132 @@
             <a:pPr lvl="1"/>
             <a:r>
               <a:rPr lang="zh-TW" altLang="en-US" sz="2600" dirty="0" smtClean="0"/>
+              <a:t>考慮某</a:t>
+            </a:r>
+            <a:r>
+              <a:rPr lang="en-US" altLang="zh-TW" sz="2600" dirty="0" smtClean="0"/>
+              <a:t>1</a:t>
+            </a:r>
+            <a:r>
+              <a:rPr lang="zh-TW" altLang="en-US" sz="2600" dirty="0" smtClean="0"/>
+              <a:t>個節點，和該節點往下走到葉節點的所有可能路徑。那麼，在這些路徑上的所有節點</a:t>
+            </a:r>
+            <a:r>
+              <a:rPr lang="en-US" altLang="zh-TW" sz="2600" dirty="0" smtClean="0"/>
+              <a:t>(</a:t>
+            </a:r>
+            <a:r>
+              <a:rPr lang="zh-TW" altLang="en-US" sz="2600" dirty="0" smtClean="0"/>
+              <a:t>不包含自己</a:t>
+            </a:r>
+            <a:r>
+              <a:rPr lang="en-US" altLang="zh-TW" sz="2600" dirty="0" smtClean="0"/>
+              <a:t>)</a:t>
+            </a:r>
+            <a:r>
+              <a:rPr lang="zh-TW" altLang="en-US" sz="2600" dirty="0" smtClean="0"/>
+              <a:t>，都是該節點的子孫節點</a:t>
+            </a:r>
+            <a:r>
+              <a:rPr lang="en-US" altLang="zh-TW" sz="2600" dirty="0" smtClean="0"/>
+              <a:t>(descendent node)</a:t>
+            </a:r>
+            <a:r>
+              <a:rPr lang="zh-TW" altLang="en-US" sz="2600" dirty="0" smtClean="0"/>
+              <a:t>。</a:t>
+            </a:r>
+            <a:endParaRPr lang="en-US" altLang="zh-TW" sz="2600" dirty="0" smtClean="0"/>
+          </a:p>
+        </p:txBody>
+      </p:sp>
+    </p:spTree>
+  </p:cSld>
+  <p:clrMapOvr>
+    <a:masterClrMapping/>
+  </p:clrMapOvr>
+  <p:timing>
+    <p:tnLst>
+      <p:par>
+        <p:cTn id="1" dur="indefinite" restart="never" nodeType="tmRoot"/>
+      </p:par>
+    </p:tnLst>
+  </p:timing>
+</p:sld>
+</file>
+
+<file path=ppt/slides/slide86.xml><?xml version="1.0" encoding="utf-8"?>
+<p:sld xmlns:a="http://schemas.openxmlformats.org/drawingml/2006/main" xmlns:r="http://schemas.openxmlformats.org/officeDocument/2006/relationships" xmlns:p="http://schemas.openxmlformats.org/presentationml/2006/main">
+  <p:cSld>
+    <p:spTree>
+      <p:nvGrpSpPr>
+        <p:cNvPr id="1" name=""/>
+        <p:cNvGrpSpPr/>
+        <p:nvPr/>
+      </p:nvGrpSpPr>
+      <p:grpSpPr>
+        <a:xfrm>
+          <a:off x="0" y="0"/>
+          <a:ext cx="0" cy="0"/>
+          <a:chOff x="0" y="0"/>
+          <a:chExt cx="0" cy="0"/>
+        </a:xfrm>
+      </p:grpSpPr>
+      <p:sp>
+        <p:nvSpPr>
+          <p:cNvPr id="3" name="標題 2"/>
+          <p:cNvSpPr>
+            <a:spLocks noGrp="1"/>
+          </p:cNvSpPr>
+          <p:nvPr>
+            <p:ph type="title"/>
+          </p:nvPr>
+        </p:nvSpPr>
+        <p:spPr/>
+        <p:txBody>
+          <a:bodyPr/>
+          <a:lstStyle/>
+          <a:p>
+            <a:r>
+              <a:rPr lang="en-US" altLang="zh-TW" dirty="0" smtClean="0"/>
+              <a:t>10-4 </a:t>
+            </a:r>
+            <a:r>
+              <a:rPr lang="zh-TW" altLang="en-US" dirty="0"/>
+              <a:t>樹狀結構</a:t>
+            </a:r>
+          </a:p>
+        </p:txBody>
+      </p:sp>
+      <p:sp>
+        <p:nvSpPr>
+          <p:cNvPr id="2" name="內容版面配置區 1"/>
+          <p:cNvSpPr>
+            <a:spLocks noGrp="1"/>
+          </p:cNvSpPr>
+          <p:nvPr>
+            <p:ph idx="1"/>
+          </p:nvPr>
+        </p:nvSpPr>
+        <p:spPr/>
+        <p:txBody>
+          <a:bodyPr>
+            <a:normAutofit/>
+          </a:bodyPr>
+          <a:lstStyle/>
+          <a:p>
+            <a:r>
+              <a:rPr lang="zh-TW" altLang="en-US" sz="2800" b="1" dirty="0" smtClean="0">
+                <a:solidFill>
+                  <a:srgbClr val="C00000"/>
+                </a:solidFill>
+              </a:rPr>
+              <a:t>子孫節點和子節點</a:t>
+            </a:r>
+          </a:p>
+          <a:p>
+            <a:pPr lvl="1"/>
+            <a:r>
+              <a:rPr lang="zh-TW" altLang="en-US" sz="2600" dirty="0" smtClean="0"/>
               <a:t>以圖</a:t>
             </a:r>
             <a:r>
@@ -29550,6 +29962,60 @@
           </a:p>
         </p:txBody>
       </p:sp>
+      <p:pic>
+        <p:nvPicPr>
+          <p:cNvPr id="4" name="Picture 2"/>
+          <p:cNvPicPr>
+            <a:picLocks noChangeAspect="1" noChangeArrowheads="1"/>
+          </p:cNvPicPr>
+          <p:nvPr/>
+        </p:nvPicPr>
+        <p:blipFill>
+          <a:blip r:embed="rId2">
+            <a:extLst>
+              <a:ext uri="{28A0092B-C50C-407E-A947-70E740481C1C}">
+                <a14:useLocalDpi xmlns:a14="http://schemas.microsoft.com/office/drawing/2010/main" val="0"/>
+              </a:ext>
+            </a:extLst>
+          </a:blip>
+          <a:srcRect/>
+          <a:stretch>
+            <a:fillRect/>
+          </a:stretch>
+        </p:blipFill>
+        <p:spPr bwMode="auto">
+          <a:xfrm>
+            <a:off x="6192180" y="619306"/>
+            <a:ext cx="2250250" cy="1698865"/>
+          </a:xfrm>
+          <a:prstGeom prst="rect">
+            <a:avLst/>
+          </a:prstGeom>
+          <a:noFill/>
+          <a:ln>
+            <a:noFill/>
+          </a:ln>
+          <a:extLst>
+            <a:ext uri="{909E8E84-426E-40DD-AFC4-6F175D3DCCD1}">
+              <a14:hiddenFill xmlns:a14="http://schemas.microsoft.com/office/drawing/2010/main">
+                <a:solidFill>
+                  <a:schemeClr val="accent1"/>
+                </a:solidFill>
+              </a14:hiddenFill>
+            </a:ext>
+            <a:ext uri="{91240B29-F687-4F45-9708-019B960494DF}">
+              <a14:hiddenLine xmlns:a14="http://schemas.microsoft.com/office/drawing/2010/main" w="9525">
+                <a:solidFill>
+                  <a:schemeClr val="tx1"/>
+                </a:solidFill>
+                <a:miter lim="800000"/>
+                <a:headEnd/>
+                <a:tailEnd/>
+              </a14:hiddenLine>
+            </a:ext>
+          </a:extLst>
+        </p:spPr>
+      </p:pic>
     </p:spTree>
     <p:extLst>
       <p:ext uri="{BB962C8B-B14F-4D97-AF65-F5344CB8AC3E}">
@@ -29570,7 +30036,7 @@
 </p:sld>
 </file>
 
-<file path=ppt/slides/slide86.xml><?xml version="1.0" encoding="utf-8"?>
+<file path=ppt/slides/slide87.xml><?xml version="1.0" encoding="utf-8"?>
 <p:sld xmlns:a="http://schemas.openxmlformats.org/drawingml/2006/main" xmlns:r="http://schemas.openxmlformats.org/officeDocument/2006/relationships" xmlns:p="http://schemas.openxmlformats.org/presentationml/2006/main">
   <p:cSld>
     <p:spTree>
@@ -29799,7 +30265,7 @@
 </p:sld>
 </file>
 
-<file path=ppt/slides/slide87.xml><?xml version="1.0" encoding="utf-8"?>
+<file path=ppt/slides/slide88.xml><?xml version="1.0" encoding="utf-8"?>
 <p:sld xmlns:a="http://schemas.openxmlformats.org/drawingml/2006/main" xmlns:r="http://schemas.openxmlformats.org/officeDocument/2006/relationships" xmlns:p="http://schemas.openxmlformats.org/presentationml/2006/main">
   <p:cSld>
     <p:spTree>
@@ -29955,7 +30421,7 @@
 </p:sld>
 </file>
 
-<file path=ppt/slides/slide88.xml><?xml version="1.0" encoding="utf-8"?>
+<file path=ppt/slides/slide89.xml><?xml version="1.0" encoding="utf-8"?>
 <p:sld xmlns:a="http://schemas.openxmlformats.org/drawingml/2006/main" xmlns:r="http://schemas.openxmlformats.org/officeDocument/2006/relationships" xmlns:p="http://schemas.openxmlformats.org/presentationml/2006/main">
   <p:cSld>
     <p:spTree>
@@ -30273,209 +30739,6 @@
 </p:sld>
 </file>
 
-<file path=ppt/slides/slide89.xml><?xml version="1.0" encoding="utf-8"?>
-<p:sld xmlns:a="http://schemas.openxmlformats.org/drawingml/2006/main" xmlns:r="http://schemas.openxmlformats.org/officeDocument/2006/relationships" xmlns:p="http://schemas.openxmlformats.org/presentationml/2006/main">
-  <p:cSld>
-    <p:spTree>
-      <p:nvGrpSpPr>
-        <p:cNvPr id="1" name=""/>
-        <p:cNvGrpSpPr/>
-        <p:nvPr/>
-      </p:nvGrpSpPr>
-      <p:grpSpPr>
-        <a:xfrm>
-          <a:off x="0" y="0"/>
-          <a:ext cx="0" cy="0"/>
-          <a:chOff x="0" y="0"/>
-          <a:chExt cx="0" cy="0"/>
-        </a:xfrm>
-      </p:grpSpPr>
-      <p:pic>
-        <p:nvPicPr>
-          <p:cNvPr id="6" name="Picture 2"/>
-          <p:cNvPicPr>
-            <a:picLocks noChangeAspect="1" noChangeArrowheads="1"/>
-          </p:cNvPicPr>
-          <p:nvPr/>
-        </p:nvPicPr>
-        <p:blipFill>
-          <a:blip r:embed="rId2">
-            <a:extLst>
-              <a:ext uri="{28A0092B-C50C-407E-A947-70E740481C1C}">
-                <a14:useLocalDpi xmlns:a14="http://schemas.microsoft.com/office/drawing/2010/main" val="0"/>
-              </a:ext>
-            </a:extLst>
-          </a:blip>
-          <a:srcRect/>
-          <a:stretch>
-            <a:fillRect/>
-          </a:stretch>
-        </p:blipFill>
-        <p:spPr bwMode="auto">
-          <a:xfrm>
-            <a:off x="1916705" y="2292216"/>
-            <a:ext cx="5805645" cy="2259754"/>
-          </a:xfrm>
-          <a:prstGeom prst="rect">
-            <a:avLst/>
-          </a:prstGeom>
-          <a:noFill/>
-          <a:ln>
-            <a:noFill/>
-          </a:ln>
-          <a:extLst>
-            <a:ext uri="{909E8E84-426E-40DD-AFC4-6F175D3DCCD1}">
-              <a14:hiddenFill xmlns:a14="http://schemas.microsoft.com/office/drawing/2010/main">
-                <a:solidFill>
-                  <a:schemeClr val="accent1"/>
-                </a:solidFill>
-              </a14:hiddenFill>
-            </a:ext>
-            <a:ext uri="{91240B29-F687-4F45-9708-019B960494DF}">
-              <a14:hiddenLine xmlns:a14="http://schemas.microsoft.com/office/drawing/2010/main" w="9525">
-                <a:solidFill>
-                  <a:schemeClr val="tx1"/>
-                </a:solidFill>
-                <a:miter lim="800000"/>
-                <a:headEnd/>
-                <a:tailEnd/>
-              </a14:hiddenLine>
-            </a:ext>
-          </a:extLst>
-        </p:spPr>
-      </p:pic>
-      <p:sp>
-        <p:nvSpPr>
-          <p:cNvPr id="2" name="標題 1"/>
-          <p:cNvSpPr>
-            <a:spLocks noGrp="1"/>
-          </p:cNvSpPr>
-          <p:nvPr>
-            <p:ph type="title"/>
-          </p:nvPr>
-        </p:nvSpPr>
-        <p:spPr/>
-        <p:txBody>
-          <a:bodyPr/>
-          <a:lstStyle/>
-          <a:p>
-            <a:r>
-              <a:rPr lang="en-US" altLang="zh-TW" dirty="0" smtClean="0"/>
-              <a:t>10-4 </a:t>
-            </a:r>
-            <a:r>
-              <a:rPr lang="zh-TW" altLang="en-US" dirty="0"/>
-              <a:t>樹狀結構</a:t>
-            </a:r>
-          </a:p>
-        </p:txBody>
-      </p:sp>
-      <p:sp>
-        <p:nvSpPr>
-          <p:cNvPr id="3" name="內容版面配置區 2"/>
-          <p:cNvSpPr>
-            <a:spLocks noGrp="1"/>
-          </p:cNvSpPr>
-          <p:nvPr>
-            <p:ph idx="1"/>
-          </p:nvPr>
-        </p:nvSpPr>
-        <p:spPr/>
-        <p:txBody>
-          <a:bodyPr/>
-          <a:lstStyle/>
-          <a:p>
-            <a:r>
-              <a:rPr lang="zh-TW" altLang="en-US" dirty="0" smtClean="0"/>
-              <a:t>以二元</a:t>
-            </a:r>
-            <a:r>
-              <a:rPr lang="zh-TW" altLang="en-US" dirty="0"/>
-              <a:t>樹的根節點為例，其左子樹和右子樹描繪於下圖中</a:t>
-            </a:r>
-            <a:r>
-              <a:rPr lang="zh-TW" altLang="en-US" dirty="0" smtClean="0"/>
-              <a:t>。</a:t>
-            </a:r>
-            <a:endParaRPr lang="zh-TW" altLang="en-US" dirty="0"/>
-          </a:p>
-        </p:txBody>
-      </p:sp>
-      <p:sp>
-        <p:nvSpPr>
-          <p:cNvPr id="5" name="五邊形 4"/>
-          <p:cNvSpPr/>
-          <p:nvPr/>
-        </p:nvSpPr>
-        <p:spPr>
-          <a:xfrm rot="859578">
-            <a:off x="171773" y="2845386"/>
-            <a:ext cx="2420172" cy="318518"/>
-          </a:xfrm>
-          <a:prstGeom prst="homePlate">
-            <a:avLst/>
-          </a:prstGeom>
-        </p:spPr>
-        <p:style>
-          <a:lnRef idx="0">
-            <a:schemeClr val="accent1"/>
-          </a:lnRef>
-          <a:fillRef idx="3">
-            <a:schemeClr val="accent1"/>
-          </a:fillRef>
-          <a:effectRef idx="3">
-            <a:schemeClr val="accent1"/>
-          </a:effectRef>
-          <a:fontRef idx="minor">
-            <a:schemeClr val="lt1"/>
-          </a:fontRef>
-        </p:style>
-        <p:txBody>
-          <a:bodyPr rtlCol="0" anchor="ctr"/>
-          <a:lstStyle/>
-          <a:p>
-            <a:pPr algn="ctr"/>
-            <a:r>
-              <a:rPr lang="zh-TW" altLang="en-US" sz="2000" b="1" dirty="0">
-                <a:latin typeface="微軟正黑體" pitchFamily="34" charset="-120"/>
-                <a:ea typeface="微軟正黑體" pitchFamily="34" charset="-120"/>
-              </a:rPr>
-              <a:t>左子樹和右子</a:t>
-            </a:r>
-            <a:r>
-              <a:rPr lang="zh-TW" altLang="en-US" sz="2000" b="1" dirty="0" smtClean="0">
-                <a:latin typeface="微軟正黑體" pitchFamily="34" charset="-120"/>
-                <a:ea typeface="微軟正黑體" pitchFamily="34" charset="-120"/>
-              </a:rPr>
-              <a:t>樹</a:t>
-            </a:r>
-            <a:endParaRPr lang="zh-TW" altLang="en-US" sz="2000" b="1" dirty="0">
-              <a:latin typeface="微軟正黑體" pitchFamily="34" charset="-120"/>
-              <a:ea typeface="微軟正黑體" pitchFamily="34" charset="-120"/>
-            </a:endParaRPr>
-          </a:p>
-        </p:txBody>
-      </p:sp>
-    </p:spTree>
-    <p:extLst>
-      <p:ext uri="{BB962C8B-B14F-4D97-AF65-F5344CB8AC3E}">
-        <p14:creationId xmlns:p14="http://schemas.microsoft.com/office/powerpoint/2010/main" val="327420019"/>
-      </p:ext>
-    </p:extLst>
-  </p:cSld>
-  <p:clrMapOvr>
-    <a:masterClrMapping/>
-  </p:clrMapOvr>
-  <p:timing>
-    <p:tnLst>
-      <p:par>
-        <p:cTn id="1" dur="indefinite" restart="never" nodeType="tmRoot"/>
-      </p:par>
-    </p:tnLst>
-  </p:timing>
-</p:sld>
-</file>
-
 <file path=ppt/slides/slide9.xml><?xml version="1.0" encoding="utf-8"?>
 <p:sld xmlns:a="http://schemas.openxmlformats.org/drawingml/2006/main" xmlns:r="http://schemas.openxmlformats.org/officeDocument/2006/relationships" xmlns:p="http://schemas.openxmlformats.org/presentationml/2006/main">
   <p:cSld>
@@ -30930,6 +31193,209 @@
           <a:chExt cx="0" cy="0"/>
         </a:xfrm>
       </p:grpSpPr>
+      <p:pic>
+        <p:nvPicPr>
+          <p:cNvPr id="6" name="Picture 2"/>
+          <p:cNvPicPr>
+            <a:picLocks noChangeAspect="1" noChangeArrowheads="1"/>
+          </p:cNvPicPr>
+          <p:nvPr/>
+        </p:nvPicPr>
+        <p:blipFill>
+          <a:blip r:embed="rId2">
+            <a:extLst>
+              <a:ext uri="{28A0092B-C50C-407E-A947-70E740481C1C}">
+                <a14:useLocalDpi xmlns:a14="http://schemas.microsoft.com/office/drawing/2010/main" val="0"/>
+              </a:ext>
+            </a:extLst>
+          </a:blip>
+          <a:srcRect/>
+          <a:stretch>
+            <a:fillRect/>
+          </a:stretch>
+        </p:blipFill>
+        <p:spPr bwMode="auto">
+          <a:xfrm>
+            <a:off x="1916705" y="2292216"/>
+            <a:ext cx="5805645" cy="2259754"/>
+          </a:xfrm>
+          <a:prstGeom prst="rect">
+            <a:avLst/>
+          </a:prstGeom>
+          <a:noFill/>
+          <a:ln>
+            <a:noFill/>
+          </a:ln>
+          <a:extLst>
+            <a:ext uri="{909E8E84-426E-40DD-AFC4-6F175D3DCCD1}">
+              <a14:hiddenFill xmlns:a14="http://schemas.microsoft.com/office/drawing/2010/main">
+                <a:solidFill>
+                  <a:schemeClr val="accent1"/>
+                </a:solidFill>
+              </a14:hiddenFill>
+            </a:ext>
+            <a:ext uri="{91240B29-F687-4F45-9708-019B960494DF}">
+              <a14:hiddenLine xmlns:a14="http://schemas.microsoft.com/office/drawing/2010/main" w="9525">
+                <a:solidFill>
+                  <a:schemeClr val="tx1"/>
+                </a:solidFill>
+                <a:miter lim="800000"/>
+                <a:headEnd/>
+                <a:tailEnd/>
+              </a14:hiddenLine>
+            </a:ext>
+          </a:extLst>
+        </p:spPr>
+      </p:pic>
+      <p:sp>
+        <p:nvSpPr>
+          <p:cNvPr id="2" name="標題 1"/>
+          <p:cNvSpPr>
+            <a:spLocks noGrp="1"/>
+          </p:cNvSpPr>
+          <p:nvPr>
+            <p:ph type="title"/>
+          </p:nvPr>
+        </p:nvSpPr>
+        <p:spPr/>
+        <p:txBody>
+          <a:bodyPr/>
+          <a:lstStyle/>
+          <a:p>
+            <a:r>
+              <a:rPr lang="en-US" altLang="zh-TW" dirty="0" smtClean="0"/>
+              <a:t>10-4 </a:t>
+            </a:r>
+            <a:r>
+              <a:rPr lang="zh-TW" altLang="en-US" dirty="0"/>
+              <a:t>樹狀結構</a:t>
+            </a:r>
+          </a:p>
+        </p:txBody>
+      </p:sp>
+      <p:sp>
+        <p:nvSpPr>
+          <p:cNvPr id="3" name="內容版面配置區 2"/>
+          <p:cNvSpPr>
+            <a:spLocks noGrp="1"/>
+          </p:cNvSpPr>
+          <p:nvPr>
+            <p:ph idx="1"/>
+          </p:nvPr>
+        </p:nvSpPr>
+        <p:spPr/>
+        <p:txBody>
+          <a:bodyPr/>
+          <a:lstStyle/>
+          <a:p>
+            <a:r>
+              <a:rPr lang="zh-TW" altLang="en-US" dirty="0" smtClean="0"/>
+              <a:t>以二元</a:t>
+            </a:r>
+            <a:r>
+              <a:rPr lang="zh-TW" altLang="en-US" dirty="0"/>
+              <a:t>樹的根節點為例，其左子樹和右子樹描繪於下圖中</a:t>
+            </a:r>
+            <a:r>
+              <a:rPr lang="zh-TW" altLang="en-US" dirty="0" smtClean="0"/>
+              <a:t>。</a:t>
+            </a:r>
+            <a:endParaRPr lang="zh-TW" altLang="en-US" dirty="0"/>
+          </a:p>
+        </p:txBody>
+      </p:sp>
+      <p:sp>
+        <p:nvSpPr>
+          <p:cNvPr id="5" name="五邊形 4"/>
+          <p:cNvSpPr/>
+          <p:nvPr/>
+        </p:nvSpPr>
+        <p:spPr>
+          <a:xfrm rot="859578">
+            <a:off x="171773" y="2845386"/>
+            <a:ext cx="2420172" cy="318518"/>
+          </a:xfrm>
+          <a:prstGeom prst="homePlate">
+            <a:avLst/>
+          </a:prstGeom>
+        </p:spPr>
+        <p:style>
+          <a:lnRef idx="0">
+            <a:schemeClr val="accent1"/>
+          </a:lnRef>
+          <a:fillRef idx="3">
+            <a:schemeClr val="accent1"/>
+          </a:fillRef>
+          <a:effectRef idx="3">
+            <a:schemeClr val="accent1"/>
+          </a:effectRef>
+          <a:fontRef idx="minor">
+            <a:schemeClr val="lt1"/>
+          </a:fontRef>
+        </p:style>
+        <p:txBody>
+          <a:bodyPr rtlCol="0" anchor="ctr"/>
+          <a:lstStyle/>
+          <a:p>
+            <a:pPr algn="ctr"/>
+            <a:r>
+              <a:rPr lang="zh-TW" altLang="en-US" sz="2000" b="1" dirty="0">
+                <a:latin typeface="微軟正黑體" pitchFamily="34" charset="-120"/>
+                <a:ea typeface="微軟正黑體" pitchFamily="34" charset="-120"/>
+              </a:rPr>
+              <a:t>左子樹和右子</a:t>
+            </a:r>
+            <a:r>
+              <a:rPr lang="zh-TW" altLang="en-US" sz="2000" b="1" dirty="0" smtClean="0">
+                <a:latin typeface="微軟正黑體" pitchFamily="34" charset="-120"/>
+                <a:ea typeface="微軟正黑體" pitchFamily="34" charset="-120"/>
+              </a:rPr>
+              <a:t>樹</a:t>
+            </a:r>
+            <a:endParaRPr lang="zh-TW" altLang="en-US" sz="2000" b="1" dirty="0">
+              <a:latin typeface="微軟正黑體" pitchFamily="34" charset="-120"/>
+              <a:ea typeface="微軟正黑體" pitchFamily="34" charset="-120"/>
+            </a:endParaRPr>
+          </a:p>
+        </p:txBody>
+      </p:sp>
+    </p:spTree>
+    <p:extLst>
+      <p:ext uri="{BB962C8B-B14F-4D97-AF65-F5344CB8AC3E}">
+        <p14:creationId xmlns:p14="http://schemas.microsoft.com/office/powerpoint/2010/main" val="327420019"/>
+      </p:ext>
+    </p:extLst>
+  </p:cSld>
+  <p:clrMapOvr>
+    <a:masterClrMapping/>
+  </p:clrMapOvr>
+  <p:timing>
+    <p:tnLst>
+      <p:par>
+        <p:cTn id="1" dur="indefinite" restart="never" nodeType="tmRoot"/>
+      </p:par>
+    </p:tnLst>
+  </p:timing>
+</p:sld>
+</file>
+
+<file path=ppt/slides/slide91.xml><?xml version="1.0" encoding="utf-8"?>
+<p:sld xmlns:a="http://schemas.openxmlformats.org/drawingml/2006/main" xmlns:r="http://schemas.openxmlformats.org/officeDocument/2006/relationships" xmlns:p="http://schemas.openxmlformats.org/presentationml/2006/main">
+  <p:cSld>
+    <p:spTree>
+      <p:nvGrpSpPr>
+        <p:cNvPr id="1" name=""/>
+        <p:cNvGrpSpPr/>
+        <p:nvPr/>
+      </p:nvGrpSpPr>
+      <p:grpSpPr>
+        <a:xfrm>
+          <a:off x="0" y="0"/>
+          <a:ext cx="0" cy="0"/>
+          <a:chOff x="0" y="0"/>
+          <a:chExt cx="0" cy="0"/>
+        </a:xfrm>
+      </p:grpSpPr>
       <p:sp>
         <p:nvSpPr>
           <p:cNvPr id="3" name="標題 2"/>
@@ -30974,11 +31440,7 @@
           <a:p>
             <a:r>
               <a:rPr lang="zh-TW" altLang="en-US" dirty="0" smtClean="0"/>
-              <a:t>二元樹實作：首先</a:t>
-            </a:r>
-            <a:r>
-              <a:rPr lang="zh-TW" altLang="en-US" dirty="0" smtClean="0"/>
-              <a:t>定義樹中每一個節點的資料型態，假設每一個節點存放一個字元：</a:t>
+              <a:t>二元樹實作：首先定義樹中每一個節點的資料型態，假設每一個節點存放一個字元：</a:t>
             </a:r>
             <a:endParaRPr lang="zh-TW" altLang="en-US" dirty="0"/>
           </a:p>
@@ -31059,7 +31521,7 @@
 </p:sld>
 </file>
 
-<file path=ppt/slides/slide91.xml><?xml version="1.0" encoding="utf-8"?>
+<file path=ppt/slides/slide92.xml><?xml version="1.0" encoding="utf-8"?>
 <p:sld xmlns:a="http://schemas.openxmlformats.org/drawingml/2006/main" xmlns:r="http://schemas.openxmlformats.org/officeDocument/2006/relationships" xmlns:p="http://schemas.openxmlformats.org/presentationml/2006/main">
   <p:cSld>
     <p:spTree>
@@ -31218,7 +31680,7 @@
 </p:sld>
 </file>
 
-<file path=ppt/slides/slide92.xml><?xml version="1.0" encoding="utf-8"?>
+<file path=ppt/slides/slide93.xml><?xml version="1.0" encoding="utf-8"?>
 <p:sld xmlns:a="http://schemas.openxmlformats.org/drawingml/2006/main" xmlns:r="http://schemas.openxmlformats.org/officeDocument/2006/relationships" xmlns:p="http://schemas.openxmlformats.org/presentationml/2006/main">
   <p:cSld>
     <p:spTree>
@@ -31429,174 +31891,6 @@
 </p:sld>
 </file>
 
-<file path=ppt/slides/slide93.xml><?xml version="1.0" encoding="utf-8"?>
-<p:sld xmlns:a="http://schemas.openxmlformats.org/drawingml/2006/main" xmlns:r="http://schemas.openxmlformats.org/officeDocument/2006/relationships" xmlns:p="http://schemas.openxmlformats.org/presentationml/2006/main">
-  <p:cSld>
-    <p:spTree>
-      <p:nvGrpSpPr>
-        <p:cNvPr id="1" name=""/>
-        <p:cNvGrpSpPr/>
-        <p:nvPr/>
-      </p:nvGrpSpPr>
-      <p:grpSpPr>
-        <a:xfrm>
-          <a:off x="0" y="0"/>
-          <a:ext cx="0" cy="0"/>
-          <a:chOff x="0" y="0"/>
-          <a:chExt cx="0" cy="0"/>
-        </a:xfrm>
-      </p:grpSpPr>
-      <p:sp>
-        <p:nvSpPr>
-          <p:cNvPr id="5" name="標題 4"/>
-          <p:cNvSpPr>
-            <a:spLocks noGrp="1"/>
-          </p:cNvSpPr>
-          <p:nvPr>
-            <p:ph type="title"/>
-          </p:nvPr>
-        </p:nvSpPr>
-        <p:spPr/>
-        <p:txBody>
-          <a:bodyPr/>
-          <a:lstStyle/>
-          <a:p>
-            <a:r>
-              <a:rPr lang="en-US" altLang="zh-TW" dirty="0" smtClean="0"/>
-              <a:t>10-4 </a:t>
-            </a:r>
-            <a:r>
-              <a:rPr lang="zh-TW" altLang="en-US" dirty="0" smtClean="0"/>
-              <a:t>樹狀結構</a:t>
-            </a:r>
-            <a:endParaRPr lang="zh-TW" altLang="en-US" dirty="0"/>
-          </a:p>
-        </p:txBody>
-      </p:sp>
-      <p:sp>
-        <p:nvSpPr>
-          <p:cNvPr id="2" name="內容版面配置區 1"/>
-          <p:cNvSpPr>
-            <a:spLocks noGrp="1"/>
-          </p:cNvSpPr>
-          <p:nvPr>
-            <p:ph idx="1"/>
-          </p:nvPr>
-        </p:nvSpPr>
-        <p:spPr/>
-        <p:txBody>
-          <a:bodyPr>
-            <a:normAutofit fontScale="85000" lnSpcReduction="10000"/>
-          </a:bodyPr>
-          <a:lstStyle/>
-          <a:p>
-            <a:r>
-              <a:rPr lang="zh-TW" altLang="en-US" dirty="0" smtClean="0"/>
-              <a:t>將二元樹建立起來之後，一個最常見而基本的運算，就是把整棵樹走一遍，也就是</a:t>
-            </a:r>
-            <a:r>
-              <a:rPr lang="zh-TW" altLang="en-US" dirty="0" smtClean="0">
-                <a:solidFill>
-                  <a:srgbClr val="C00000"/>
-                </a:solidFill>
-              </a:rPr>
-              <a:t>探訪</a:t>
-            </a:r>
-            <a:r>
-              <a:rPr lang="en-US" altLang="zh-TW" dirty="0" smtClean="0"/>
-              <a:t>(traverse)</a:t>
-            </a:r>
-            <a:r>
-              <a:rPr lang="zh-TW" altLang="en-US" dirty="0" smtClean="0"/>
-              <a:t>所有的節點。</a:t>
-            </a:r>
-            <a:endParaRPr lang="en-US" altLang="zh-TW" dirty="0" smtClean="0"/>
-          </a:p>
-          <a:p>
-            <a:r>
-              <a:rPr lang="zh-TW" altLang="en-US" dirty="0" smtClean="0"/>
-              <a:t>二元樹的三種探訪順序如下：</a:t>
-            </a:r>
-          </a:p>
-          <a:p>
-            <a:pPr lvl="1"/>
-            <a:r>
-              <a:rPr lang="zh-TW" altLang="en-US" dirty="0" smtClean="0"/>
-              <a:t>前序法</a:t>
-            </a:r>
-            <a:r>
-              <a:rPr lang="en-US" altLang="zh-TW" dirty="0" smtClean="0"/>
-              <a:t>(preorder)</a:t>
-            </a:r>
-            <a:r>
-              <a:rPr lang="zh-TW" altLang="en-US" dirty="0" smtClean="0"/>
-              <a:t>。</a:t>
-            </a:r>
-          </a:p>
-          <a:p>
-            <a:pPr lvl="1"/>
-            <a:r>
-              <a:rPr lang="zh-TW" altLang="en-US" dirty="0" smtClean="0"/>
-              <a:t>中序法</a:t>
-            </a:r>
-            <a:r>
-              <a:rPr lang="en-US" altLang="zh-TW" dirty="0" smtClean="0"/>
-              <a:t>(</a:t>
-            </a:r>
-            <a:r>
-              <a:rPr lang="en-US" altLang="zh-TW" dirty="0" err="1" smtClean="0"/>
-              <a:t>inorder</a:t>
-            </a:r>
-            <a:r>
-              <a:rPr lang="en-US" altLang="zh-TW" dirty="0" smtClean="0"/>
-              <a:t>)</a:t>
-            </a:r>
-            <a:r>
-              <a:rPr lang="zh-TW" altLang="en-US" dirty="0" smtClean="0"/>
-              <a:t>。</a:t>
-            </a:r>
-          </a:p>
-          <a:p>
-            <a:pPr lvl="1"/>
-            <a:r>
-              <a:rPr lang="zh-TW" altLang="en-US" dirty="0" smtClean="0"/>
-              <a:t>後序法</a:t>
-            </a:r>
-            <a:r>
-              <a:rPr lang="en-US" altLang="zh-TW" dirty="0" smtClean="0"/>
-              <a:t>(</a:t>
-            </a:r>
-            <a:r>
-              <a:rPr lang="en-US" altLang="zh-TW" dirty="0" err="1" smtClean="0"/>
-              <a:t>postorder</a:t>
-            </a:r>
-            <a:r>
-              <a:rPr lang="en-US" altLang="zh-TW" dirty="0" smtClean="0"/>
-              <a:t>)</a:t>
-            </a:r>
-            <a:r>
-              <a:rPr lang="zh-TW" altLang="en-US" dirty="0" smtClean="0"/>
-              <a:t>。</a:t>
-            </a:r>
-            <a:endParaRPr lang="zh-TW" altLang="en-US" dirty="0"/>
-          </a:p>
-        </p:txBody>
-      </p:sp>
-    </p:spTree>
-  </p:cSld>
-  <p:clrMapOvr>
-    <a:masterClrMapping/>
-  </p:clrMapOvr>
-  <p:timing>
-    <p:tnLst>
-      <p:par>
-        <p:cTn id="1" dur="indefinite" restart="never" nodeType="tmRoot"/>
-      </p:par>
-    </p:tnLst>
-  </p:timing>
-</p:sld>
-</file>
-
 <file path=ppt/slides/slide94.xml><?xml version="1.0" encoding="utf-8"?>
 <p:sld xmlns:a="http://schemas.openxmlformats.org/drawingml/2006/main" xmlns:r="http://schemas.openxmlformats.org/officeDocument/2006/relationships" xmlns:p="http://schemas.openxmlformats.org/presentationml/2006/main">
   <p:cSld>
@@ -31634,9 +31928,10 @@
               <a:t>10-4 </a:t>
             </a:r>
             <a:r>
-              <a:rPr lang="zh-TW" altLang="en-US" dirty="0"/>
+              <a:rPr lang="zh-TW" altLang="en-US" dirty="0" smtClean="0"/>
               <a:t>樹狀結構</a:t>
             </a:r>
+            <a:endParaRPr lang="zh-TW" altLang="en-US" dirty="0"/>
           </a:p>
         </p:txBody>
       </p:sp>
@@ -31653,23 +31948,99 @@
         <p:spPr/>
         <p:txBody>
           <a:bodyPr>
-            <a:normAutofit/>
+            <a:normAutofit fontScale="85000" lnSpcReduction="10000"/>
           </a:bodyPr>
           <a:lstStyle/>
           <a:p>
             <a:r>
               <a:rPr lang="zh-TW" altLang="en-US" dirty="0" smtClean="0"/>
-              <a:t>若是將圖</a:t>
+              <a:t>將二元樹建立起來之後，一個最常見而基本的運算，就是把整棵樹走一遍，也就是</a:t>
+            </a:r>
+            <a:r>
+              <a:rPr lang="zh-TW" altLang="en-US" dirty="0" smtClean="0">
+                <a:solidFill>
+                  <a:srgbClr val="C00000"/>
+                </a:solidFill>
+              </a:rPr>
+              <a:t>探訪</a:t>
             </a:r>
             <a:r>
               <a:rPr lang="en-US" altLang="zh-TW" dirty="0" smtClean="0"/>
-              <a:t>10-7</a:t>
-            </a:r>
-            <a:r>
-              <a:rPr lang="zh-TW" altLang="en-US" dirty="0" smtClean="0"/>
-              <a:t>分別以這三種探訪順序走一遍，則正好會得到三種不同的運算式表示法。</a:t>
+              <a:t>(traverse)</a:t>
+            </a:r>
+            <a:r>
+              <a:rPr lang="zh-TW" altLang="en-US" dirty="0" smtClean="0"/>
+              <a:t>所有的節點。</a:t>
             </a:r>
             <a:endParaRPr lang="en-US" altLang="zh-TW" dirty="0" smtClean="0"/>
+          </a:p>
+          <a:p>
+            <a:r>
+              <a:rPr lang="zh-TW" altLang="en-US" dirty="0" smtClean="0"/>
+              <a:t>二元樹的三種探訪順序如下：</a:t>
+            </a:r>
+          </a:p>
+          <a:p>
+            <a:pPr lvl="1"/>
+            <a:r>
+              <a:rPr lang="zh-TW" altLang="en-US" dirty="0" smtClean="0"/>
+              <a:t>前序法</a:t>
+            </a:r>
+            <a:r>
+              <a:rPr lang="en-US" altLang="zh-TW" dirty="0" smtClean="0"/>
+              <a:t>(preorder)</a:t>
+            </a:r>
+            <a:r>
+              <a:rPr lang="zh-TW" altLang="en-US" dirty="0" smtClean="0"/>
+              <a:t>。</a:t>
+            </a:r>
+          </a:p>
+          <a:p>
+            <a:pPr lvl="1"/>
+            <a:r>
+              <a:rPr lang="zh-TW" altLang="en-US" dirty="0" smtClean="0"/>
+              <a:t>中序法</a:t>
+            </a:r>
+            <a:r>
+              <a:rPr lang="en-US" altLang="zh-TW" dirty="0" smtClean="0"/>
+              <a:t>(</a:t>
+            </a:r>
+            <a:r>
+              <a:rPr lang="en-US" altLang="zh-TW" dirty="0" err="1" smtClean="0"/>
+              <a:t>inorder</a:t>
+            </a:r>
+            <a:r>
+              <a:rPr lang="en-US" altLang="zh-TW" dirty="0" smtClean="0"/>
+              <a:t>)</a:t>
+            </a:r>
+            <a:r>
+              <a:rPr lang="zh-TW" altLang="en-US" dirty="0" smtClean="0"/>
+              <a:t>。</a:t>
+            </a:r>
+          </a:p>
+          <a:p>
+            <a:pPr lvl="1"/>
+            <a:r>
+              <a:rPr lang="zh-TW" altLang="en-US" dirty="0" smtClean="0"/>
+              <a:t>後序法</a:t>
+            </a:r>
+            <a:r>
+              <a:rPr lang="en-US" altLang="zh-TW" dirty="0" smtClean="0"/>
+              <a:t>(</a:t>
+            </a:r>
+            <a:r>
+              <a:rPr lang="en-US" altLang="zh-TW" dirty="0" err="1" smtClean="0"/>
+              <a:t>postorder</a:t>
+            </a:r>
+            <a:r>
+              <a:rPr lang="en-US" altLang="zh-TW" dirty="0" smtClean="0"/>
+              <a:t>)</a:t>
+            </a:r>
+            <a:r>
+              <a:rPr lang="zh-TW" altLang="en-US" dirty="0" smtClean="0"/>
+              <a:t>。</a:t>
+            </a:r>
+            <a:endParaRPr lang="zh-TW" altLang="en-US" dirty="0"/>
           </a:p>
         </p:txBody>
       </p:sp>
@@ -31707,6 +32078,97 @@
       </p:grpSpPr>
       <p:sp>
         <p:nvSpPr>
+          <p:cNvPr id="5" name="標題 4"/>
+          <p:cNvSpPr>
+            <a:spLocks noGrp="1"/>
+          </p:cNvSpPr>
+          <p:nvPr>
+            <p:ph type="title"/>
+          </p:nvPr>
+        </p:nvSpPr>
+        <p:spPr/>
+        <p:txBody>
+          <a:bodyPr/>
+          <a:lstStyle/>
+          <a:p>
+            <a:r>
+              <a:rPr lang="en-US" altLang="zh-TW" dirty="0" smtClean="0"/>
+              <a:t>10-4 </a:t>
+            </a:r>
+            <a:r>
+              <a:rPr lang="zh-TW" altLang="en-US" dirty="0"/>
+              <a:t>樹狀結構</a:t>
+            </a:r>
+          </a:p>
+        </p:txBody>
+      </p:sp>
+      <p:sp>
+        <p:nvSpPr>
+          <p:cNvPr id="2" name="內容版面配置區 1"/>
+          <p:cNvSpPr>
+            <a:spLocks noGrp="1"/>
+          </p:cNvSpPr>
+          <p:nvPr>
+            <p:ph idx="1"/>
+          </p:nvPr>
+        </p:nvSpPr>
+        <p:spPr/>
+        <p:txBody>
+          <a:bodyPr>
+            <a:normAutofit/>
+          </a:bodyPr>
+          <a:lstStyle/>
+          <a:p>
+            <a:r>
+              <a:rPr lang="zh-TW" altLang="en-US" dirty="0" smtClean="0"/>
+              <a:t>若是將圖</a:t>
+            </a:r>
+            <a:r>
+              <a:rPr lang="en-US" altLang="zh-TW" dirty="0" smtClean="0"/>
+              <a:t>10-7</a:t>
+            </a:r>
+            <a:r>
+              <a:rPr lang="zh-TW" altLang="en-US" dirty="0" smtClean="0"/>
+              <a:t>分別以這三種探訪順序走一遍，則正好會得到三種不同的運算式表示法。</a:t>
+            </a:r>
+            <a:endParaRPr lang="en-US" altLang="zh-TW" dirty="0" smtClean="0"/>
+          </a:p>
+        </p:txBody>
+      </p:sp>
+    </p:spTree>
+  </p:cSld>
+  <p:clrMapOvr>
+    <a:masterClrMapping/>
+  </p:clrMapOvr>
+  <p:timing>
+    <p:tnLst>
+      <p:par>
+        <p:cTn id="1" dur="indefinite" restart="never" nodeType="tmRoot"/>
+      </p:par>
+    </p:tnLst>
+  </p:timing>
+</p:sld>
+</file>
+
+<file path=ppt/slides/slide96.xml><?xml version="1.0" encoding="utf-8"?>
+<p:sld xmlns:a="http://schemas.openxmlformats.org/drawingml/2006/main" xmlns:r="http://schemas.openxmlformats.org/officeDocument/2006/relationships" xmlns:p="http://schemas.openxmlformats.org/presentationml/2006/main">
+  <p:cSld>
+    <p:spTree>
+      <p:nvGrpSpPr>
+        <p:cNvPr id="1" name=""/>
+        <p:cNvGrpSpPr/>
+        <p:nvPr/>
+      </p:nvGrpSpPr>
+      <p:grpSpPr>
+        <a:xfrm>
+          <a:off x="0" y="0"/>
+          <a:ext cx="0" cy="0"/>
+          <a:chOff x="0" y="0"/>
+          <a:chExt cx="0" cy="0"/>
+        </a:xfrm>
+      </p:grpSpPr>
+      <p:sp>
+        <p:nvSpPr>
           <p:cNvPr id="2" name="標題 1"/>
           <p:cNvSpPr>
             <a:spLocks noGrp="1"/>
@@ -31852,7 +32314,7 @@
 </p:sld>
 </file>
 
-<file path=ppt/slides/slide96.xml><?xml version="1.0" encoding="utf-8"?>
+<file path=ppt/slides/slide97.xml><?xml version="1.0" encoding="utf-8"?>
 <p:sld xmlns:a="http://schemas.openxmlformats.org/drawingml/2006/main" xmlns:r="http://schemas.openxmlformats.org/officeDocument/2006/relationships" xmlns:p="http://schemas.openxmlformats.org/presentationml/2006/main">
   <p:cSld>
     <p:spTree>
@@ -31970,7 +32432,7 @@
 </p:sld>
 </file>
 
-<file path=ppt/slides/slide97.xml><?xml version="1.0" encoding="utf-8"?>
+<file path=ppt/slides/slide98.xml><?xml version="1.0" encoding="utf-8"?>
 <p:sld xmlns:a="http://schemas.openxmlformats.org/drawingml/2006/main" xmlns:r="http://schemas.openxmlformats.org/officeDocument/2006/relationships" xmlns:p="http://schemas.openxmlformats.org/presentationml/2006/main">
   <p:cSld>
     <p:spTree>
@@ -32192,114 +32654,6 @@
 </p:sld>
 </file>
 
-<file path=ppt/slides/slide98.xml><?xml version="1.0" encoding="utf-8"?>
-<p:sld xmlns:a="http://schemas.openxmlformats.org/drawingml/2006/main" xmlns:r="http://schemas.openxmlformats.org/officeDocument/2006/relationships" xmlns:p="http://schemas.openxmlformats.org/presentationml/2006/main">
-  <p:cSld>
-    <p:spTree>
-      <p:nvGrpSpPr>
-        <p:cNvPr id="1" name=""/>
-        <p:cNvGrpSpPr/>
-        <p:nvPr/>
-      </p:nvGrpSpPr>
-      <p:grpSpPr>
-        <a:xfrm>
-          <a:off x="0" y="0"/>
-          <a:ext cx="0" cy="0"/>
-          <a:chOff x="0" y="0"/>
-          <a:chExt cx="0" cy="0"/>
-        </a:xfrm>
-      </p:grpSpPr>
-      <p:sp>
-        <p:nvSpPr>
-          <p:cNvPr id="3" name="標題 2"/>
-          <p:cNvSpPr>
-            <a:spLocks noGrp="1"/>
-          </p:cNvSpPr>
-          <p:nvPr>
-            <p:ph type="title"/>
-          </p:nvPr>
-        </p:nvSpPr>
-        <p:spPr/>
-        <p:txBody>
-          <a:bodyPr/>
-          <a:lstStyle/>
-          <a:p>
-            <a:r>
-              <a:rPr lang="en-US" altLang="zh-TW" dirty="0" smtClean="0"/>
-              <a:t>10-4 </a:t>
-            </a:r>
-            <a:r>
-              <a:rPr lang="zh-TW" altLang="en-US" dirty="0"/>
-              <a:t>樹狀結構</a:t>
-            </a:r>
-          </a:p>
-        </p:txBody>
-      </p:sp>
-      <p:sp>
-        <p:nvSpPr>
-          <p:cNvPr id="2" name="內容版面配置區 1"/>
-          <p:cNvSpPr>
-            <a:spLocks noGrp="1"/>
-          </p:cNvSpPr>
-          <p:nvPr>
-            <p:ph idx="1"/>
-          </p:nvPr>
-        </p:nvSpPr>
-        <p:spPr/>
-        <p:txBody>
-          <a:bodyPr>
-            <a:normAutofit fontScale="92500"/>
-          </a:bodyPr>
-          <a:lstStyle/>
-          <a:p>
-            <a:pPr>
-              <a:lnSpc>
-                <a:spcPct val="120000"/>
-              </a:lnSpc>
-            </a:pPr>
-            <a:r>
-              <a:rPr lang="zh-TW" altLang="en-US" dirty="0" smtClean="0"/>
-              <a:t>在處理樹的演算法中，常使用到遞迴的觀念，因為樹中的每一個節點都有相同的特性，而且前面處理的結果，會影響到後面，就如同階乘函數一般。</a:t>
-            </a:r>
-            <a:endParaRPr lang="en-US" altLang="zh-TW" dirty="0" smtClean="0"/>
-          </a:p>
-          <a:p>
-            <a:pPr>
-              <a:lnSpc>
-                <a:spcPct val="120000"/>
-              </a:lnSpc>
-            </a:pPr>
-            <a:r>
-              <a:rPr lang="zh-TW" altLang="en-US" dirty="0"/>
-              <a:t>三種探訪程序會在探訪節點的時候，同時將該節點表示的字元列出</a:t>
-            </a:r>
-            <a:r>
-              <a:rPr lang="zh-TW" altLang="en-US" dirty="0" smtClean="0"/>
-              <a:t>來</a:t>
-            </a:r>
-            <a:r>
-              <a:rPr lang="zh-TW" altLang="en-US" dirty="0"/>
-              <a:t>。</a:t>
-            </a:r>
-            <a:endParaRPr lang="en-US" altLang="zh-TW" dirty="0"/>
-          </a:p>
-        </p:txBody>
-      </p:sp>
-    </p:spTree>
-  </p:cSld>
-  <p:clrMapOvr>
-    <a:masterClrMapping/>
-  </p:clrMapOvr>
-  <p:timing>
-    <p:tnLst>
-      <p:par>
-        <p:cTn id="1" dur="indefinite" restart="never" nodeType="tmRoot"/>
-      </p:par>
-    </p:tnLst>
-  </p:timing>
-</p:sld>
-</file>
-
 <file path=ppt/slides/slide99.xml><?xml version="1.0" encoding="utf-8"?>
 <p:sld xmlns:a="http://schemas.openxmlformats.org/drawingml/2006/main" xmlns:r="http://schemas.openxmlformats.org/officeDocument/2006/relationships" xmlns:p="http://schemas.openxmlformats.org/presentationml/2006/main">
   <p:cSld>
@@ -32319,7 +32673,7 @@
       </p:grpSpPr>
       <p:sp>
         <p:nvSpPr>
-          <p:cNvPr id="4" name="標題 3"/>
+          <p:cNvPr id="3" name="標題 2"/>
           <p:cNvSpPr>
             <a:spLocks noGrp="1"/>
           </p:cNvSpPr>
@@ -32337,18 +32691,9 @@
               <a:t>10-4 </a:t>
             </a:r>
             <a:r>
-              <a:rPr lang="zh-TW" altLang="en-US" dirty="0" smtClean="0"/>
+              <a:rPr lang="zh-TW" altLang="en-US" dirty="0"/>
               <a:t>樹狀結構</a:t>
             </a:r>
-            <a:r>
-              <a:rPr lang="en-US" altLang="zh-TW" dirty="0" smtClean="0"/>
-              <a:t>—</a:t>
-            </a:r>
-            <a:r>
-              <a:rPr lang="zh-TW" altLang="en-US" dirty="0" smtClean="0"/>
-              <a:t>前序法</a:t>
-            </a:r>
-            <a:endParaRPr lang="zh-TW" altLang="en-US" dirty="0"/>
           </a:p>
         </p:txBody>
       </p:sp>
@@ -32362,72 +32707,47 @@
             <p:ph idx="1"/>
           </p:nvPr>
         </p:nvSpPr>
-        <p:spPr>
-          <a:xfrm>
-            <a:off x="457200" y="1491854"/>
-            <a:ext cx="8229600" cy="3102769"/>
-          </a:xfrm>
-        </p:spPr>
+        <p:spPr/>
         <p:txBody>
           <a:bodyPr>
-            <a:normAutofit fontScale="92500" lnSpcReduction="10000"/>
+            <a:normAutofit fontScale="92500"/>
           </a:bodyPr>
           <a:lstStyle/>
           <a:p>
-            <a:r>
-              <a:rPr lang="zh-TW" altLang="en-US" dirty="0" smtClean="0"/>
-              <a:t>前序法在探訪節點的時候，同時將該節點表示的字元列出來：</a:t>
+            <a:pPr>
+              <a:lnSpc>
+                <a:spcPct val="120000"/>
+              </a:lnSpc>
+            </a:pPr>
+            <a:r>
+              <a:rPr lang="zh-TW" altLang="en-US" dirty="0" smtClean="0"/>
+              <a:t>在處理樹的演算法中，常使用到遞迴的觀念，因為樹中的每一個節點都有相同的特性，而且前面處理的結果，會影響到後面，就如同階乘函數一般。</a:t>
             </a:r>
             <a:endParaRPr lang="en-US" altLang="zh-TW" dirty="0" smtClean="0"/>
           </a:p>
           <a:p>
-            <a:pPr lvl="1"/>
-            <a:r>
-              <a:rPr lang="zh-TW" altLang="en-US" dirty="0" smtClean="0"/>
-              <a:t>前序法的程序</a:t>
-            </a:r>
-            <a:r>
-              <a:rPr lang="en-US" altLang="zh-TW" dirty="0" smtClean="0">
-                <a:solidFill>
-                  <a:srgbClr val="0070C0"/>
-                </a:solidFill>
-              </a:rPr>
-              <a:t>preorder</a:t>
-            </a:r>
-            <a:r>
-              <a:rPr lang="zh-TW" altLang="en-US" dirty="0" smtClean="0"/>
-              <a:t>，先將參數</a:t>
-            </a:r>
-            <a:r>
-              <a:rPr lang="en-US" altLang="zh-TW" dirty="0" smtClean="0">
-                <a:solidFill>
-                  <a:srgbClr val="0070C0"/>
-                </a:solidFill>
-              </a:rPr>
-              <a:t>p</a:t>
-            </a:r>
-            <a:r>
-              <a:rPr lang="zh-TW" altLang="en-US" dirty="0" smtClean="0"/>
-              <a:t>對應的節點，也就是父節點的資料先列印出來，接著再遞迴呼叫此程序處理左子節點。</a:t>
-            </a:r>
-            <a:endParaRPr lang="en-US" altLang="zh-TW" dirty="0" smtClean="0"/>
-          </a:p>
-          <a:p>
-            <a:pPr lvl="1"/>
-            <a:r>
-              <a:rPr lang="zh-TW" altLang="en-US" dirty="0" smtClean="0"/>
-              <a:t>等到進入遞迴呼叫時，此左子節點會再度被視作是根節點，然後左子樹會依照一樣的方式被處理。</a:t>
-            </a:r>
-            <a:endParaRPr lang="en-US" altLang="zh-TW" dirty="0" smtClean="0"/>
+            <a:pPr>
+              <a:lnSpc>
+                <a:spcPct val="120000"/>
+              </a:lnSpc>
+            </a:pPr>
+            <a:r>
+              <a:rPr lang="zh-TW" altLang="en-US" dirty="0"/>
+              <a:t>三種探訪程序會在探訪節點的時候，同時將該節點表示的字元列出</a:t>
+            </a:r>
+            <a:r>
+              <a:rPr lang="zh-TW" altLang="en-US" dirty="0" smtClean="0"/>
+              <a:t>來</a:t>
+            </a:r>
+            <a:r>
+              <a:rPr lang="zh-TW" altLang="en-US" dirty="0"/>
+              <a:t>。</a:t>
+            </a:r>
+            <a:endParaRPr lang="en-US" altLang="zh-TW" dirty="0"/>
           </a:p>
         </p:txBody>
       </p:sp>
     </p:spTree>
-    <p:extLst>
-      <p:ext uri="{BB962C8B-B14F-4D97-AF65-F5344CB8AC3E}">
-        <p14:creationId xmlns:p14="http://schemas.microsoft.com/office/powerpoint/2010/main" val="486990526"/>
-      </p:ext>
-    </p:extLst>
   </p:cSld>
   <p:clrMapOvr>
     <a:masterClrMapping/>
